--- a/documents/Perfect Diamond final.pptx
+++ b/documents/Perfect Diamond final.pptx
@@ -12,10 +12,9 @@
     <p:sldId id="270" r:id="rId6"/>
     <p:sldId id="271" r:id="rId7"/>
     <p:sldId id="272" r:id="rId8"/>
-    <p:sldId id="273" r:id="rId9"/>
-    <p:sldId id="274" r:id="rId10"/>
-    <p:sldId id="275" r:id="rId11"/>
-    <p:sldId id="276" r:id="rId12"/>
+    <p:sldId id="274" r:id="rId9"/>
+    <p:sldId id="275" r:id="rId10"/>
+    <p:sldId id="276" r:id="rId11"/>
   </p:sldIdLst>
   <p:sldSz cx="12192000" cy="6858000"/>
   <p:notesSz cx="6858000" cy="9144000"/>
@@ -4657,17 +4656,657 @@
                   <a:srgbClr val="FFFFFF"/>
                 </a:solidFill>
               </a:rPr>
-              <a:t>Final Remarks</a:t>
+              <a:t>Thank you!</a:t>
             </a:r>
+          </a:p>
+        </p:txBody>
+      </p:sp>
+      <p:pic>
+        <p:nvPicPr>
+          <p:cNvPr id="10" name="Picture 9" descr="Diagram&#10;&#10;Description automatically generated">
+            <a:extLst>
+              <a:ext uri="{FF2B5EF4-FFF2-40B4-BE49-F238E27FC236}">
+                <a16:creationId xmlns:a16="http://schemas.microsoft.com/office/drawing/2014/main" id="{1532687E-AABC-4B05-822F-54C7D0F2BE45}"/>
+              </a:ext>
+            </a:extLst>
+          </p:cNvPr>
+          <p:cNvPicPr>
+            <a:picLocks noChangeAspect="1"/>
+          </p:cNvPicPr>
+          <p:nvPr/>
+        </p:nvPicPr>
+        <p:blipFill>
+          <a:blip r:embed="rId2">
+            <a:extLst>
+              <a:ext uri="{28A0092B-C50C-407E-A947-70E740481C1C}">
+                <a14:useLocalDpi xmlns:a14="http://schemas.microsoft.com/office/drawing/2010/main" val="0"/>
+              </a:ext>
+            </a:extLst>
+          </a:blip>
+          <a:stretch>
+            <a:fillRect/>
+          </a:stretch>
+        </p:blipFill>
+        <p:spPr>
+          <a:xfrm>
+            <a:off x="4054168" y="2354089"/>
+            <a:ext cx="4080616" cy="4080616"/>
+          </a:xfrm>
+          <a:prstGeom prst="rect">
+            <a:avLst/>
+          </a:prstGeom>
+        </p:spPr>
+      </p:pic>
+    </p:spTree>
+    <p:extLst>
+      <p:ext uri="{BB962C8B-B14F-4D97-AF65-F5344CB8AC3E}">
+        <p14:creationId xmlns:p14="http://schemas.microsoft.com/office/powerpoint/2010/main" val="2835168592"/>
+      </p:ext>
+    </p:extLst>
+  </p:cSld>
+  <p:clrMapOvr>
+    <a:masterClrMapping/>
+  </p:clrMapOvr>
+</p:sld>
+</file>
+
+<file path=ppt/slides/slide2.xml><?xml version="1.0" encoding="utf-8"?>
+<p:sld xmlns:a="http://schemas.openxmlformats.org/drawingml/2006/main" xmlns:r="http://schemas.openxmlformats.org/officeDocument/2006/relationships" xmlns:p="http://schemas.openxmlformats.org/presentationml/2006/main">
+  <p:cSld>
+    <p:bg>
+      <p:bgPr>
+        <a:solidFill>
+          <a:schemeClr val="bg1"/>
+        </a:solidFill>
+        <a:effectLst/>
+      </p:bgPr>
+    </p:bg>
+    <p:spTree>
+      <p:nvGrpSpPr>
+        <p:cNvPr id="1" name=""/>
+        <p:cNvGrpSpPr/>
+        <p:nvPr/>
+      </p:nvGrpSpPr>
+      <p:grpSpPr>
+        <a:xfrm>
+          <a:off x="0" y="0"/>
+          <a:ext cx="0" cy="0"/>
+          <a:chOff x="0" y="0"/>
+          <a:chExt cx="0" cy="0"/>
+        </a:xfrm>
+      </p:grpSpPr>
+      <p:sp useBgFill="1">
+        <p:nvSpPr>
+          <p:cNvPr id="15" name="Rectangle 14">
+            <a:extLst>
+              <a:ext uri="{FF2B5EF4-FFF2-40B4-BE49-F238E27FC236}">
+                <a16:creationId xmlns:a16="http://schemas.microsoft.com/office/drawing/2014/main" id="{827B839B-9ADE-406B-8590-F1CAEDED45A1}"/>
+              </a:ext>
+              <a:ext uri="{C183D7F6-B498-43B3-948B-1728B52AA6E4}">
+                <adec:decorative xmlns:adec="http://schemas.microsoft.com/office/drawing/2017/decorative" val="1"/>
+              </a:ext>
+            </a:extLst>
+          </p:cNvPr>
+          <p:cNvSpPr>
+            <a:spLocks noGrp="1" noRot="1" noChangeAspect="1" noMove="1" noResize="1" noEditPoints="1" noAdjustHandles="1" noChangeArrowheads="1" noChangeShapeType="1" noTextEdit="1"/>
+          </p:cNvSpPr>
+          <p:nvPr>
+            <p:extLst>
+              <p:ext uri="{386F3935-93C4-4BCD-93E2-E3B085C9AB24}">
+                <p16:designElem xmlns:p16="http://schemas.microsoft.com/office/powerpoint/2015/main" val="1"/>
+              </p:ext>
+            </p:extLst>
+          </p:nvPr>
+        </p:nvSpPr>
+        <p:spPr>
+          <a:xfrm>
+            <a:off x="0" y="0"/>
+            <a:ext cx="12188952" cy="6858000"/>
+          </a:xfrm>
+          <a:prstGeom prst="rect">
+            <a:avLst/>
+          </a:prstGeom>
+          <a:ln>
+            <a:noFill/>
+          </a:ln>
+        </p:spPr>
+        <p:style>
+          <a:lnRef idx="2">
+            <a:schemeClr val="accent1">
+              <a:shade val="50000"/>
+            </a:schemeClr>
+          </a:lnRef>
+          <a:fillRef idx="1">
+            <a:schemeClr val="accent1"/>
+          </a:fillRef>
+          <a:effectRef idx="0">
+            <a:schemeClr val="accent1"/>
+          </a:effectRef>
+          <a:fontRef idx="minor">
+            <a:schemeClr val="lt1"/>
+          </a:fontRef>
+        </p:style>
+        <p:txBody>
+          <a:bodyPr rtlCol="0" anchor="ctr"/>
+          <a:lstStyle/>
+          <a:p>
+            <a:pPr algn="ctr"/>
+            <a:endParaRPr lang="en-US"/>
           </a:p>
         </p:txBody>
       </p:sp>
       <p:sp>
         <p:nvSpPr>
-          <p:cNvPr id="4" name="Content Placeholder 3">
+          <p:cNvPr id="17" name="Freeform 45">
             <a:extLst>
               <a:ext uri="{FF2B5EF4-FFF2-40B4-BE49-F238E27FC236}">
-                <a16:creationId xmlns:a16="http://schemas.microsoft.com/office/drawing/2014/main" id="{3655B4DF-128C-4EF3-8136-9ACCB97BA2BC}"/>
+                <a16:creationId xmlns:a16="http://schemas.microsoft.com/office/drawing/2014/main" id="{CFE45BF0-46DB-408C-B5F7-7B11716805D4}"/>
+              </a:ext>
+              <a:ext uri="{C183D7F6-B498-43B3-948B-1728B52AA6E4}">
+                <adec:decorative xmlns:adec="http://schemas.microsoft.com/office/drawing/2017/decorative" val="1"/>
+              </a:ext>
+            </a:extLst>
+          </p:cNvPr>
+          <p:cNvSpPr>
+            <a:spLocks noGrp="1" noRot="1" noChangeAspect="1" noMove="1" noResize="1" noEditPoints="1" noAdjustHandles="1" noChangeArrowheads="1" noChangeShapeType="1" noTextEdit="1"/>
+          </p:cNvSpPr>
+          <p:nvPr>
+            <p:extLst>
+              <p:ext uri="{386F3935-93C4-4BCD-93E2-E3B085C9AB24}">
+                <p16:designElem xmlns:p16="http://schemas.microsoft.com/office/powerpoint/2015/main" val="1"/>
+              </p:ext>
+            </p:extLst>
+          </p:nvPr>
+        </p:nvSpPr>
+        <p:spPr bwMode="auto">
+          <a:xfrm>
+            <a:off x="409710" y="1022350"/>
+            <a:ext cx="709612" cy="2095501"/>
+          </a:xfrm>
+          <a:custGeom>
+            <a:avLst/>
+            <a:gdLst>
+              <a:gd name="T0" fmla="*/ 447 w 447"/>
+              <a:gd name="T1" fmla="*/ 1363 h 1363"/>
+              <a:gd name="T2" fmla="*/ 0 w 447"/>
+              <a:gd name="T3" fmla="*/ 987 h 1363"/>
+              <a:gd name="T4" fmla="*/ 0 w 447"/>
+              <a:gd name="T5" fmla="*/ 0 h 1363"/>
+              <a:gd name="T6" fmla="*/ 447 w 447"/>
+              <a:gd name="T7" fmla="*/ 376 h 1363"/>
+              <a:gd name="T8" fmla="*/ 447 w 447"/>
+              <a:gd name="T9" fmla="*/ 1363 h 1363"/>
+            </a:gdLst>
+            <a:ahLst/>
+            <a:cxnLst>
+              <a:cxn ang="0">
+                <a:pos x="T0" y="T1"/>
+              </a:cxn>
+              <a:cxn ang="0">
+                <a:pos x="T2" y="T3"/>
+              </a:cxn>
+              <a:cxn ang="0">
+                <a:pos x="T4" y="T5"/>
+              </a:cxn>
+              <a:cxn ang="0">
+                <a:pos x="T6" y="T7"/>
+              </a:cxn>
+              <a:cxn ang="0">
+                <a:pos x="T8" y="T9"/>
+              </a:cxn>
+            </a:cxnLst>
+            <a:rect l="0" t="0" r="r" b="b"/>
+            <a:pathLst>
+              <a:path w="447" h="1363">
+                <a:moveTo>
+                  <a:pt x="447" y="1363"/>
+                </a:moveTo>
+                <a:lnTo>
+                  <a:pt x="0" y="987"/>
+                </a:lnTo>
+                <a:lnTo>
+                  <a:pt x="0" y="0"/>
+                </a:lnTo>
+                <a:lnTo>
+                  <a:pt x="447" y="376"/>
+                </a:lnTo>
+                <a:lnTo>
+                  <a:pt x="447" y="1363"/>
+                </a:lnTo>
+                <a:close/>
+              </a:path>
+            </a:pathLst>
+          </a:custGeom>
+          <a:solidFill>
+            <a:schemeClr val="accent1">
+              <a:lumMod val="50000"/>
+            </a:schemeClr>
+          </a:solidFill>
+          <a:ln>
+            <a:noFill/>
+          </a:ln>
+        </p:spPr>
+        <p:txBody>
+          <a:bodyPr vert="horz" wrap="square" lIns="91440" tIns="45720" rIns="91440" bIns="45720" numCol="1" anchor="t" anchorCtr="0" compatLnSpc="1">
+            <a:prstTxWarp prst="textNoShape">
+              <a:avLst/>
+            </a:prstTxWarp>
+          </a:bodyPr>
+          <a:lstStyle/>
+          <a:p>
+            <a:endParaRPr lang="en-US"/>
+          </a:p>
+        </p:txBody>
+      </p:sp>
+      <p:sp>
+        <p:nvSpPr>
+          <p:cNvPr id="19" name="Freeform 46">
+            <a:extLst>
+              <a:ext uri="{FF2B5EF4-FFF2-40B4-BE49-F238E27FC236}">
+                <a16:creationId xmlns:a16="http://schemas.microsoft.com/office/drawing/2014/main" id="{2AEBC8F2-97B1-41B4-93F1-2D289E197FBA}"/>
+              </a:ext>
+              <a:ext uri="{C183D7F6-B498-43B3-948B-1728B52AA6E4}">
+                <adec:decorative xmlns:adec="http://schemas.microsoft.com/office/drawing/2017/decorative" val="1"/>
+              </a:ext>
+            </a:extLst>
+          </p:cNvPr>
+          <p:cNvSpPr>
+            <a:spLocks noGrp="1" noRot="1" noChangeAspect="1" noMove="1" noResize="1" noEditPoints="1" noAdjustHandles="1" noChangeArrowheads="1" noChangeShapeType="1" noTextEdit="1"/>
+          </p:cNvSpPr>
+          <p:nvPr>
+            <p:extLst>
+              <p:ext uri="{386F3935-93C4-4BCD-93E2-E3B085C9AB24}">
+                <p16:designElem xmlns:p16="http://schemas.microsoft.com/office/powerpoint/2015/main" val="1"/>
+              </p:ext>
+            </p:extLst>
+          </p:nvPr>
+        </p:nvSpPr>
+        <p:spPr bwMode="auto">
+          <a:xfrm>
+            <a:off x="409710" y="837744"/>
+            <a:ext cx="403225" cy="1705431"/>
+          </a:xfrm>
+          <a:custGeom>
+            <a:avLst/>
+            <a:gdLst>
+              <a:gd name="T0" fmla="*/ 254 w 254"/>
+              <a:gd name="T1" fmla="*/ 987 h 1109"/>
+              <a:gd name="T2" fmla="*/ 0 w 254"/>
+              <a:gd name="T3" fmla="*/ 1109 h 1109"/>
+              <a:gd name="T4" fmla="*/ 0 w 254"/>
+              <a:gd name="T5" fmla="*/ 119 h 1109"/>
+              <a:gd name="T6" fmla="*/ 254 w 254"/>
+              <a:gd name="T7" fmla="*/ 0 h 1109"/>
+              <a:gd name="T8" fmla="*/ 254 w 254"/>
+              <a:gd name="T9" fmla="*/ 987 h 1109"/>
+            </a:gdLst>
+            <a:ahLst/>
+            <a:cxnLst>
+              <a:cxn ang="0">
+                <a:pos x="T0" y="T1"/>
+              </a:cxn>
+              <a:cxn ang="0">
+                <a:pos x="T2" y="T3"/>
+              </a:cxn>
+              <a:cxn ang="0">
+                <a:pos x="T4" y="T5"/>
+              </a:cxn>
+              <a:cxn ang="0">
+                <a:pos x="T6" y="T7"/>
+              </a:cxn>
+              <a:cxn ang="0">
+                <a:pos x="T8" y="T9"/>
+              </a:cxn>
+            </a:cxnLst>
+            <a:rect l="0" t="0" r="r" b="b"/>
+            <a:pathLst>
+              <a:path w="254" h="1109">
+                <a:moveTo>
+                  <a:pt x="254" y="987"/>
+                </a:moveTo>
+                <a:lnTo>
+                  <a:pt x="0" y="1109"/>
+                </a:lnTo>
+                <a:lnTo>
+                  <a:pt x="0" y="119"/>
+                </a:lnTo>
+                <a:lnTo>
+                  <a:pt x="254" y="0"/>
+                </a:lnTo>
+                <a:lnTo>
+                  <a:pt x="254" y="987"/>
+                </a:lnTo>
+                <a:close/>
+              </a:path>
+            </a:pathLst>
+          </a:custGeom>
+          <a:solidFill>
+            <a:schemeClr val="accent1">
+              <a:lumMod val="75000"/>
+            </a:schemeClr>
+          </a:solidFill>
+          <a:ln>
+            <a:noFill/>
+          </a:ln>
+        </p:spPr>
+        <p:txBody>
+          <a:bodyPr vert="horz" wrap="square" lIns="91440" tIns="45720" rIns="91440" bIns="45720" numCol="1" anchor="t" anchorCtr="0" compatLnSpc="1">
+            <a:prstTxWarp prst="textNoShape">
+              <a:avLst/>
+            </a:prstTxWarp>
+          </a:bodyPr>
+          <a:lstStyle/>
+          <a:p>
+            <a:endParaRPr lang="en-US"/>
+          </a:p>
+        </p:txBody>
+      </p:sp>
+      <p:sp>
+        <p:nvSpPr>
+          <p:cNvPr id="21" name="Freeform 47">
+            <a:extLst>
+              <a:ext uri="{FF2B5EF4-FFF2-40B4-BE49-F238E27FC236}">
+                <a16:creationId xmlns:a16="http://schemas.microsoft.com/office/drawing/2014/main" id="{472E3A19-F5D5-48FC-BB9C-48C2F68F598B}"/>
+              </a:ext>
+              <a:ext uri="{C183D7F6-B498-43B3-948B-1728B52AA6E4}">
+                <adec:decorative xmlns:adec="http://schemas.microsoft.com/office/drawing/2017/decorative" val="1"/>
+              </a:ext>
+            </a:extLst>
+          </p:cNvPr>
+          <p:cNvSpPr>
+            <a:spLocks noGrp="1" noRot="1" noChangeAspect="1" noMove="1" noResize="1" noEditPoints="1" noAdjustHandles="1" noChangeArrowheads="1" noChangeShapeType="1" noTextEdit="1"/>
+          </p:cNvSpPr>
+          <p:nvPr>
+            <p:extLst>
+              <p:ext uri="{386F3935-93C4-4BCD-93E2-E3B085C9AB24}">
+                <p16:designElem xmlns:p16="http://schemas.microsoft.com/office/powerpoint/2015/main" val="1"/>
+              </p:ext>
+            </p:extLst>
+          </p:nvPr>
+        </p:nvSpPr>
+        <p:spPr bwMode="auto">
+          <a:xfrm>
+            <a:off x="644660" y="640894"/>
+            <a:ext cx="168275" cy="1713195"/>
+          </a:xfrm>
+          <a:custGeom>
+            <a:avLst/>
+            <a:gdLst>
+              <a:gd name="T0" fmla="*/ 106 w 106"/>
+              <a:gd name="T1" fmla="*/ 1114 h 1114"/>
+              <a:gd name="T2" fmla="*/ 0 w 106"/>
+              <a:gd name="T3" fmla="*/ 1005 h 1114"/>
+              <a:gd name="T4" fmla="*/ 0 w 106"/>
+              <a:gd name="T5" fmla="*/ 0 h 1114"/>
+              <a:gd name="T6" fmla="*/ 106 w 106"/>
+              <a:gd name="T7" fmla="*/ 110 h 1114"/>
+              <a:gd name="T8" fmla="*/ 106 w 106"/>
+              <a:gd name="T9" fmla="*/ 1114 h 1114"/>
+            </a:gdLst>
+            <a:ahLst/>
+            <a:cxnLst>
+              <a:cxn ang="0">
+                <a:pos x="T0" y="T1"/>
+              </a:cxn>
+              <a:cxn ang="0">
+                <a:pos x="T2" y="T3"/>
+              </a:cxn>
+              <a:cxn ang="0">
+                <a:pos x="T4" y="T5"/>
+              </a:cxn>
+              <a:cxn ang="0">
+                <a:pos x="T6" y="T7"/>
+              </a:cxn>
+              <a:cxn ang="0">
+                <a:pos x="T8" y="T9"/>
+              </a:cxn>
+            </a:cxnLst>
+            <a:rect l="0" t="0" r="r" b="b"/>
+            <a:pathLst>
+              <a:path w="106" h="1114">
+                <a:moveTo>
+                  <a:pt x="106" y="1114"/>
+                </a:moveTo>
+                <a:lnTo>
+                  <a:pt x="0" y="1005"/>
+                </a:lnTo>
+                <a:lnTo>
+                  <a:pt x="0" y="0"/>
+                </a:lnTo>
+                <a:lnTo>
+                  <a:pt x="106" y="110"/>
+                </a:lnTo>
+                <a:lnTo>
+                  <a:pt x="106" y="1114"/>
+                </a:lnTo>
+                <a:close/>
+              </a:path>
+            </a:pathLst>
+          </a:custGeom>
+          <a:solidFill>
+            <a:schemeClr val="accent1">
+              <a:lumMod val="50000"/>
+            </a:schemeClr>
+          </a:solidFill>
+          <a:ln>
+            <a:noFill/>
+          </a:ln>
+        </p:spPr>
+        <p:txBody>
+          <a:bodyPr vert="horz" wrap="square" lIns="91440" tIns="45720" rIns="91440" bIns="45720" numCol="1" anchor="t" anchorCtr="0" compatLnSpc="1">
+            <a:prstTxWarp prst="textNoShape">
+              <a:avLst/>
+            </a:prstTxWarp>
+          </a:bodyPr>
+          <a:lstStyle/>
+          <a:p>
+            <a:endParaRPr lang="en-US"/>
+          </a:p>
+        </p:txBody>
+      </p:sp>
+      <p:sp>
+        <p:nvSpPr>
+          <p:cNvPr id="23" name="Freeform 44">
+            <a:extLst>
+              <a:ext uri="{FF2B5EF4-FFF2-40B4-BE49-F238E27FC236}">
+                <a16:creationId xmlns:a16="http://schemas.microsoft.com/office/drawing/2014/main" id="{7A62E32F-BB65-43A8-8EB5-92346890E549}"/>
+              </a:ext>
+              <a:ext uri="{C183D7F6-B498-43B3-948B-1728B52AA6E4}">
+                <adec:decorative xmlns:adec="http://schemas.microsoft.com/office/drawing/2017/decorative" val="1"/>
+              </a:ext>
+            </a:extLst>
+          </p:cNvPr>
+          <p:cNvSpPr>
+            <a:spLocks noGrp="1" noRot="1" noChangeAspect="1" noMove="1" noResize="1" noEditPoints="1" noAdjustHandles="1" noChangeArrowheads="1" noChangeShapeType="1" noTextEdit="1"/>
+          </p:cNvSpPr>
+          <p:nvPr>
+            <p:extLst>
+              <p:ext uri="{386F3935-93C4-4BCD-93E2-E3B085C9AB24}">
+                <p16:designElem xmlns:p16="http://schemas.microsoft.com/office/powerpoint/2015/main" val="1"/>
+              </p:ext>
+            </p:extLst>
+          </p:nvPr>
+        </p:nvSpPr>
+        <p:spPr bwMode="auto">
+          <a:xfrm>
+            <a:off x="11223203" y="635716"/>
+            <a:ext cx="328612" cy="1742360"/>
+          </a:xfrm>
+          <a:custGeom>
+            <a:avLst/>
+            <a:gdLst>
+              <a:gd name="T0" fmla="*/ 207 w 207"/>
+              <a:gd name="T1" fmla="*/ 987 h 1114"/>
+              <a:gd name="T2" fmla="*/ 0 w 207"/>
+              <a:gd name="T3" fmla="*/ 1114 h 1114"/>
+              <a:gd name="T4" fmla="*/ 0 w 207"/>
+              <a:gd name="T5" fmla="*/ 127 h 1114"/>
+              <a:gd name="T6" fmla="*/ 207 w 207"/>
+              <a:gd name="T7" fmla="*/ 0 h 1114"/>
+              <a:gd name="T8" fmla="*/ 207 w 207"/>
+              <a:gd name="T9" fmla="*/ 987 h 1114"/>
+            </a:gdLst>
+            <a:ahLst/>
+            <a:cxnLst>
+              <a:cxn ang="0">
+                <a:pos x="T0" y="T1"/>
+              </a:cxn>
+              <a:cxn ang="0">
+                <a:pos x="T2" y="T3"/>
+              </a:cxn>
+              <a:cxn ang="0">
+                <a:pos x="T4" y="T5"/>
+              </a:cxn>
+              <a:cxn ang="0">
+                <a:pos x="T6" y="T7"/>
+              </a:cxn>
+              <a:cxn ang="0">
+                <a:pos x="T8" y="T9"/>
+              </a:cxn>
+            </a:cxnLst>
+            <a:rect l="0" t="0" r="r" b="b"/>
+            <a:pathLst>
+              <a:path w="207" h="1114">
+                <a:moveTo>
+                  <a:pt x="207" y="987"/>
+                </a:moveTo>
+                <a:lnTo>
+                  <a:pt x="0" y="1114"/>
+                </a:lnTo>
+                <a:lnTo>
+                  <a:pt x="0" y="127"/>
+                </a:lnTo>
+                <a:lnTo>
+                  <a:pt x="207" y="0"/>
+                </a:lnTo>
+                <a:lnTo>
+                  <a:pt x="207" y="987"/>
+                </a:lnTo>
+                <a:close/>
+              </a:path>
+            </a:pathLst>
+          </a:custGeom>
+          <a:solidFill>
+            <a:schemeClr val="accent1">
+              <a:lumMod val="50000"/>
+            </a:schemeClr>
+          </a:solidFill>
+          <a:ln>
+            <a:noFill/>
+          </a:ln>
+        </p:spPr>
+        <p:txBody>
+          <a:bodyPr vert="horz" wrap="square" lIns="91440" tIns="45720" rIns="91440" bIns="45720" numCol="1" anchor="t" anchorCtr="0" compatLnSpc="1">
+            <a:prstTxWarp prst="textNoShape">
+              <a:avLst/>
+            </a:prstTxWarp>
+          </a:bodyPr>
+          <a:lstStyle/>
+          <a:p>
+            <a:endParaRPr lang="en-US"/>
+          </a:p>
+        </p:txBody>
+      </p:sp>
+      <p:sp>
+        <p:nvSpPr>
+          <p:cNvPr id="25" name="Rectangle 24">
+            <a:extLst>
+              <a:ext uri="{FF2B5EF4-FFF2-40B4-BE49-F238E27FC236}">
+                <a16:creationId xmlns:a16="http://schemas.microsoft.com/office/drawing/2014/main" id="{14E91B64-9FCC-451E-AFB4-A827D6329367}"/>
+              </a:ext>
+              <a:ext uri="{C183D7F6-B498-43B3-948B-1728B52AA6E4}">
+                <adec:decorative xmlns:adec="http://schemas.microsoft.com/office/drawing/2017/decorative" val="1"/>
+              </a:ext>
+            </a:extLst>
+          </p:cNvPr>
+          <p:cNvSpPr>
+            <a:spLocks noGrp="1" noRot="1" noChangeAspect="1" noMove="1" noResize="1" noEditPoints="1" noAdjustHandles="1" noChangeArrowheads="1" noChangeShapeType="1" noTextEdit="1"/>
+          </p:cNvSpPr>
+          <p:nvPr>
+            <p:extLst>
+              <p:ext uri="{386F3935-93C4-4BCD-93E2-E3B085C9AB24}">
+                <p16:designElem xmlns:p16="http://schemas.microsoft.com/office/powerpoint/2015/main" val="1"/>
+              </p:ext>
+            </p:extLst>
+          </p:nvPr>
+        </p:nvSpPr>
+        <p:spPr bwMode="auto">
+          <a:xfrm>
+            <a:off x="644055" y="635715"/>
+            <a:ext cx="10907863" cy="1541457"/>
+          </a:xfrm>
+          <a:prstGeom prst="rect">
+            <a:avLst/>
+          </a:prstGeom>
+          <a:solidFill>
+            <a:schemeClr val="accent1"/>
+          </a:solidFill>
+          <a:ln>
+            <a:noFill/>
+          </a:ln>
+        </p:spPr>
+        <p:txBody>
+          <a:bodyPr vert="horz" wrap="square" lIns="91440" tIns="45720" rIns="91440" bIns="45720" numCol="1" anchor="t" anchorCtr="0" compatLnSpc="1">
+            <a:prstTxWarp prst="textNoShape">
+              <a:avLst/>
+            </a:prstTxWarp>
+          </a:bodyPr>
+          <a:lstStyle/>
+          <a:p>
+            <a:endParaRPr lang="en-US"/>
+          </a:p>
+        </p:txBody>
+      </p:sp>
+      <p:sp>
+        <p:nvSpPr>
+          <p:cNvPr id="2" name="Title 1">
+            <a:extLst>
+              <a:ext uri="{FF2B5EF4-FFF2-40B4-BE49-F238E27FC236}">
+                <a16:creationId xmlns:a16="http://schemas.microsoft.com/office/drawing/2014/main" id="{3032736B-ECF9-4859-83C3-B3F243B34DE4}"/>
+              </a:ext>
+            </a:extLst>
+          </p:cNvPr>
+          <p:cNvSpPr>
+            <a:spLocks noGrp="1"/>
+          </p:cNvSpPr>
+          <p:nvPr>
+            <p:ph type="title"/>
+          </p:nvPr>
+        </p:nvSpPr>
+        <p:spPr>
+          <a:xfrm>
+            <a:off x="958506" y="800392"/>
+            <a:ext cx="10264697" cy="1212102"/>
+          </a:xfrm>
+        </p:spPr>
+        <p:txBody>
+          <a:bodyPr>
+            <a:normAutofit/>
+          </a:bodyPr>
+          <a:lstStyle/>
+          <a:p>
+            <a:r>
+              <a:rPr lang="en-US" sz="4000" dirty="0">
+                <a:solidFill>
+                  <a:srgbClr val="FFFFFF"/>
+                </a:solidFill>
+              </a:rPr>
+              <a:t>Introduction/About Our Data</a:t>
+            </a:r>
+            <a:endParaRPr lang="en-US" sz="4000">
+              <a:solidFill>
+                <a:srgbClr val="FFFFFF"/>
+              </a:solidFill>
+            </a:endParaRPr>
+          </a:p>
+        </p:txBody>
+      </p:sp>
+      <p:sp>
+        <p:nvSpPr>
+          <p:cNvPr id="3" name="Content Placeholder 2">
+            <a:extLst>
+              <a:ext uri="{FF2B5EF4-FFF2-40B4-BE49-F238E27FC236}">
+                <a16:creationId xmlns:a16="http://schemas.microsoft.com/office/drawing/2014/main" id="{C71C3679-37F0-4CFB-8584-0F0C2B2C72DE}"/>
               </a:ext>
             </a:extLst>
           </p:cNvPr>
@@ -4680,121 +5319,90 @@
         </p:nvSpPr>
         <p:spPr>
           <a:xfrm>
-            <a:off x="1047280" y="2269973"/>
-            <a:ext cx="10306520" cy="3753322"/>
+            <a:off x="1367624" y="2490436"/>
+            <a:ext cx="9708995" cy="3567173"/>
           </a:xfrm>
         </p:spPr>
         <p:txBody>
-          <a:bodyPr>
-            <a:normAutofit fontScale="85000" lnSpcReduction="20000"/>
+          <a:bodyPr anchor="ctr">
+            <a:normAutofit/>
           </a:bodyPr>
           <a:lstStyle/>
           <a:p>
-            <a:pPr marL="0" marR="0">
-              <a:lnSpc>
-                <a:spcPct val="107000"/>
-              </a:lnSpc>
-              <a:spcBef>
-                <a:spcPts val="0"/>
-              </a:spcBef>
-              <a:spcAft>
-                <a:spcPts val="800"/>
-              </a:spcAft>
-            </a:pPr>
             <a:r>
-              <a:rPr lang="en-US" dirty="0">
+              <a:rPr lang="en-US" sz="2400">
+                <a:effectLst/>
                 <a:latin typeface="Calibri" panose="020F0502020204030204" pitchFamily="34" charset="0"/>
-                <a:ea typeface="Calibri" panose="020F0502020204030204" pitchFamily="34" charset="0"/>
+                <a:ea typeface="Times New Roman" panose="02020603050405020304" pitchFamily="18" charset="0"/>
                 <a:cs typeface="Times New Roman" panose="02020603050405020304" pitchFamily="18" charset="0"/>
               </a:rPr>
-              <a:t>Conclusion:  the more perfect the diamond the more expensive the price.  While many factors go into the pricing, the bottom line is size, cut, clarity and color do matter.</a:t>
+              <a:t>Diamonds have been defined as a girl’s best friend</a:t>
             </a:r>
-          </a:p>
-          <a:p>
-            <a:pPr marL="0" marR="0">
-              <a:lnSpc>
-                <a:spcPct val="107000"/>
-              </a:lnSpc>
-              <a:spcBef>
-                <a:spcPts val="0"/>
-              </a:spcBef>
-              <a:spcAft>
-                <a:spcPts val="800"/>
-              </a:spcAft>
-            </a:pPr>
             <a:r>
-              <a:rPr lang="en-US" sz="2800" dirty="0">
+              <a:rPr lang="en-US" sz="2400">
+                <a:latin typeface="Calibri" panose="020F0502020204030204" pitchFamily="34" charset="0"/>
+                <a:ea typeface="Times New Roman" panose="02020603050405020304" pitchFamily="18" charset="0"/>
+                <a:cs typeface="Times New Roman" panose="02020603050405020304" pitchFamily="18" charset="0"/>
+              </a:rPr>
+              <a:t> and have been a coveted possession for years.  How do you go about finding the right diamond at the right price?</a:t>
+            </a:r>
+            <a:endParaRPr lang="en-US" sz="2400">
+              <a:effectLst/>
+              <a:latin typeface="Calibri" panose="020F0502020204030204" pitchFamily="34" charset="0"/>
+              <a:ea typeface="Times New Roman" panose="02020603050405020304" pitchFamily="18" charset="0"/>
+              <a:cs typeface="Times New Roman" panose="02020603050405020304" pitchFamily="18" charset="0"/>
+            </a:endParaRPr>
+          </a:p>
+          <a:p>
+            <a:r>
+              <a:rPr lang="en-US" sz="2400">
                 <a:effectLst/>
                 <a:latin typeface="Calibri" panose="020F0502020204030204" pitchFamily="34" charset="0"/>
-                <a:ea typeface="Calibri" panose="020F0502020204030204" pitchFamily="34" charset="0"/>
+                <a:ea typeface="Times New Roman" panose="02020603050405020304" pitchFamily="18" charset="0"/>
                 <a:cs typeface="Times New Roman" panose="02020603050405020304" pitchFamily="18" charset="0"/>
               </a:rPr>
-              <a:t>Recommendations:  do your research.  </a:t>
+              <a:t>Our team investigated pricing and the anatomy of a diamond to create a pricing predictor </a:t>
             </a:r>
             <a:r>
-              <a:rPr lang="en-US" dirty="0">
+              <a:rPr lang="en-US" sz="2400">
                 <a:latin typeface="Calibri" panose="020F0502020204030204" pitchFamily="34" charset="0"/>
-                <a:ea typeface="Calibri" panose="020F0502020204030204" pitchFamily="34" charset="0"/>
+                <a:ea typeface="Times New Roman" panose="02020603050405020304" pitchFamily="18" charset="0"/>
                 <a:cs typeface="Times New Roman" panose="02020603050405020304" pitchFamily="18" charset="0"/>
               </a:rPr>
-              <a:t>It is best to be prepared prior to walking into the jewelry store to purchase to avoid getting something that is not right for you and paying too much.</a:t>
+              <a:t>to </a:t>
             </a:r>
-          </a:p>
-          <a:p>
-            <a:pPr marL="0" marR="0">
-              <a:lnSpc>
-                <a:spcPct val="107000"/>
-              </a:lnSpc>
-              <a:spcBef>
-                <a:spcPts val="0"/>
-              </a:spcBef>
-              <a:spcAft>
-                <a:spcPts val="800"/>
-              </a:spcAft>
-            </a:pPr>
             <a:r>
-              <a:rPr lang="en-US" dirty="0">
+              <a:rPr lang="en-US" sz="2400">
+                <a:effectLst/>
                 <a:latin typeface="Calibri" panose="020F0502020204030204" pitchFamily="34" charset="0"/>
-                <a:ea typeface="Calibri" panose="020F0502020204030204" pitchFamily="34" charset="0"/>
+                <a:ea typeface="Times New Roman" panose="02020603050405020304" pitchFamily="18" charset="0"/>
                 <a:cs typeface="Times New Roman" panose="02020603050405020304" pitchFamily="18" charset="0"/>
               </a:rPr>
-              <a:t>Limitations:  the data was old and did not include one important key feature in choosing a diamond – shape.</a:t>
+              <a:t>help the user to buy the best choice for their budget and preference.  </a:t>
             </a:r>
           </a:p>
           <a:p>
-            <a:pPr marL="0" marR="0">
-              <a:lnSpc>
-                <a:spcPct val="107000"/>
-              </a:lnSpc>
-              <a:spcBef>
-                <a:spcPts val="0"/>
-              </a:spcBef>
-              <a:spcAft>
-                <a:spcPts val="800"/>
-              </a:spcAft>
-            </a:pPr>
             <a:r>
-              <a:rPr lang="en-US" dirty="0">
+              <a:rPr lang="en-US" sz="2400">
+                <a:effectLst/>
                 <a:latin typeface="Calibri" panose="020F0502020204030204" pitchFamily="34" charset="0"/>
-                <a:ea typeface="Calibri" panose="020F0502020204030204" pitchFamily="34" charset="0"/>
+                <a:ea typeface="Times New Roman" panose="02020603050405020304" pitchFamily="18" charset="0"/>
                 <a:cs typeface="Times New Roman" panose="02020603050405020304" pitchFamily="18" charset="0"/>
               </a:rPr>
-              <a:t>Future work:  more extensive look at additional sources of data that would be more recent and included shape for the best model possible</a:t>
+              <a:t>To choose the perfect diamond, you must follow and understand the 4C’s that determine the price of the diamond.</a:t>
             </a:r>
           </a:p>
           <a:p>
-            <a:pPr marL="0" marR="0">
-              <a:lnSpc>
-                <a:spcPct val="107000"/>
-              </a:lnSpc>
-              <a:spcBef>
-                <a:spcPts val="0"/>
-              </a:spcBef>
-              <a:spcAft>
-                <a:spcPts val="800"/>
-              </a:spcAft>
-            </a:pPr>
-            <a:endParaRPr lang="en-US" sz="2800" dirty="0">
+            <a:r>
+              <a:rPr lang="en-US" sz="2400">
+                <a:effectLst/>
+                <a:latin typeface="Calibri" panose="020F0502020204030204" pitchFamily="34" charset="0"/>
+                <a:ea typeface="Times New Roman" panose="02020603050405020304" pitchFamily="18" charset="0"/>
+                <a:cs typeface="Times New Roman" panose="02020603050405020304" pitchFamily="18" charset="0"/>
+              </a:rPr>
+              <a:t>The data was selected from Kaggle and was in a csv format.  </a:t>
+            </a:r>
+            <a:endParaRPr lang="en-US" sz="2400">
               <a:effectLst/>
               <a:latin typeface="Calibri" panose="020F0502020204030204" pitchFamily="34" charset="0"/>
               <a:ea typeface="Calibri" panose="020F0502020204030204" pitchFamily="34" charset="0"/>
@@ -4802,23 +5410,14 @@
             </a:endParaRPr>
           </a:p>
           <a:p>
-            <a:pPr lvl="1"/>
-            <a:endParaRPr lang="en-US" dirty="0"/>
-          </a:p>
-          <a:p>
-            <a:pPr lvl="1"/>
-            <a:endParaRPr lang="en-US" dirty="0"/>
-          </a:p>
-          <a:p>
-            <a:pPr lvl="1"/>
-            <a:endParaRPr lang="en-US" dirty="0"/>
+            <a:endParaRPr lang="en-US" sz="2400"/>
           </a:p>
         </p:txBody>
       </p:sp>
     </p:spTree>
     <p:extLst>
       <p:ext uri="{BB962C8B-B14F-4D97-AF65-F5344CB8AC3E}">
-        <p14:creationId xmlns:p14="http://schemas.microsoft.com/office/powerpoint/2010/main" val="4010909877"/>
+        <p14:creationId xmlns:p14="http://schemas.microsoft.com/office/powerpoint/2010/main" val="3699882668"/>
       </p:ext>
     </p:extLst>
   </p:cSld>
@@ -4828,7 +5427,2876 @@
 </p:sld>
 </file>
 
-<file path=ppt/slides/slide11.xml><?xml version="1.0" encoding="utf-8"?>
+<file path=ppt/slides/slide3.xml><?xml version="1.0" encoding="utf-8"?>
+<p:sld xmlns:a="http://schemas.openxmlformats.org/drawingml/2006/main" xmlns:r="http://schemas.openxmlformats.org/officeDocument/2006/relationships" xmlns:p="http://schemas.openxmlformats.org/presentationml/2006/main">
+  <p:cSld>
+    <p:bg>
+      <p:bgPr>
+        <a:solidFill>
+          <a:schemeClr val="bg1"/>
+        </a:solidFill>
+        <a:effectLst/>
+      </p:bgPr>
+    </p:bg>
+    <p:spTree>
+      <p:nvGrpSpPr>
+        <p:cNvPr id="1" name=""/>
+        <p:cNvGrpSpPr/>
+        <p:nvPr/>
+      </p:nvGrpSpPr>
+      <p:grpSpPr>
+        <a:xfrm>
+          <a:off x="0" y="0"/>
+          <a:ext cx="0" cy="0"/>
+          <a:chOff x="0" y="0"/>
+          <a:chExt cx="0" cy="0"/>
+        </a:xfrm>
+      </p:grpSpPr>
+      <p:sp useBgFill="1">
+        <p:nvSpPr>
+          <p:cNvPr id="20" name="Rectangle 19">
+            <a:extLst>
+              <a:ext uri="{FF2B5EF4-FFF2-40B4-BE49-F238E27FC236}">
+                <a16:creationId xmlns:a16="http://schemas.microsoft.com/office/drawing/2014/main" id="{DD38EE57-B708-47C9-A4A4-E25F09FAB029}"/>
+              </a:ext>
+              <a:ext uri="{C183D7F6-B498-43B3-948B-1728B52AA6E4}">
+                <adec:decorative xmlns:adec="http://schemas.microsoft.com/office/drawing/2017/decorative" val="1"/>
+              </a:ext>
+            </a:extLst>
+          </p:cNvPr>
+          <p:cNvSpPr>
+            <a:spLocks noGrp="1" noRot="1" noChangeAspect="1" noMove="1" noResize="1" noEditPoints="1" noAdjustHandles="1" noChangeArrowheads="1" noChangeShapeType="1" noTextEdit="1"/>
+          </p:cNvSpPr>
+          <p:nvPr>
+            <p:extLst>
+              <p:ext uri="{386F3935-93C4-4BCD-93E2-E3B085C9AB24}">
+                <p16:designElem xmlns:p16="http://schemas.microsoft.com/office/powerpoint/2015/main" val="1"/>
+              </p:ext>
+            </p:extLst>
+          </p:nvPr>
+        </p:nvSpPr>
+        <p:spPr>
+          <a:xfrm>
+            <a:off x="0" y="0"/>
+            <a:ext cx="12188952" cy="6858000"/>
+          </a:xfrm>
+          <a:prstGeom prst="rect">
+            <a:avLst/>
+          </a:prstGeom>
+          <a:ln>
+            <a:noFill/>
+          </a:ln>
+        </p:spPr>
+        <p:style>
+          <a:lnRef idx="2">
+            <a:schemeClr val="accent1">
+              <a:shade val="50000"/>
+            </a:schemeClr>
+          </a:lnRef>
+          <a:fillRef idx="1">
+            <a:schemeClr val="accent1"/>
+          </a:fillRef>
+          <a:effectRef idx="0">
+            <a:schemeClr val="accent1"/>
+          </a:effectRef>
+          <a:fontRef idx="minor">
+            <a:schemeClr val="lt1"/>
+          </a:fontRef>
+        </p:style>
+        <p:txBody>
+          <a:bodyPr rtlCol="0" anchor="ctr"/>
+          <a:lstStyle/>
+          <a:p>
+            <a:pPr algn="ctr"/>
+            <a:endParaRPr lang="en-US"/>
+          </a:p>
+        </p:txBody>
+      </p:sp>
+      <p:grpSp>
+        <p:nvGrpSpPr>
+          <p:cNvPr id="22" name="Group 21">
+            <a:extLst>
+              <a:ext uri="{FF2B5EF4-FFF2-40B4-BE49-F238E27FC236}">
+                <a16:creationId xmlns:a16="http://schemas.microsoft.com/office/drawing/2014/main" id="{57A28182-58A5-4DBB-8F64-BD944BCA8154}"/>
+              </a:ext>
+              <a:ext uri="{C183D7F6-B498-43B3-948B-1728B52AA6E4}">
+                <adec:decorative xmlns:adec="http://schemas.microsoft.com/office/drawing/2017/decorative" val="1"/>
+              </a:ext>
+            </a:extLst>
+          </p:cNvPr>
+          <p:cNvGrpSpPr>
+            <a:grpSpLocks noGrp="1" noUngrp="1" noRot="1" noChangeAspect="1" noMove="1" noResize="1"/>
+          </p:cNvGrpSpPr>
+          <p:nvPr>
+            <p:extLst>
+              <p:ext uri="{386F3935-93C4-4BCD-93E2-E3B085C9AB24}">
+                <p16:designElem xmlns:p16="http://schemas.microsoft.com/office/powerpoint/2015/main" val="1"/>
+              </p:ext>
+            </p:extLst>
+          </p:nvPr>
+        </p:nvGrpSpPr>
+        <p:grpSpPr>
+          <a:xfrm>
+            <a:off x="409710" y="635715"/>
+            <a:ext cx="11142208" cy="2482136"/>
+            <a:chOff x="409710" y="635715"/>
+            <a:chExt cx="11142208" cy="2482136"/>
+          </a:xfrm>
+        </p:grpSpPr>
+        <p:sp>
+          <p:nvSpPr>
+            <p:cNvPr id="23" name="Freeform 44">
+              <a:extLst>
+                <a:ext uri="{FF2B5EF4-FFF2-40B4-BE49-F238E27FC236}">
+                  <a16:creationId xmlns:a16="http://schemas.microsoft.com/office/drawing/2014/main" id="{E4A9080E-7BA6-45FC-8677-8B9D5F4DAFE0}"/>
+                </a:ext>
+                <a:ext uri="{C183D7F6-B498-43B3-948B-1728B52AA6E4}">
+                  <adec:decorative xmlns:adec="http://schemas.microsoft.com/office/drawing/2017/decorative" val="1"/>
+                </a:ext>
+              </a:extLst>
+            </p:cNvPr>
+            <p:cNvSpPr>
+              <a:spLocks/>
+            </p:cNvSpPr>
+            <p:nvPr>
+              <p:extLst>
+                <p:ext uri="{386F3935-93C4-4BCD-93E2-E3B085C9AB24}">
+                  <p16:designElem xmlns:p16="http://schemas.microsoft.com/office/powerpoint/2015/main" val="1"/>
+                </p:ext>
+              </p:extLst>
+            </p:nvPr>
+          </p:nvSpPr>
+          <p:spPr bwMode="auto">
+            <a:xfrm>
+              <a:off x="11223203" y="635716"/>
+              <a:ext cx="328612" cy="1742360"/>
+            </a:xfrm>
+            <a:custGeom>
+              <a:avLst/>
+              <a:gdLst>
+                <a:gd name="T0" fmla="*/ 207 w 207"/>
+                <a:gd name="T1" fmla="*/ 987 h 1114"/>
+                <a:gd name="T2" fmla="*/ 0 w 207"/>
+                <a:gd name="T3" fmla="*/ 1114 h 1114"/>
+                <a:gd name="T4" fmla="*/ 0 w 207"/>
+                <a:gd name="T5" fmla="*/ 127 h 1114"/>
+                <a:gd name="T6" fmla="*/ 207 w 207"/>
+                <a:gd name="T7" fmla="*/ 0 h 1114"/>
+                <a:gd name="T8" fmla="*/ 207 w 207"/>
+                <a:gd name="T9" fmla="*/ 987 h 1114"/>
+              </a:gdLst>
+              <a:ahLst/>
+              <a:cxnLst>
+                <a:cxn ang="0">
+                  <a:pos x="T0" y="T1"/>
+                </a:cxn>
+                <a:cxn ang="0">
+                  <a:pos x="T2" y="T3"/>
+                </a:cxn>
+                <a:cxn ang="0">
+                  <a:pos x="T4" y="T5"/>
+                </a:cxn>
+                <a:cxn ang="0">
+                  <a:pos x="T6" y="T7"/>
+                </a:cxn>
+                <a:cxn ang="0">
+                  <a:pos x="T8" y="T9"/>
+                </a:cxn>
+              </a:cxnLst>
+              <a:rect l="0" t="0" r="r" b="b"/>
+              <a:pathLst>
+                <a:path w="207" h="1114">
+                  <a:moveTo>
+                    <a:pt x="207" y="987"/>
+                  </a:moveTo>
+                  <a:lnTo>
+                    <a:pt x="0" y="1114"/>
+                  </a:lnTo>
+                  <a:lnTo>
+                    <a:pt x="0" y="127"/>
+                  </a:lnTo>
+                  <a:lnTo>
+                    <a:pt x="207" y="0"/>
+                  </a:lnTo>
+                  <a:lnTo>
+                    <a:pt x="207" y="987"/>
+                  </a:lnTo>
+                  <a:close/>
+                </a:path>
+              </a:pathLst>
+            </a:custGeom>
+            <a:solidFill>
+              <a:schemeClr val="accent1">
+                <a:lumMod val="50000"/>
+              </a:schemeClr>
+            </a:solidFill>
+            <a:ln>
+              <a:noFill/>
+            </a:ln>
+          </p:spPr>
+          <p:txBody>
+            <a:bodyPr vert="horz" wrap="square" lIns="91440" tIns="45720" rIns="91440" bIns="45720" numCol="1" anchor="t" anchorCtr="0" compatLnSpc="1">
+              <a:prstTxWarp prst="textNoShape">
+                <a:avLst/>
+              </a:prstTxWarp>
+            </a:bodyPr>
+            <a:lstStyle/>
+            <a:p>
+              <a:endParaRPr lang="en-US"/>
+            </a:p>
+          </p:txBody>
+        </p:sp>
+        <p:sp>
+          <p:nvSpPr>
+            <p:cNvPr id="24" name="Freeform 45">
+              <a:extLst>
+                <a:ext uri="{FF2B5EF4-FFF2-40B4-BE49-F238E27FC236}">
+                  <a16:creationId xmlns:a16="http://schemas.microsoft.com/office/drawing/2014/main" id="{2163D516-75D4-4DE0-AC27-63719125AE52}"/>
+                </a:ext>
+                <a:ext uri="{C183D7F6-B498-43B3-948B-1728B52AA6E4}">
+                  <adec:decorative xmlns:adec="http://schemas.microsoft.com/office/drawing/2017/decorative" val="1"/>
+                </a:ext>
+              </a:extLst>
+            </p:cNvPr>
+            <p:cNvSpPr>
+              <a:spLocks/>
+            </p:cNvSpPr>
+            <p:nvPr>
+              <p:extLst>
+                <p:ext uri="{386F3935-93C4-4BCD-93E2-E3B085C9AB24}">
+                  <p16:designElem xmlns:p16="http://schemas.microsoft.com/office/powerpoint/2015/main" val="1"/>
+                </p:ext>
+              </p:extLst>
+            </p:nvPr>
+          </p:nvSpPr>
+          <p:spPr bwMode="auto">
+            <a:xfrm>
+              <a:off x="409710" y="1022350"/>
+              <a:ext cx="709612" cy="2095501"/>
+            </a:xfrm>
+            <a:custGeom>
+              <a:avLst/>
+              <a:gdLst>
+                <a:gd name="T0" fmla="*/ 447 w 447"/>
+                <a:gd name="T1" fmla="*/ 1363 h 1363"/>
+                <a:gd name="T2" fmla="*/ 0 w 447"/>
+                <a:gd name="T3" fmla="*/ 987 h 1363"/>
+                <a:gd name="T4" fmla="*/ 0 w 447"/>
+                <a:gd name="T5" fmla="*/ 0 h 1363"/>
+                <a:gd name="T6" fmla="*/ 447 w 447"/>
+                <a:gd name="T7" fmla="*/ 376 h 1363"/>
+                <a:gd name="T8" fmla="*/ 447 w 447"/>
+                <a:gd name="T9" fmla="*/ 1363 h 1363"/>
+              </a:gdLst>
+              <a:ahLst/>
+              <a:cxnLst>
+                <a:cxn ang="0">
+                  <a:pos x="T0" y="T1"/>
+                </a:cxn>
+                <a:cxn ang="0">
+                  <a:pos x="T2" y="T3"/>
+                </a:cxn>
+                <a:cxn ang="0">
+                  <a:pos x="T4" y="T5"/>
+                </a:cxn>
+                <a:cxn ang="0">
+                  <a:pos x="T6" y="T7"/>
+                </a:cxn>
+                <a:cxn ang="0">
+                  <a:pos x="T8" y="T9"/>
+                </a:cxn>
+              </a:cxnLst>
+              <a:rect l="0" t="0" r="r" b="b"/>
+              <a:pathLst>
+                <a:path w="447" h="1363">
+                  <a:moveTo>
+                    <a:pt x="447" y="1363"/>
+                  </a:moveTo>
+                  <a:lnTo>
+                    <a:pt x="0" y="987"/>
+                  </a:lnTo>
+                  <a:lnTo>
+                    <a:pt x="0" y="0"/>
+                  </a:lnTo>
+                  <a:lnTo>
+                    <a:pt x="447" y="376"/>
+                  </a:lnTo>
+                  <a:lnTo>
+                    <a:pt x="447" y="1363"/>
+                  </a:lnTo>
+                  <a:close/>
+                </a:path>
+              </a:pathLst>
+            </a:custGeom>
+            <a:solidFill>
+              <a:schemeClr val="accent1">
+                <a:lumMod val="50000"/>
+              </a:schemeClr>
+            </a:solidFill>
+            <a:ln>
+              <a:noFill/>
+            </a:ln>
+          </p:spPr>
+          <p:txBody>
+            <a:bodyPr vert="horz" wrap="square" lIns="91440" tIns="45720" rIns="91440" bIns="45720" numCol="1" anchor="t" anchorCtr="0" compatLnSpc="1">
+              <a:prstTxWarp prst="textNoShape">
+                <a:avLst/>
+              </a:prstTxWarp>
+            </a:bodyPr>
+            <a:lstStyle/>
+            <a:p>
+              <a:endParaRPr lang="en-US"/>
+            </a:p>
+          </p:txBody>
+        </p:sp>
+        <p:sp>
+          <p:nvSpPr>
+            <p:cNvPr id="25" name="Freeform 46">
+              <a:extLst>
+                <a:ext uri="{FF2B5EF4-FFF2-40B4-BE49-F238E27FC236}">
+                  <a16:creationId xmlns:a16="http://schemas.microsoft.com/office/drawing/2014/main" id="{E74A26A5-C23A-46D4-B0FF-155FB3834621}"/>
+                </a:ext>
+                <a:ext uri="{C183D7F6-B498-43B3-948B-1728B52AA6E4}">
+                  <adec:decorative xmlns:adec="http://schemas.microsoft.com/office/drawing/2017/decorative" val="1"/>
+                </a:ext>
+              </a:extLst>
+            </p:cNvPr>
+            <p:cNvSpPr>
+              <a:spLocks/>
+            </p:cNvSpPr>
+            <p:nvPr>
+              <p:extLst>
+                <p:ext uri="{386F3935-93C4-4BCD-93E2-E3B085C9AB24}">
+                  <p16:designElem xmlns:p16="http://schemas.microsoft.com/office/powerpoint/2015/main" val="1"/>
+                </p:ext>
+              </p:extLst>
+            </p:nvPr>
+          </p:nvSpPr>
+          <p:spPr bwMode="auto">
+            <a:xfrm>
+              <a:off x="409710" y="837744"/>
+              <a:ext cx="403225" cy="1705431"/>
+            </a:xfrm>
+            <a:custGeom>
+              <a:avLst/>
+              <a:gdLst>
+                <a:gd name="T0" fmla="*/ 254 w 254"/>
+                <a:gd name="T1" fmla="*/ 987 h 1109"/>
+                <a:gd name="T2" fmla="*/ 0 w 254"/>
+                <a:gd name="T3" fmla="*/ 1109 h 1109"/>
+                <a:gd name="T4" fmla="*/ 0 w 254"/>
+                <a:gd name="T5" fmla="*/ 119 h 1109"/>
+                <a:gd name="T6" fmla="*/ 254 w 254"/>
+                <a:gd name="T7" fmla="*/ 0 h 1109"/>
+                <a:gd name="T8" fmla="*/ 254 w 254"/>
+                <a:gd name="T9" fmla="*/ 987 h 1109"/>
+              </a:gdLst>
+              <a:ahLst/>
+              <a:cxnLst>
+                <a:cxn ang="0">
+                  <a:pos x="T0" y="T1"/>
+                </a:cxn>
+                <a:cxn ang="0">
+                  <a:pos x="T2" y="T3"/>
+                </a:cxn>
+                <a:cxn ang="0">
+                  <a:pos x="T4" y="T5"/>
+                </a:cxn>
+                <a:cxn ang="0">
+                  <a:pos x="T6" y="T7"/>
+                </a:cxn>
+                <a:cxn ang="0">
+                  <a:pos x="T8" y="T9"/>
+                </a:cxn>
+              </a:cxnLst>
+              <a:rect l="0" t="0" r="r" b="b"/>
+              <a:pathLst>
+                <a:path w="254" h="1109">
+                  <a:moveTo>
+                    <a:pt x="254" y="987"/>
+                  </a:moveTo>
+                  <a:lnTo>
+                    <a:pt x="0" y="1109"/>
+                  </a:lnTo>
+                  <a:lnTo>
+                    <a:pt x="0" y="119"/>
+                  </a:lnTo>
+                  <a:lnTo>
+                    <a:pt x="254" y="0"/>
+                  </a:lnTo>
+                  <a:lnTo>
+                    <a:pt x="254" y="987"/>
+                  </a:lnTo>
+                  <a:close/>
+                </a:path>
+              </a:pathLst>
+            </a:custGeom>
+            <a:solidFill>
+              <a:schemeClr val="accent1">
+                <a:lumMod val="75000"/>
+              </a:schemeClr>
+            </a:solidFill>
+            <a:ln>
+              <a:noFill/>
+            </a:ln>
+          </p:spPr>
+          <p:txBody>
+            <a:bodyPr vert="horz" wrap="square" lIns="91440" tIns="45720" rIns="91440" bIns="45720" numCol="1" anchor="t" anchorCtr="0" compatLnSpc="1">
+              <a:prstTxWarp prst="textNoShape">
+                <a:avLst/>
+              </a:prstTxWarp>
+            </a:bodyPr>
+            <a:lstStyle/>
+            <a:p>
+              <a:endParaRPr lang="en-US"/>
+            </a:p>
+          </p:txBody>
+        </p:sp>
+        <p:sp>
+          <p:nvSpPr>
+            <p:cNvPr id="26" name="Freeform 47">
+              <a:extLst>
+                <a:ext uri="{FF2B5EF4-FFF2-40B4-BE49-F238E27FC236}">
+                  <a16:creationId xmlns:a16="http://schemas.microsoft.com/office/drawing/2014/main" id="{08E0243F-1062-43C6-AD04-130DFF66840E}"/>
+                </a:ext>
+                <a:ext uri="{C183D7F6-B498-43B3-948B-1728B52AA6E4}">
+                  <adec:decorative xmlns:adec="http://schemas.microsoft.com/office/drawing/2017/decorative" val="1"/>
+                </a:ext>
+              </a:extLst>
+            </p:cNvPr>
+            <p:cNvSpPr>
+              <a:spLocks/>
+            </p:cNvSpPr>
+            <p:nvPr>
+              <p:extLst>
+                <p:ext uri="{386F3935-93C4-4BCD-93E2-E3B085C9AB24}">
+                  <p16:designElem xmlns:p16="http://schemas.microsoft.com/office/powerpoint/2015/main" val="1"/>
+                </p:ext>
+              </p:extLst>
+            </p:nvPr>
+          </p:nvSpPr>
+          <p:spPr bwMode="auto">
+            <a:xfrm>
+              <a:off x="644660" y="640894"/>
+              <a:ext cx="168275" cy="1713195"/>
+            </a:xfrm>
+            <a:custGeom>
+              <a:avLst/>
+              <a:gdLst>
+                <a:gd name="T0" fmla="*/ 106 w 106"/>
+                <a:gd name="T1" fmla="*/ 1114 h 1114"/>
+                <a:gd name="T2" fmla="*/ 0 w 106"/>
+                <a:gd name="T3" fmla="*/ 1005 h 1114"/>
+                <a:gd name="T4" fmla="*/ 0 w 106"/>
+                <a:gd name="T5" fmla="*/ 0 h 1114"/>
+                <a:gd name="T6" fmla="*/ 106 w 106"/>
+                <a:gd name="T7" fmla="*/ 110 h 1114"/>
+                <a:gd name="T8" fmla="*/ 106 w 106"/>
+                <a:gd name="T9" fmla="*/ 1114 h 1114"/>
+              </a:gdLst>
+              <a:ahLst/>
+              <a:cxnLst>
+                <a:cxn ang="0">
+                  <a:pos x="T0" y="T1"/>
+                </a:cxn>
+                <a:cxn ang="0">
+                  <a:pos x="T2" y="T3"/>
+                </a:cxn>
+                <a:cxn ang="0">
+                  <a:pos x="T4" y="T5"/>
+                </a:cxn>
+                <a:cxn ang="0">
+                  <a:pos x="T6" y="T7"/>
+                </a:cxn>
+                <a:cxn ang="0">
+                  <a:pos x="T8" y="T9"/>
+                </a:cxn>
+              </a:cxnLst>
+              <a:rect l="0" t="0" r="r" b="b"/>
+              <a:pathLst>
+                <a:path w="106" h="1114">
+                  <a:moveTo>
+                    <a:pt x="106" y="1114"/>
+                  </a:moveTo>
+                  <a:lnTo>
+                    <a:pt x="0" y="1005"/>
+                  </a:lnTo>
+                  <a:lnTo>
+                    <a:pt x="0" y="0"/>
+                  </a:lnTo>
+                  <a:lnTo>
+                    <a:pt x="106" y="110"/>
+                  </a:lnTo>
+                  <a:lnTo>
+                    <a:pt x="106" y="1114"/>
+                  </a:lnTo>
+                  <a:close/>
+                </a:path>
+              </a:pathLst>
+            </a:custGeom>
+            <a:solidFill>
+              <a:schemeClr val="accent1">
+                <a:lumMod val="50000"/>
+              </a:schemeClr>
+            </a:solidFill>
+            <a:ln>
+              <a:noFill/>
+            </a:ln>
+          </p:spPr>
+          <p:txBody>
+            <a:bodyPr vert="horz" wrap="square" lIns="91440" tIns="45720" rIns="91440" bIns="45720" numCol="1" anchor="t" anchorCtr="0" compatLnSpc="1">
+              <a:prstTxWarp prst="textNoShape">
+                <a:avLst/>
+              </a:prstTxWarp>
+            </a:bodyPr>
+            <a:lstStyle/>
+            <a:p>
+              <a:endParaRPr lang="en-US"/>
+            </a:p>
+          </p:txBody>
+        </p:sp>
+        <p:sp>
+          <p:nvSpPr>
+            <p:cNvPr id="27" name="Rectangle 26">
+              <a:extLst>
+                <a:ext uri="{FF2B5EF4-FFF2-40B4-BE49-F238E27FC236}">
+                  <a16:creationId xmlns:a16="http://schemas.microsoft.com/office/drawing/2014/main" id="{94C5517B-1B0F-47AA-93A5-36718996986F}"/>
+                </a:ext>
+                <a:ext uri="{C183D7F6-B498-43B3-948B-1728B52AA6E4}">
+                  <adec:decorative xmlns:adec="http://schemas.microsoft.com/office/drawing/2017/decorative" val="1"/>
+                </a:ext>
+              </a:extLst>
+            </p:cNvPr>
+            <p:cNvSpPr>
+              <a:spLocks noChangeArrowheads="1"/>
+            </p:cNvSpPr>
+            <p:nvPr>
+              <p:extLst>
+                <p:ext uri="{386F3935-93C4-4BCD-93E2-E3B085C9AB24}">
+                  <p16:designElem xmlns:p16="http://schemas.microsoft.com/office/powerpoint/2015/main" val="1"/>
+                </p:ext>
+              </p:extLst>
+            </p:nvPr>
+          </p:nvSpPr>
+          <p:spPr bwMode="auto">
+            <a:xfrm>
+              <a:off x="644055" y="635715"/>
+              <a:ext cx="10907863" cy="1541457"/>
+            </a:xfrm>
+            <a:prstGeom prst="rect">
+              <a:avLst/>
+            </a:prstGeom>
+            <a:solidFill>
+              <a:schemeClr val="accent1"/>
+            </a:solidFill>
+            <a:ln>
+              <a:noFill/>
+            </a:ln>
+          </p:spPr>
+          <p:txBody>
+            <a:bodyPr vert="horz" wrap="square" lIns="91440" tIns="45720" rIns="91440" bIns="45720" numCol="1" anchor="t" anchorCtr="0" compatLnSpc="1">
+              <a:prstTxWarp prst="textNoShape">
+                <a:avLst/>
+              </a:prstTxWarp>
+            </a:bodyPr>
+            <a:lstStyle/>
+            <a:p>
+              <a:endParaRPr lang="en-US"/>
+            </a:p>
+          </p:txBody>
+        </p:sp>
+      </p:grpSp>
+      <p:sp>
+        <p:nvSpPr>
+          <p:cNvPr id="2" name="Title 1">
+            <a:extLst>
+              <a:ext uri="{FF2B5EF4-FFF2-40B4-BE49-F238E27FC236}">
+                <a16:creationId xmlns:a16="http://schemas.microsoft.com/office/drawing/2014/main" id="{3032736B-ECF9-4859-83C3-B3F243B34DE4}"/>
+              </a:ext>
+            </a:extLst>
+          </p:cNvPr>
+          <p:cNvSpPr>
+            <a:spLocks noGrp="1"/>
+          </p:cNvSpPr>
+          <p:nvPr>
+            <p:ph type="title"/>
+          </p:nvPr>
+        </p:nvSpPr>
+        <p:spPr>
+          <a:xfrm>
+            <a:off x="1047280" y="759805"/>
+            <a:ext cx="10306520" cy="1325563"/>
+          </a:xfrm>
+        </p:spPr>
+        <p:txBody>
+          <a:bodyPr>
+            <a:normAutofit/>
+          </a:bodyPr>
+          <a:lstStyle/>
+          <a:p>
+            <a:r>
+              <a:rPr lang="en-US" sz="4000">
+                <a:solidFill>
+                  <a:srgbClr val="FFFFFF"/>
+                </a:solidFill>
+              </a:rPr>
+              <a:t>The 4 C’s- Cut</a:t>
+            </a:r>
+          </a:p>
+        </p:txBody>
+      </p:sp>
+      <p:pic>
+        <p:nvPicPr>
+          <p:cNvPr id="5" name="Picture 4">
+            <a:extLst>
+              <a:ext uri="{FF2B5EF4-FFF2-40B4-BE49-F238E27FC236}">
+                <a16:creationId xmlns:a16="http://schemas.microsoft.com/office/drawing/2014/main" id="{F7E35F8E-9B83-47C3-BC3C-5EC016AE79E8}"/>
+              </a:ext>
+            </a:extLst>
+          </p:cNvPr>
+          <p:cNvPicPr>
+            <a:picLocks noChangeAspect="1"/>
+          </p:cNvPicPr>
+          <p:nvPr/>
+        </p:nvPicPr>
+        <p:blipFill>
+          <a:blip r:embed="rId2"/>
+          <a:stretch>
+            <a:fillRect/>
+          </a:stretch>
+        </p:blipFill>
+        <p:spPr>
+          <a:xfrm>
+            <a:off x="2036034" y="3429000"/>
+            <a:ext cx="8329012" cy="1888079"/>
+          </a:xfrm>
+          <a:prstGeom prst="rect">
+            <a:avLst/>
+          </a:prstGeom>
+        </p:spPr>
+      </p:pic>
+      <p:sp>
+        <p:nvSpPr>
+          <p:cNvPr id="3" name="Content Placeholder 2">
+            <a:extLst>
+              <a:ext uri="{FF2B5EF4-FFF2-40B4-BE49-F238E27FC236}">
+                <a16:creationId xmlns:a16="http://schemas.microsoft.com/office/drawing/2014/main" id="{C71C3679-37F0-4CFB-8584-0F0C2B2C72DE}"/>
+              </a:ext>
+            </a:extLst>
+          </p:cNvPr>
+          <p:cNvSpPr>
+            <a:spLocks noGrp="1"/>
+          </p:cNvSpPr>
+          <p:nvPr>
+            <p:ph idx="1"/>
+          </p:nvPr>
+        </p:nvSpPr>
+        <p:spPr>
+          <a:xfrm>
+            <a:off x="1524417" y="2354089"/>
+            <a:ext cx="9221649" cy="1134817"/>
+          </a:xfrm>
+        </p:spPr>
+        <p:txBody>
+          <a:bodyPr anchor="ctr">
+            <a:normAutofit/>
+          </a:bodyPr>
+          <a:lstStyle/>
+          <a:p>
+            <a:pPr marL="0" marR="0" indent="0" algn="ctr">
+              <a:spcBef>
+                <a:spcPts val="0"/>
+              </a:spcBef>
+              <a:spcAft>
+                <a:spcPts val="800"/>
+              </a:spcAft>
+              <a:buNone/>
+            </a:pPr>
+            <a:r>
+              <a:rPr lang="en-US" sz="1900" dirty="0">
+                <a:effectLst/>
+                <a:latin typeface="Calibri" panose="020F0502020204030204" pitchFamily="34" charset="0"/>
+                <a:ea typeface="Times New Roman" panose="02020603050405020304" pitchFamily="18" charset="0"/>
+                <a:cs typeface="Times New Roman" panose="02020603050405020304" pitchFamily="18" charset="0"/>
+              </a:rPr>
+              <a:t>The most important of the 4 C’s is cut.  Cut drives how much a diamond sparkles.</a:t>
+            </a:r>
+            <a:endParaRPr lang="en-US" sz="1900" dirty="0">
+              <a:effectLst/>
+              <a:latin typeface="Calibri" panose="020F0502020204030204" pitchFamily="34" charset="0"/>
+              <a:ea typeface="Calibri" panose="020F0502020204030204" pitchFamily="34" charset="0"/>
+              <a:cs typeface="Times New Roman" panose="02020603050405020304" pitchFamily="18" charset="0"/>
+            </a:endParaRPr>
+          </a:p>
+          <a:p>
+            <a:pPr algn="ctr"/>
+            <a:endParaRPr lang="en-US" sz="1900" dirty="0"/>
+          </a:p>
+        </p:txBody>
+      </p:sp>
+    </p:spTree>
+    <p:extLst>
+      <p:ext uri="{BB962C8B-B14F-4D97-AF65-F5344CB8AC3E}">
+        <p14:creationId xmlns:p14="http://schemas.microsoft.com/office/powerpoint/2010/main" val="295206047"/>
+      </p:ext>
+    </p:extLst>
+  </p:cSld>
+  <p:clrMapOvr>
+    <a:masterClrMapping/>
+  </p:clrMapOvr>
+</p:sld>
+</file>
+
+<file path=ppt/slides/slide4.xml><?xml version="1.0" encoding="utf-8"?>
+<p:sld xmlns:a="http://schemas.openxmlformats.org/drawingml/2006/main" xmlns:r="http://schemas.openxmlformats.org/officeDocument/2006/relationships" xmlns:p="http://schemas.openxmlformats.org/presentationml/2006/main">
+  <p:cSld>
+    <p:bg>
+      <p:bgPr>
+        <a:solidFill>
+          <a:schemeClr val="bg1"/>
+        </a:solidFill>
+        <a:effectLst/>
+      </p:bgPr>
+    </p:bg>
+    <p:spTree>
+      <p:nvGrpSpPr>
+        <p:cNvPr id="1" name=""/>
+        <p:cNvGrpSpPr/>
+        <p:nvPr/>
+      </p:nvGrpSpPr>
+      <p:grpSpPr>
+        <a:xfrm>
+          <a:off x="0" y="0"/>
+          <a:ext cx="0" cy="0"/>
+          <a:chOff x="0" y="0"/>
+          <a:chExt cx="0" cy="0"/>
+        </a:xfrm>
+      </p:grpSpPr>
+      <p:sp useBgFill="1">
+        <p:nvSpPr>
+          <p:cNvPr id="10" name="Rectangle 9">
+            <a:extLst>
+              <a:ext uri="{FF2B5EF4-FFF2-40B4-BE49-F238E27FC236}">
+                <a16:creationId xmlns:a16="http://schemas.microsoft.com/office/drawing/2014/main" id="{DD38EE57-B708-47C9-A4A4-E25F09FAB029}"/>
+              </a:ext>
+              <a:ext uri="{C183D7F6-B498-43B3-948B-1728B52AA6E4}">
+                <adec:decorative xmlns:adec="http://schemas.microsoft.com/office/drawing/2017/decorative" val="1"/>
+              </a:ext>
+            </a:extLst>
+          </p:cNvPr>
+          <p:cNvSpPr>
+            <a:spLocks noGrp="1" noRot="1" noChangeAspect="1" noMove="1" noResize="1" noEditPoints="1" noAdjustHandles="1" noChangeArrowheads="1" noChangeShapeType="1" noTextEdit="1"/>
+          </p:cNvSpPr>
+          <p:nvPr>
+            <p:extLst>
+              <p:ext uri="{386F3935-93C4-4BCD-93E2-E3B085C9AB24}">
+                <p16:designElem xmlns:p16="http://schemas.microsoft.com/office/powerpoint/2015/main" val="1"/>
+              </p:ext>
+            </p:extLst>
+          </p:nvPr>
+        </p:nvSpPr>
+        <p:spPr>
+          <a:xfrm>
+            <a:off x="0" y="0"/>
+            <a:ext cx="12188952" cy="6858000"/>
+          </a:xfrm>
+          <a:prstGeom prst="rect">
+            <a:avLst/>
+          </a:prstGeom>
+          <a:ln>
+            <a:noFill/>
+          </a:ln>
+        </p:spPr>
+        <p:style>
+          <a:lnRef idx="2">
+            <a:schemeClr val="accent1">
+              <a:shade val="50000"/>
+            </a:schemeClr>
+          </a:lnRef>
+          <a:fillRef idx="1">
+            <a:schemeClr val="accent1"/>
+          </a:fillRef>
+          <a:effectRef idx="0">
+            <a:schemeClr val="accent1"/>
+          </a:effectRef>
+          <a:fontRef idx="minor">
+            <a:schemeClr val="lt1"/>
+          </a:fontRef>
+        </p:style>
+        <p:txBody>
+          <a:bodyPr rtlCol="0" anchor="ctr"/>
+          <a:lstStyle/>
+          <a:p>
+            <a:pPr algn="ctr"/>
+            <a:endParaRPr lang="en-US"/>
+          </a:p>
+        </p:txBody>
+      </p:sp>
+      <p:grpSp>
+        <p:nvGrpSpPr>
+          <p:cNvPr id="12" name="Group 11">
+            <a:extLst>
+              <a:ext uri="{FF2B5EF4-FFF2-40B4-BE49-F238E27FC236}">
+                <a16:creationId xmlns:a16="http://schemas.microsoft.com/office/drawing/2014/main" id="{57A28182-58A5-4DBB-8F64-BD944BCA8154}"/>
+              </a:ext>
+              <a:ext uri="{C183D7F6-B498-43B3-948B-1728B52AA6E4}">
+                <adec:decorative xmlns:adec="http://schemas.microsoft.com/office/drawing/2017/decorative" val="1"/>
+              </a:ext>
+            </a:extLst>
+          </p:cNvPr>
+          <p:cNvGrpSpPr>
+            <a:grpSpLocks noGrp="1" noUngrp="1" noRot="1" noChangeAspect="1" noMove="1" noResize="1"/>
+          </p:cNvGrpSpPr>
+          <p:nvPr>
+            <p:extLst>
+              <p:ext uri="{386F3935-93C4-4BCD-93E2-E3B085C9AB24}">
+                <p16:designElem xmlns:p16="http://schemas.microsoft.com/office/powerpoint/2015/main" val="1"/>
+              </p:ext>
+            </p:extLst>
+          </p:nvPr>
+        </p:nvGrpSpPr>
+        <p:grpSpPr>
+          <a:xfrm>
+            <a:off x="409710" y="635715"/>
+            <a:ext cx="11142208" cy="2482136"/>
+            <a:chOff x="409710" y="635715"/>
+            <a:chExt cx="11142208" cy="2482136"/>
+          </a:xfrm>
+        </p:grpSpPr>
+        <p:sp>
+          <p:nvSpPr>
+            <p:cNvPr id="13" name="Freeform 44">
+              <a:extLst>
+                <a:ext uri="{FF2B5EF4-FFF2-40B4-BE49-F238E27FC236}">
+                  <a16:creationId xmlns:a16="http://schemas.microsoft.com/office/drawing/2014/main" id="{E4A9080E-7BA6-45FC-8677-8B9D5F4DAFE0}"/>
+                </a:ext>
+                <a:ext uri="{C183D7F6-B498-43B3-948B-1728B52AA6E4}">
+                  <adec:decorative xmlns:adec="http://schemas.microsoft.com/office/drawing/2017/decorative" val="1"/>
+                </a:ext>
+              </a:extLst>
+            </p:cNvPr>
+            <p:cNvSpPr>
+              <a:spLocks/>
+            </p:cNvSpPr>
+            <p:nvPr>
+              <p:extLst>
+                <p:ext uri="{386F3935-93C4-4BCD-93E2-E3B085C9AB24}">
+                  <p16:designElem xmlns:p16="http://schemas.microsoft.com/office/powerpoint/2015/main" val="1"/>
+                </p:ext>
+              </p:extLst>
+            </p:nvPr>
+          </p:nvSpPr>
+          <p:spPr bwMode="auto">
+            <a:xfrm>
+              <a:off x="11223203" y="635716"/>
+              <a:ext cx="328612" cy="1742360"/>
+            </a:xfrm>
+            <a:custGeom>
+              <a:avLst/>
+              <a:gdLst>
+                <a:gd name="T0" fmla="*/ 207 w 207"/>
+                <a:gd name="T1" fmla="*/ 987 h 1114"/>
+                <a:gd name="T2" fmla="*/ 0 w 207"/>
+                <a:gd name="T3" fmla="*/ 1114 h 1114"/>
+                <a:gd name="T4" fmla="*/ 0 w 207"/>
+                <a:gd name="T5" fmla="*/ 127 h 1114"/>
+                <a:gd name="T6" fmla="*/ 207 w 207"/>
+                <a:gd name="T7" fmla="*/ 0 h 1114"/>
+                <a:gd name="T8" fmla="*/ 207 w 207"/>
+                <a:gd name="T9" fmla="*/ 987 h 1114"/>
+              </a:gdLst>
+              <a:ahLst/>
+              <a:cxnLst>
+                <a:cxn ang="0">
+                  <a:pos x="T0" y="T1"/>
+                </a:cxn>
+                <a:cxn ang="0">
+                  <a:pos x="T2" y="T3"/>
+                </a:cxn>
+                <a:cxn ang="0">
+                  <a:pos x="T4" y="T5"/>
+                </a:cxn>
+                <a:cxn ang="0">
+                  <a:pos x="T6" y="T7"/>
+                </a:cxn>
+                <a:cxn ang="0">
+                  <a:pos x="T8" y="T9"/>
+                </a:cxn>
+              </a:cxnLst>
+              <a:rect l="0" t="0" r="r" b="b"/>
+              <a:pathLst>
+                <a:path w="207" h="1114">
+                  <a:moveTo>
+                    <a:pt x="207" y="987"/>
+                  </a:moveTo>
+                  <a:lnTo>
+                    <a:pt x="0" y="1114"/>
+                  </a:lnTo>
+                  <a:lnTo>
+                    <a:pt x="0" y="127"/>
+                  </a:lnTo>
+                  <a:lnTo>
+                    <a:pt x="207" y="0"/>
+                  </a:lnTo>
+                  <a:lnTo>
+                    <a:pt x="207" y="987"/>
+                  </a:lnTo>
+                  <a:close/>
+                </a:path>
+              </a:pathLst>
+            </a:custGeom>
+            <a:solidFill>
+              <a:schemeClr val="accent1">
+                <a:lumMod val="50000"/>
+              </a:schemeClr>
+            </a:solidFill>
+            <a:ln>
+              <a:noFill/>
+            </a:ln>
+          </p:spPr>
+          <p:txBody>
+            <a:bodyPr vert="horz" wrap="square" lIns="91440" tIns="45720" rIns="91440" bIns="45720" numCol="1" anchor="t" anchorCtr="0" compatLnSpc="1">
+              <a:prstTxWarp prst="textNoShape">
+                <a:avLst/>
+              </a:prstTxWarp>
+            </a:bodyPr>
+            <a:lstStyle/>
+            <a:p>
+              <a:endParaRPr lang="en-US"/>
+            </a:p>
+          </p:txBody>
+        </p:sp>
+        <p:sp>
+          <p:nvSpPr>
+            <p:cNvPr id="14" name="Freeform 45">
+              <a:extLst>
+                <a:ext uri="{FF2B5EF4-FFF2-40B4-BE49-F238E27FC236}">
+                  <a16:creationId xmlns:a16="http://schemas.microsoft.com/office/drawing/2014/main" id="{2163D516-75D4-4DE0-AC27-63719125AE52}"/>
+                </a:ext>
+                <a:ext uri="{C183D7F6-B498-43B3-948B-1728B52AA6E4}">
+                  <adec:decorative xmlns:adec="http://schemas.microsoft.com/office/drawing/2017/decorative" val="1"/>
+                </a:ext>
+              </a:extLst>
+            </p:cNvPr>
+            <p:cNvSpPr>
+              <a:spLocks/>
+            </p:cNvSpPr>
+            <p:nvPr>
+              <p:extLst>
+                <p:ext uri="{386F3935-93C4-4BCD-93E2-E3B085C9AB24}">
+                  <p16:designElem xmlns:p16="http://schemas.microsoft.com/office/powerpoint/2015/main" val="1"/>
+                </p:ext>
+              </p:extLst>
+            </p:nvPr>
+          </p:nvSpPr>
+          <p:spPr bwMode="auto">
+            <a:xfrm>
+              <a:off x="409710" y="1022350"/>
+              <a:ext cx="709612" cy="2095501"/>
+            </a:xfrm>
+            <a:custGeom>
+              <a:avLst/>
+              <a:gdLst>
+                <a:gd name="T0" fmla="*/ 447 w 447"/>
+                <a:gd name="T1" fmla="*/ 1363 h 1363"/>
+                <a:gd name="T2" fmla="*/ 0 w 447"/>
+                <a:gd name="T3" fmla="*/ 987 h 1363"/>
+                <a:gd name="T4" fmla="*/ 0 w 447"/>
+                <a:gd name="T5" fmla="*/ 0 h 1363"/>
+                <a:gd name="T6" fmla="*/ 447 w 447"/>
+                <a:gd name="T7" fmla="*/ 376 h 1363"/>
+                <a:gd name="T8" fmla="*/ 447 w 447"/>
+                <a:gd name="T9" fmla="*/ 1363 h 1363"/>
+              </a:gdLst>
+              <a:ahLst/>
+              <a:cxnLst>
+                <a:cxn ang="0">
+                  <a:pos x="T0" y="T1"/>
+                </a:cxn>
+                <a:cxn ang="0">
+                  <a:pos x="T2" y="T3"/>
+                </a:cxn>
+                <a:cxn ang="0">
+                  <a:pos x="T4" y="T5"/>
+                </a:cxn>
+                <a:cxn ang="0">
+                  <a:pos x="T6" y="T7"/>
+                </a:cxn>
+                <a:cxn ang="0">
+                  <a:pos x="T8" y="T9"/>
+                </a:cxn>
+              </a:cxnLst>
+              <a:rect l="0" t="0" r="r" b="b"/>
+              <a:pathLst>
+                <a:path w="447" h="1363">
+                  <a:moveTo>
+                    <a:pt x="447" y="1363"/>
+                  </a:moveTo>
+                  <a:lnTo>
+                    <a:pt x="0" y="987"/>
+                  </a:lnTo>
+                  <a:lnTo>
+                    <a:pt x="0" y="0"/>
+                  </a:lnTo>
+                  <a:lnTo>
+                    <a:pt x="447" y="376"/>
+                  </a:lnTo>
+                  <a:lnTo>
+                    <a:pt x="447" y="1363"/>
+                  </a:lnTo>
+                  <a:close/>
+                </a:path>
+              </a:pathLst>
+            </a:custGeom>
+            <a:solidFill>
+              <a:schemeClr val="accent1">
+                <a:lumMod val="50000"/>
+              </a:schemeClr>
+            </a:solidFill>
+            <a:ln>
+              <a:noFill/>
+            </a:ln>
+          </p:spPr>
+          <p:txBody>
+            <a:bodyPr vert="horz" wrap="square" lIns="91440" tIns="45720" rIns="91440" bIns="45720" numCol="1" anchor="t" anchorCtr="0" compatLnSpc="1">
+              <a:prstTxWarp prst="textNoShape">
+                <a:avLst/>
+              </a:prstTxWarp>
+            </a:bodyPr>
+            <a:lstStyle/>
+            <a:p>
+              <a:endParaRPr lang="en-US"/>
+            </a:p>
+          </p:txBody>
+        </p:sp>
+        <p:sp>
+          <p:nvSpPr>
+            <p:cNvPr id="15" name="Freeform 46">
+              <a:extLst>
+                <a:ext uri="{FF2B5EF4-FFF2-40B4-BE49-F238E27FC236}">
+                  <a16:creationId xmlns:a16="http://schemas.microsoft.com/office/drawing/2014/main" id="{E74A26A5-C23A-46D4-B0FF-155FB3834621}"/>
+                </a:ext>
+                <a:ext uri="{C183D7F6-B498-43B3-948B-1728B52AA6E4}">
+                  <adec:decorative xmlns:adec="http://schemas.microsoft.com/office/drawing/2017/decorative" val="1"/>
+                </a:ext>
+              </a:extLst>
+            </p:cNvPr>
+            <p:cNvSpPr>
+              <a:spLocks/>
+            </p:cNvSpPr>
+            <p:nvPr>
+              <p:extLst>
+                <p:ext uri="{386F3935-93C4-4BCD-93E2-E3B085C9AB24}">
+                  <p16:designElem xmlns:p16="http://schemas.microsoft.com/office/powerpoint/2015/main" val="1"/>
+                </p:ext>
+              </p:extLst>
+            </p:nvPr>
+          </p:nvSpPr>
+          <p:spPr bwMode="auto">
+            <a:xfrm>
+              <a:off x="409710" y="837744"/>
+              <a:ext cx="403225" cy="1705431"/>
+            </a:xfrm>
+            <a:custGeom>
+              <a:avLst/>
+              <a:gdLst>
+                <a:gd name="T0" fmla="*/ 254 w 254"/>
+                <a:gd name="T1" fmla="*/ 987 h 1109"/>
+                <a:gd name="T2" fmla="*/ 0 w 254"/>
+                <a:gd name="T3" fmla="*/ 1109 h 1109"/>
+                <a:gd name="T4" fmla="*/ 0 w 254"/>
+                <a:gd name="T5" fmla="*/ 119 h 1109"/>
+                <a:gd name="T6" fmla="*/ 254 w 254"/>
+                <a:gd name="T7" fmla="*/ 0 h 1109"/>
+                <a:gd name="T8" fmla="*/ 254 w 254"/>
+                <a:gd name="T9" fmla="*/ 987 h 1109"/>
+              </a:gdLst>
+              <a:ahLst/>
+              <a:cxnLst>
+                <a:cxn ang="0">
+                  <a:pos x="T0" y="T1"/>
+                </a:cxn>
+                <a:cxn ang="0">
+                  <a:pos x="T2" y="T3"/>
+                </a:cxn>
+                <a:cxn ang="0">
+                  <a:pos x="T4" y="T5"/>
+                </a:cxn>
+                <a:cxn ang="0">
+                  <a:pos x="T6" y="T7"/>
+                </a:cxn>
+                <a:cxn ang="0">
+                  <a:pos x="T8" y="T9"/>
+                </a:cxn>
+              </a:cxnLst>
+              <a:rect l="0" t="0" r="r" b="b"/>
+              <a:pathLst>
+                <a:path w="254" h="1109">
+                  <a:moveTo>
+                    <a:pt x="254" y="987"/>
+                  </a:moveTo>
+                  <a:lnTo>
+                    <a:pt x="0" y="1109"/>
+                  </a:lnTo>
+                  <a:lnTo>
+                    <a:pt x="0" y="119"/>
+                  </a:lnTo>
+                  <a:lnTo>
+                    <a:pt x="254" y="0"/>
+                  </a:lnTo>
+                  <a:lnTo>
+                    <a:pt x="254" y="987"/>
+                  </a:lnTo>
+                  <a:close/>
+                </a:path>
+              </a:pathLst>
+            </a:custGeom>
+            <a:solidFill>
+              <a:schemeClr val="accent1">
+                <a:lumMod val="75000"/>
+              </a:schemeClr>
+            </a:solidFill>
+            <a:ln>
+              <a:noFill/>
+            </a:ln>
+          </p:spPr>
+          <p:txBody>
+            <a:bodyPr vert="horz" wrap="square" lIns="91440" tIns="45720" rIns="91440" bIns="45720" numCol="1" anchor="t" anchorCtr="0" compatLnSpc="1">
+              <a:prstTxWarp prst="textNoShape">
+                <a:avLst/>
+              </a:prstTxWarp>
+            </a:bodyPr>
+            <a:lstStyle/>
+            <a:p>
+              <a:endParaRPr lang="en-US"/>
+            </a:p>
+          </p:txBody>
+        </p:sp>
+        <p:sp>
+          <p:nvSpPr>
+            <p:cNvPr id="16" name="Freeform 47">
+              <a:extLst>
+                <a:ext uri="{FF2B5EF4-FFF2-40B4-BE49-F238E27FC236}">
+                  <a16:creationId xmlns:a16="http://schemas.microsoft.com/office/drawing/2014/main" id="{08E0243F-1062-43C6-AD04-130DFF66840E}"/>
+                </a:ext>
+                <a:ext uri="{C183D7F6-B498-43B3-948B-1728B52AA6E4}">
+                  <adec:decorative xmlns:adec="http://schemas.microsoft.com/office/drawing/2017/decorative" val="1"/>
+                </a:ext>
+              </a:extLst>
+            </p:cNvPr>
+            <p:cNvSpPr>
+              <a:spLocks/>
+            </p:cNvSpPr>
+            <p:nvPr>
+              <p:extLst>
+                <p:ext uri="{386F3935-93C4-4BCD-93E2-E3B085C9AB24}">
+                  <p16:designElem xmlns:p16="http://schemas.microsoft.com/office/powerpoint/2015/main" val="1"/>
+                </p:ext>
+              </p:extLst>
+            </p:nvPr>
+          </p:nvSpPr>
+          <p:spPr bwMode="auto">
+            <a:xfrm>
+              <a:off x="644660" y="640894"/>
+              <a:ext cx="168275" cy="1713195"/>
+            </a:xfrm>
+            <a:custGeom>
+              <a:avLst/>
+              <a:gdLst>
+                <a:gd name="T0" fmla="*/ 106 w 106"/>
+                <a:gd name="T1" fmla="*/ 1114 h 1114"/>
+                <a:gd name="T2" fmla="*/ 0 w 106"/>
+                <a:gd name="T3" fmla="*/ 1005 h 1114"/>
+                <a:gd name="T4" fmla="*/ 0 w 106"/>
+                <a:gd name="T5" fmla="*/ 0 h 1114"/>
+                <a:gd name="T6" fmla="*/ 106 w 106"/>
+                <a:gd name="T7" fmla="*/ 110 h 1114"/>
+                <a:gd name="T8" fmla="*/ 106 w 106"/>
+                <a:gd name="T9" fmla="*/ 1114 h 1114"/>
+              </a:gdLst>
+              <a:ahLst/>
+              <a:cxnLst>
+                <a:cxn ang="0">
+                  <a:pos x="T0" y="T1"/>
+                </a:cxn>
+                <a:cxn ang="0">
+                  <a:pos x="T2" y="T3"/>
+                </a:cxn>
+                <a:cxn ang="0">
+                  <a:pos x="T4" y="T5"/>
+                </a:cxn>
+                <a:cxn ang="0">
+                  <a:pos x="T6" y="T7"/>
+                </a:cxn>
+                <a:cxn ang="0">
+                  <a:pos x="T8" y="T9"/>
+                </a:cxn>
+              </a:cxnLst>
+              <a:rect l="0" t="0" r="r" b="b"/>
+              <a:pathLst>
+                <a:path w="106" h="1114">
+                  <a:moveTo>
+                    <a:pt x="106" y="1114"/>
+                  </a:moveTo>
+                  <a:lnTo>
+                    <a:pt x="0" y="1005"/>
+                  </a:lnTo>
+                  <a:lnTo>
+                    <a:pt x="0" y="0"/>
+                  </a:lnTo>
+                  <a:lnTo>
+                    <a:pt x="106" y="110"/>
+                  </a:lnTo>
+                  <a:lnTo>
+                    <a:pt x="106" y="1114"/>
+                  </a:lnTo>
+                  <a:close/>
+                </a:path>
+              </a:pathLst>
+            </a:custGeom>
+            <a:solidFill>
+              <a:schemeClr val="accent1">
+                <a:lumMod val="50000"/>
+              </a:schemeClr>
+            </a:solidFill>
+            <a:ln>
+              <a:noFill/>
+            </a:ln>
+          </p:spPr>
+          <p:txBody>
+            <a:bodyPr vert="horz" wrap="square" lIns="91440" tIns="45720" rIns="91440" bIns="45720" numCol="1" anchor="t" anchorCtr="0" compatLnSpc="1">
+              <a:prstTxWarp prst="textNoShape">
+                <a:avLst/>
+              </a:prstTxWarp>
+            </a:bodyPr>
+            <a:lstStyle/>
+            <a:p>
+              <a:endParaRPr lang="en-US"/>
+            </a:p>
+          </p:txBody>
+        </p:sp>
+        <p:sp>
+          <p:nvSpPr>
+            <p:cNvPr id="17" name="Rectangle 16">
+              <a:extLst>
+                <a:ext uri="{FF2B5EF4-FFF2-40B4-BE49-F238E27FC236}">
+                  <a16:creationId xmlns:a16="http://schemas.microsoft.com/office/drawing/2014/main" id="{94C5517B-1B0F-47AA-93A5-36718996986F}"/>
+                </a:ext>
+                <a:ext uri="{C183D7F6-B498-43B3-948B-1728B52AA6E4}">
+                  <adec:decorative xmlns:adec="http://schemas.microsoft.com/office/drawing/2017/decorative" val="1"/>
+                </a:ext>
+              </a:extLst>
+            </p:cNvPr>
+            <p:cNvSpPr>
+              <a:spLocks noChangeArrowheads="1"/>
+            </p:cNvSpPr>
+            <p:nvPr>
+              <p:extLst>
+                <p:ext uri="{386F3935-93C4-4BCD-93E2-E3B085C9AB24}">
+                  <p16:designElem xmlns:p16="http://schemas.microsoft.com/office/powerpoint/2015/main" val="1"/>
+                </p:ext>
+              </p:extLst>
+            </p:nvPr>
+          </p:nvSpPr>
+          <p:spPr bwMode="auto">
+            <a:xfrm>
+              <a:off x="644055" y="635715"/>
+              <a:ext cx="10907863" cy="1541457"/>
+            </a:xfrm>
+            <a:prstGeom prst="rect">
+              <a:avLst/>
+            </a:prstGeom>
+            <a:solidFill>
+              <a:schemeClr val="accent1"/>
+            </a:solidFill>
+            <a:ln>
+              <a:noFill/>
+            </a:ln>
+          </p:spPr>
+          <p:txBody>
+            <a:bodyPr vert="horz" wrap="square" lIns="91440" tIns="45720" rIns="91440" bIns="45720" numCol="1" anchor="t" anchorCtr="0" compatLnSpc="1">
+              <a:prstTxWarp prst="textNoShape">
+                <a:avLst/>
+              </a:prstTxWarp>
+            </a:bodyPr>
+            <a:lstStyle/>
+            <a:p>
+              <a:endParaRPr lang="en-US"/>
+            </a:p>
+          </p:txBody>
+        </p:sp>
+      </p:grpSp>
+      <p:sp>
+        <p:nvSpPr>
+          <p:cNvPr id="2" name="Title 1">
+            <a:extLst>
+              <a:ext uri="{FF2B5EF4-FFF2-40B4-BE49-F238E27FC236}">
+                <a16:creationId xmlns:a16="http://schemas.microsoft.com/office/drawing/2014/main" id="{3032736B-ECF9-4859-83C3-B3F243B34DE4}"/>
+              </a:ext>
+            </a:extLst>
+          </p:cNvPr>
+          <p:cNvSpPr>
+            <a:spLocks noGrp="1"/>
+          </p:cNvSpPr>
+          <p:nvPr>
+            <p:ph type="title"/>
+          </p:nvPr>
+        </p:nvSpPr>
+        <p:spPr>
+          <a:xfrm>
+            <a:off x="1047280" y="759805"/>
+            <a:ext cx="10306520" cy="1325563"/>
+          </a:xfrm>
+        </p:spPr>
+        <p:txBody>
+          <a:bodyPr>
+            <a:normAutofit/>
+          </a:bodyPr>
+          <a:lstStyle/>
+          <a:p>
+            <a:r>
+              <a:rPr lang="en-US" sz="4000" dirty="0">
+                <a:solidFill>
+                  <a:srgbClr val="FFFFFF"/>
+                </a:solidFill>
+              </a:rPr>
+              <a:t>The 4 C’s- Color</a:t>
+            </a:r>
+          </a:p>
+        </p:txBody>
+      </p:sp>
+      <p:pic>
+        <p:nvPicPr>
+          <p:cNvPr id="21" name="Picture 20">
+            <a:extLst>
+              <a:ext uri="{FF2B5EF4-FFF2-40B4-BE49-F238E27FC236}">
+                <a16:creationId xmlns:a16="http://schemas.microsoft.com/office/drawing/2014/main" id="{F3B30CBE-A22C-4FDA-A0D9-AE3E0E00AC0C}"/>
+              </a:ext>
+            </a:extLst>
+          </p:cNvPr>
+          <p:cNvPicPr>
+            <a:picLocks noChangeAspect="1"/>
+          </p:cNvPicPr>
+          <p:nvPr/>
+        </p:nvPicPr>
+        <p:blipFill>
+          <a:blip r:embed="rId2"/>
+          <a:stretch>
+            <a:fillRect/>
+          </a:stretch>
+        </p:blipFill>
+        <p:spPr>
+          <a:xfrm>
+            <a:off x="812935" y="3190084"/>
+            <a:ext cx="10515569" cy="3180959"/>
+          </a:xfrm>
+          <a:prstGeom prst="rect">
+            <a:avLst/>
+          </a:prstGeom>
+        </p:spPr>
+      </p:pic>
+      <p:sp>
+        <p:nvSpPr>
+          <p:cNvPr id="28" name="Content Placeholder 2">
+            <a:extLst>
+              <a:ext uri="{FF2B5EF4-FFF2-40B4-BE49-F238E27FC236}">
+                <a16:creationId xmlns:a16="http://schemas.microsoft.com/office/drawing/2014/main" id="{0BAAFFA2-D37E-495C-811F-042E2D93C420}"/>
+              </a:ext>
+            </a:extLst>
+          </p:cNvPr>
+          <p:cNvSpPr>
+            <a:spLocks noGrp="1"/>
+          </p:cNvSpPr>
+          <p:nvPr>
+            <p:ph idx="1"/>
+          </p:nvPr>
+        </p:nvSpPr>
+        <p:spPr>
+          <a:xfrm>
+            <a:off x="1763377" y="2085368"/>
+            <a:ext cx="9043370" cy="942608"/>
+          </a:xfrm>
+        </p:spPr>
+        <p:txBody>
+          <a:bodyPr anchor="ctr">
+            <a:normAutofit/>
+          </a:bodyPr>
+          <a:lstStyle/>
+          <a:p>
+            <a:pPr marL="0" marR="0" indent="0" algn="ctr">
+              <a:spcBef>
+                <a:spcPts val="0"/>
+              </a:spcBef>
+              <a:spcAft>
+                <a:spcPts val="800"/>
+              </a:spcAft>
+              <a:buNone/>
+            </a:pPr>
+            <a:r>
+              <a:rPr lang="en-US" sz="2000" dirty="0">
+                <a:effectLst/>
+                <a:latin typeface="Calibri" panose="020F0502020204030204" pitchFamily="34" charset="0"/>
+                <a:ea typeface="Times New Roman" panose="02020603050405020304" pitchFamily="18" charset="0"/>
+                <a:cs typeface="Times New Roman" panose="02020603050405020304" pitchFamily="18" charset="0"/>
+              </a:rPr>
+              <a:t>Color is the second most important feature in diamond selection.  The less color that a diamond has the higher the grade of the diamond. </a:t>
+            </a:r>
+            <a:endParaRPr lang="en-US" sz="2000" dirty="0"/>
+          </a:p>
+        </p:txBody>
+      </p:sp>
+    </p:spTree>
+    <p:extLst>
+      <p:ext uri="{BB962C8B-B14F-4D97-AF65-F5344CB8AC3E}">
+        <p14:creationId xmlns:p14="http://schemas.microsoft.com/office/powerpoint/2010/main" val="484660432"/>
+      </p:ext>
+    </p:extLst>
+  </p:cSld>
+  <p:clrMapOvr>
+    <a:masterClrMapping/>
+  </p:clrMapOvr>
+</p:sld>
+</file>
+
+<file path=ppt/slides/slide5.xml><?xml version="1.0" encoding="utf-8"?>
+<p:sld xmlns:a="http://schemas.openxmlformats.org/drawingml/2006/main" xmlns:r="http://schemas.openxmlformats.org/officeDocument/2006/relationships" xmlns:p="http://schemas.openxmlformats.org/presentationml/2006/main">
+  <p:cSld>
+    <p:bg>
+      <p:bgPr>
+        <a:solidFill>
+          <a:schemeClr val="bg1"/>
+        </a:solidFill>
+        <a:effectLst/>
+      </p:bgPr>
+    </p:bg>
+    <p:spTree>
+      <p:nvGrpSpPr>
+        <p:cNvPr id="1" name=""/>
+        <p:cNvGrpSpPr/>
+        <p:nvPr/>
+      </p:nvGrpSpPr>
+      <p:grpSpPr>
+        <a:xfrm>
+          <a:off x="0" y="0"/>
+          <a:ext cx="0" cy="0"/>
+          <a:chOff x="0" y="0"/>
+          <a:chExt cx="0" cy="0"/>
+        </a:xfrm>
+      </p:grpSpPr>
+      <p:sp useBgFill="1">
+        <p:nvSpPr>
+          <p:cNvPr id="33" name="Rectangle 32">
+            <a:extLst>
+              <a:ext uri="{FF2B5EF4-FFF2-40B4-BE49-F238E27FC236}">
+                <a16:creationId xmlns:a16="http://schemas.microsoft.com/office/drawing/2014/main" id="{DD38EE57-B708-47C9-A4A4-E25F09FAB029}"/>
+              </a:ext>
+              <a:ext uri="{C183D7F6-B498-43B3-948B-1728B52AA6E4}">
+                <adec:decorative xmlns:adec="http://schemas.microsoft.com/office/drawing/2017/decorative" val="1"/>
+              </a:ext>
+            </a:extLst>
+          </p:cNvPr>
+          <p:cNvSpPr>
+            <a:spLocks noGrp="1" noRot="1" noChangeAspect="1" noMove="1" noResize="1" noEditPoints="1" noAdjustHandles="1" noChangeArrowheads="1" noChangeShapeType="1" noTextEdit="1"/>
+          </p:cNvSpPr>
+          <p:nvPr>
+            <p:extLst>
+              <p:ext uri="{386F3935-93C4-4BCD-93E2-E3B085C9AB24}">
+                <p16:designElem xmlns:p16="http://schemas.microsoft.com/office/powerpoint/2015/main" val="1"/>
+              </p:ext>
+            </p:extLst>
+          </p:nvPr>
+        </p:nvSpPr>
+        <p:spPr>
+          <a:xfrm>
+            <a:off x="0" y="0"/>
+            <a:ext cx="12188952" cy="6858000"/>
+          </a:xfrm>
+          <a:prstGeom prst="rect">
+            <a:avLst/>
+          </a:prstGeom>
+          <a:ln>
+            <a:noFill/>
+          </a:ln>
+        </p:spPr>
+        <p:style>
+          <a:lnRef idx="2">
+            <a:schemeClr val="accent1">
+              <a:shade val="50000"/>
+            </a:schemeClr>
+          </a:lnRef>
+          <a:fillRef idx="1">
+            <a:schemeClr val="accent1"/>
+          </a:fillRef>
+          <a:effectRef idx="0">
+            <a:schemeClr val="accent1"/>
+          </a:effectRef>
+          <a:fontRef idx="minor">
+            <a:schemeClr val="lt1"/>
+          </a:fontRef>
+        </p:style>
+        <p:txBody>
+          <a:bodyPr rtlCol="0" anchor="ctr"/>
+          <a:lstStyle/>
+          <a:p>
+            <a:pPr algn="ctr"/>
+            <a:endParaRPr lang="en-US"/>
+          </a:p>
+        </p:txBody>
+      </p:sp>
+      <p:grpSp>
+        <p:nvGrpSpPr>
+          <p:cNvPr id="35" name="Group 34">
+            <a:extLst>
+              <a:ext uri="{FF2B5EF4-FFF2-40B4-BE49-F238E27FC236}">
+                <a16:creationId xmlns:a16="http://schemas.microsoft.com/office/drawing/2014/main" id="{57A28182-58A5-4DBB-8F64-BD944BCA8154}"/>
+              </a:ext>
+              <a:ext uri="{C183D7F6-B498-43B3-948B-1728B52AA6E4}">
+                <adec:decorative xmlns:adec="http://schemas.microsoft.com/office/drawing/2017/decorative" val="1"/>
+              </a:ext>
+            </a:extLst>
+          </p:cNvPr>
+          <p:cNvGrpSpPr>
+            <a:grpSpLocks noGrp="1" noUngrp="1" noRot="1" noChangeAspect="1" noMove="1" noResize="1"/>
+          </p:cNvGrpSpPr>
+          <p:nvPr>
+            <p:extLst>
+              <p:ext uri="{386F3935-93C4-4BCD-93E2-E3B085C9AB24}">
+                <p16:designElem xmlns:p16="http://schemas.microsoft.com/office/powerpoint/2015/main" val="1"/>
+              </p:ext>
+            </p:extLst>
+          </p:nvPr>
+        </p:nvGrpSpPr>
+        <p:grpSpPr>
+          <a:xfrm>
+            <a:off x="409710" y="635715"/>
+            <a:ext cx="11142208" cy="2482136"/>
+            <a:chOff x="409710" y="635715"/>
+            <a:chExt cx="11142208" cy="2482136"/>
+          </a:xfrm>
+        </p:grpSpPr>
+        <p:sp>
+          <p:nvSpPr>
+            <p:cNvPr id="36" name="Freeform 44">
+              <a:extLst>
+                <a:ext uri="{FF2B5EF4-FFF2-40B4-BE49-F238E27FC236}">
+                  <a16:creationId xmlns:a16="http://schemas.microsoft.com/office/drawing/2014/main" id="{E4A9080E-7BA6-45FC-8677-8B9D5F4DAFE0}"/>
+                </a:ext>
+                <a:ext uri="{C183D7F6-B498-43B3-948B-1728B52AA6E4}">
+                  <adec:decorative xmlns:adec="http://schemas.microsoft.com/office/drawing/2017/decorative" val="1"/>
+                </a:ext>
+              </a:extLst>
+            </p:cNvPr>
+            <p:cNvSpPr>
+              <a:spLocks/>
+            </p:cNvSpPr>
+            <p:nvPr>
+              <p:extLst>
+                <p:ext uri="{386F3935-93C4-4BCD-93E2-E3B085C9AB24}">
+                  <p16:designElem xmlns:p16="http://schemas.microsoft.com/office/powerpoint/2015/main" val="1"/>
+                </p:ext>
+              </p:extLst>
+            </p:nvPr>
+          </p:nvSpPr>
+          <p:spPr bwMode="auto">
+            <a:xfrm>
+              <a:off x="11223203" y="635716"/>
+              <a:ext cx="328612" cy="1742360"/>
+            </a:xfrm>
+            <a:custGeom>
+              <a:avLst/>
+              <a:gdLst>
+                <a:gd name="T0" fmla="*/ 207 w 207"/>
+                <a:gd name="T1" fmla="*/ 987 h 1114"/>
+                <a:gd name="T2" fmla="*/ 0 w 207"/>
+                <a:gd name="T3" fmla="*/ 1114 h 1114"/>
+                <a:gd name="T4" fmla="*/ 0 w 207"/>
+                <a:gd name="T5" fmla="*/ 127 h 1114"/>
+                <a:gd name="T6" fmla="*/ 207 w 207"/>
+                <a:gd name="T7" fmla="*/ 0 h 1114"/>
+                <a:gd name="T8" fmla="*/ 207 w 207"/>
+                <a:gd name="T9" fmla="*/ 987 h 1114"/>
+              </a:gdLst>
+              <a:ahLst/>
+              <a:cxnLst>
+                <a:cxn ang="0">
+                  <a:pos x="T0" y="T1"/>
+                </a:cxn>
+                <a:cxn ang="0">
+                  <a:pos x="T2" y="T3"/>
+                </a:cxn>
+                <a:cxn ang="0">
+                  <a:pos x="T4" y="T5"/>
+                </a:cxn>
+                <a:cxn ang="0">
+                  <a:pos x="T6" y="T7"/>
+                </a:cxn>
+                <a:cxn ang="0">
+                  <a:pos x="T8" y="T9"/>
+                </a:cxn>
+              </a:cxnLst>
+              <a:rect l="0" t="0" r="r" b="b"/>
+              <a:pathLst>
+                <a:path w="207" h="1114">
+                  <a:moveTo>
+                    <a:pt x="207" y="987"/>
+                  </a:moveTo>
+                  <a:lnTo>
+                    <a:pt x="0" y="1114"/>
+                  </a:lnTo>
+                  <a:lnTo>
+                    <a:pt x="0" y="127"/>
+                  </a:lnTo>
+                  <a:lnTo>
+                    <a:pt x="207" y="0"/>
+                  </a:lnTo>
+                  <a:lnTo>
+                    <a:pt x="207" y="987"/>
+                  </a:lnTo>
+                  <a:close/>
+                </a:path>
+              </a:pathLst>
+            </a:custGeom>
+            <a:solidFill>
+              <a:schemeClr val="accent1">
+                <a:lumMod val="50000"/>
+              </a:schemeClr>
+            </a:solidFill>
+            <a:ln>
+              <a:noFill/>
+            </a:ln>
+          </p:spPr>
+          <p:txBody>
+            <a:bodyPr vert="horz" wrap="square" lIns="91440" tIns="45720" rIns="91440" bIns="45720" numCol="1" anchor="t" anchorCtr="0" compatLnSpc="1">
+              <a:prstTxWarp prst="textNoShape">
+                <a:avLst/>
+              </a:prstTxWarp>
+            </a:bodyPr>
+            <a:lstStyle/>
+            <a:p>
+              <a:endParaRPr lang="en-US"/>
+            </a:p>
+          </p:txBody>
+        </p:sp>
+        <p:sp>
+          <p:nvSpPr>
+            <p:cNvPr id="37" name="Freeform 45">
+              <a:extLst>
+                <a:ext uri="{FF2B5EF4-FFF2-40B4-BE49-F238E27FC236}">
+                  <a16:creationId xmlns:a16="http://schemas.microsoft.com/office/drawing/2014/main" id="{2163D516-75D4-4DE0-AC27-63719125AE52}"/>
+                </a:ext>
+                <a:ext uri="{C183D7F6-B498-43B3-948B-1728B52AA6E4}">
+                  <adec:decorative xmlns:adec="http://schemas.microsoft.com/office/drawing/2017/decorative" val="1"/>
+                </a:ext>
+              </a:extLst>
+            </p:cNvPr>
+            <p:cNvSpPr>
+              <a:spLocks/>
+            </p:cNvSpPr>
+            <p:nvPr>
+              <p:extLst>
+                <p:ext uri="{386F3935-93C4-4BCD-93E2-E3B085C9AB24}">
+                  <p16:designElem xmlns:p16="http://schemas.microsoft.com/office/powerpoint/2015/main" val="1"/>
+                </p:ext>
+              </p:extLst>
+            </p:nvPr>
+          </p:nvSpPr>
+          <p:spPr bwMode="auto">
+            <a:xfrm>
+              <a:off x="409710" y="1022350"/>
+              <a:ext cx="709612" cy="2095501"/>
+            </a:xfrm>
+            <a:custGeom>
+              <a:avLst/>
+              <a:gdLst>
+                <a:gd name="T0" fmla="*/ 447 w 447"/>
+                <a:gd name="T1" fmla="*/ 1363 h 1363"/>
+                <a:gd name="T2" fmla="*/ 0 w 447"/>
+                <a:gd name="T3" fmla="*/ 987 h 1363"/>
+                <a:gd name="T4" fmla="*/ 0 w 447"/>
+                <a:gd name="T5" fmla="*/ 0 h 1363"/>
+                <a:gd name="T6" fmla="*/ 447 w 447"/>
+                <a:gd name="T7" fmla="*/ 376 h 1363"/>
+                <a:gd name="T8" fmla="*/ 447 w 447"/>
+                <a:gd name="T9" fmla="*/ 1363 h 1363"/>
+              </a:gdLst>
+              <a:ahLst/>
+              <a:cxnLst>
+                <a:cxn ang="0">
+                  <a:pos x="T0" y="T1"/>
+                </a:cxn>
+                <a:cxn ang="0">
+                  <a:pos x="T2" y="T3"/>
+                </a:cxn>
+                <a:cxn ang="0">
+                  <a:pos x="T4" y="T5"/>
+                </a:cxn>
+                <a:cxn ang="0">
+                  <a:pos x="T6" y="T7"/>
+                </a:cxn>
+                <a:cxn ang="0">
+                  <a:pos x="T8" y="T9"/>
+                </a:cxn>
+              </a:cxnLst>
+              <a:rect l="0" t="0" r="r" b="b"/>
+              <a:pathLst>
+                <a:path w="447" h="1363">
+                  <a:moveTo>
+                    <a:pt x="447" y="1363"/>
+                  </a:moveTo>
+                  <a:lnTo>
+                    <a:pt x="0" y="987"/>
+                  </a:lnTo>
+                  <a:lnTo>
+                    <a:pt x="0" y="0"/>
+                  </a:lnTo>
+                  <a:lnTo>
+                    <a:pt x="447" y="376"/>
+                  </a:lnTo>
+                  <a:lnTo>
+                    <a:pt x="447" y="1363"/>
+                  </a:lnTo>
+                  <a:close/>
+                </a:path>
+              </a:pathLst>
+            </a:custGeom>
+            <a:solidFill>
+              <a:schemeClr val="accent1">
+                <a:lumMod val="50000"/>
+              </a:schemeClr>
+            </a:solidFill>
+            <a:ln>
+              <a:noFill/>
+            </a:ln>
+          </p:spPr>
+          <p:txBody>
+            <a:bodyPr vert="horz" wrap="square" lIns="91440" tIns="45720" rIns="91440" bIns="45720" numCol="1" anchor="t" anchorCtr="0" compatLnSpc="1">
+              <a:prstTxWarp prst="textNoShape">
+                <a:avLst/>
+              </a:prstTxWarp>
+            </a:bodyPr>
+            <a:lstStyle/>
+            <a:p>
+              <a:endParaRPr lang="en-US"/>
+            </a:p>
+          </p:txBody>
+        </p:sp>
+        <p:sp>
+          <p:nvSpPr>
+            <p:cNvPr id="38" name="Freeform 46">
+              <a:extLst>
+                <a:ext uri="{FF2B5EF4-FFF2-40B4-BE49-F238E27FC236}">
+                  <a16:creationId xmlns:a16="http://schemas.microsoft.com/office/drawing/2014/main" id="{E74A26A5-C23A-46D4-B0FF-155FB3834621}"/>
+                </a:ext>
+                <a:ext uri="{C183D7F6-B498-43B3-948B-1728B52AA6E4}">
+                  <adec:decorative xmlns:adec="http://schemas.microsoft.com/office/drawing/2017/decorative" val="1"/>
+                </a:ext>
+              </a:extLst>
+            </p:cNvPr>
+            <p:cNvSpPr>
+              <a:spLocks/>
+            </p:cNvSpPr>
+            <p:nvPr>
+              <p:extLst>
+                <p:ext uri="{386F3935-93C4-4BCD-93E2-E3B085C9AB24}">
+                  <p16:designElem xmlns:p16="http://schemas.microsoft.com/office/powerpoint/2015/main" val="1"/>
+                </p:ext>
+              </p:extLst>
+            </p:nvPr>
+          </p:nvSpPr>
+          <p:spPr bwMode="auto">
+            <a:xfrm>
+              <a:off x="409710" y="837744"/>
+              <a:ext cx="403225" cy="1705431"/>
+            </a:xfrm>
+            <a:custGeom>
+              <a:avLst/>
+              <a:gdLst>
+                <a:gd name="T0" fmla="*/ 254 w 254"/>
+                <a:gd name="T1" fmla="*/ 987 h 1109"/>
+                <a:gd name="T2" fmla="*/ 0 w 254"/>
+                <a:gd name="T3" fmla="*/ 1109 h 1109"/>
+                <a:gd name="T4" fmla="*/ 0 w 254"/>
+                <a:gd name="T5" fmla="*/ 119 h 1109"/>
+                <a:gd name="T6" fmla="*/ 254 w 254"/>
+                <a:gd name="T7" fmla="*/ 0 h 1109"/>
+                <a:gd name="T8" fmla="*/ 254 w 254"/>
+                <a:gd name="T9" fmla="*/ 987 h 1109"/>
+              </a:gdLst>
+              <a:ahLst/>
+              <a:cxnLst>
+                <a:cxn ang="0">
+                  <a:pos x="T0" y="T1"/>
+                </a:cxn>
+                <a:cxn ang="0">
+                  <a:pos x="T2" y="T3"/>
+                </a:cxn>
+                <a:cxn ang="0">
+                  <a:pos x="T4" y="T5"/>
+                </a:cxn>
+                <a:cxn ang="0">
+                  <a:pos x="T6" y="T7"/>
+                </a:cxn>
+                <a:cxn ang="0">
+                  <a:pos x="T8" y="T9"/>
+                </a:cxn>
+              </a:cxnLst>
+              <a:rect l="0" t="0" r="r" b="b"/>
+              <a:pathLst>
+                <a:path w="254" h="1109">
+                  <a:moveTo>
+                    <a:pt x="254" y="987"/>
+                  </a:moveTo>
+                  <a:lnTo>
+                    <a:pt x="0" y="1109"/>
+                  </a:lnTo>
+                  <a:lnTo>
+                    <a:pt x="0" y="119"/>
+                  </a:lnTo>
+                  <a:lnTo>
+                    <a:pt x="254" y="0"/>
+                  </a:lnTo>
+                  <a:lnTo>
+                    <a:pt x="254" y="987"/>
+                  </a:lnTo>
+                  <a:close/>
+                </a:path>
+              </a:pathLst>
+            </a:custGeom>
+            <a:solidFill>
+              <a:schemeClr val="accent1">
+                <a:lumMod val="75000"/>
+              </a:schemeClr>
+            </a:solidFill>
+            <a:ln>
+              <a:noFill/>
+            </a:ln>
+          </p:spPr>
+          <p:txBody>
+            <a:bodyPr vert="horz" wrap="square" lIns="91440" tIns="45720" rIns="91440" bIns="45720" numCol="1" anchor="t" anchorCtr="0" compatLnSpc="1">
+              <a:prstTxWarp prst="textNoShape">
+                <a:avLst/>
+              </a:prstTxWarp>
+            </a:bodyPr>
+            <a:lstStyle/>
+            <a:p>
+              <a:endParaRPr lang="en-US"/>
+            </a:p>
+          </p:txBody>
+        </p:sp>
+        <p:sp>
+          <p:nvSpPr>
+            <p:cNvPr id="39" name="Freeform 47">
+              <a:extLst>
+                <a:ext uri="{FF2B5EF4-FFF2-40B4-BE49-F238E27FC236}">
+                  <a16:creationId xmlns:a16="http://schemas.microsoft.com/office/drawing/2014/main" id="{08E0243F-1062-43C6-AD04-130DFF66840E}"/>
+                </a:ext>
+                <a:ext uri="{C183D7F6-B498-43B3-948B-1728B52AA6E4}">
+                  <adec:decorative xmlns:adec="http://schemas.microsoft.com/office/drawing/2017/decorative" val="1"/>
+                </a:ext>
+              </a:extLst>
+            </p:cNvPr>
+            <p:cNvSpPr>
+              <a:spLocks/>
+            </p:cNvSpPr>
+            <p:nvPr>
+              <p:extLst>
+                <p:ext uri="{386F3935-93C4-4BCD-93E2-E3B085C9AB24}">
+                  <p16:designElem xmlns:p16="http://schemas.microsoft.com/office/powerpoint/2015/main" val="1"/>
+                </p:ext>
+              </p:extLst>
+            </p:nvPr>
+          </p:nvSpPr>
+          <p:spPr bwMode="auto">
+            <a:xfrm>
+              <a:off x="644660" y="640894"/>
+              <a:ext cx="168275" cy="1713195"/>
+            </a:xfrm>
+            <a:custGeom>
+              <a:avLst/>
+              <a:gdLst>
+                <a:gd name="T0" fmla="*/ 106 w 106"/>
+                <a:gd name="T1" fmla="*/ 1114 h 1114"/>
+                <a:gd name="T2" fmla="*/ 0 w 106"/>
+                <a:gd name="T3" fmla="*/ 1005 h 1114"/>
+                <a:gd name="T4" fmla="*/ 0 w 106"/>
+                <a:gd name="T5" fmla="*/ 0 h 1114"/>
+                <a:gd name="T6" fmla="*/ 106 w 106"/>
+                <a:gd name="T7" fmla="*/ 110 h 1114"/>
+                <a:gd name="T8" fmla="*/ 106 w 106"/>
+                <a:gd name="T9" fmla="*/ 1114 h 1114"/>
+              </a:gdLst>
+              <a:ahLst/>
+              <a:cxnLst>
+                <a:cxn ang="0">
+                  <a:pos x="T0" y="T1"/>
+                </a:cxn>
+                <a:cxn ang="0">
+                  <a:pos x="T2" y="T3"/>
+                </a:cxn>
+                <a:cxn ang="0">
+                  <a:pos x="T4" y="T5"/>
+                </a:cxn>
+                <a:cxn ang="0">
+                  <a:pos x="T6" y="T7"/>
+                </a:cxn>
+                <a:cxn ang="0">
+                  <a:pos x="T8" y="T9"/>
+                </a:cxn>
+              </a:cxnLst>
+              <a:rect l="0" t="0" r="r" b="b"/>
+              <a:pathLst>
+                <a:path w="106" h="1114">
+                  <a:moveTo>
+                    <a:pt x="106" y="1114"/>
+                  </a:moveTo>
+                  <a:lnTo>
+                    <a:pt x="0" y="1005"/>
+                  </a:lnTo>
+                  <a:lnTo>
+                    <a:pt x="0" y="0"/>
+                  </a:lnTo>
+                  <a:lnTo>
+                    <a:pt x="106" y="110"/>
+                  </a:lnTo>
+                  <a:lnTo>
+                    <a:pt x="106" y="1114"/>
+                  </a:lnTo>
+                  <a:close/>
+                </a:path>
+              </a:pathLst>
+            </a:custGeom>
+            <a:solidFill>
+              <a:schemeClr val="accent1">
+                <a:lumMod val="50000"/>
+              </a:schemeClr>
+            </a:solidFill>
+            <a:ln>
+              <a:noFill/>
+            </a:ln>
+          </p:spPr>
+          <p:txBody>
+            <a:bodyPr vert="horz" wrap="square" lIns="91440" tIns="45720" rIns="91440" bIns="45720" numCol="1" anchor="t" anchorCtr="0" compatLnSpc="1">
+              <a:prstTxWarp prst="textNoShape">
+                <a:avLst/>
+              </a:prstTxWarp>
+            </a:bodyPr>
+            <a:lstStyle/>
+            <a:p>
+              <a:endParaRPr lang="en-US"/>
+            </a:p>
+          </p:txBody>
+        </p:sp>
+        <p:sp>
+          <p:nvSpPr>
+            <p:cNvPr id="40" name="Rectangle 39">
+              <a:extLst>
+                <a:ext uri="{FF2B5EF4-FFF2-40B4-BE49-F238E27FC236}">
+                  <a16:creationId xmlns:a16="http://schemas.microsoft.com/office/drawing/2014/main" id="{94C5517B-1B0F-47AA-93A5-36718996986F}"/>
+                </a:ext>
+                <a:ext uri="{C183D7F6-B498-43B3-948B-1728B52AA6E4}">
+                  <adec:decorative xmlns:adec="http://schemas.microsoft.com/office/drawing/2017/decorative" val="1"/>
+                </a:ext>
+              </a:extLst>
+            </p:cNvPr>
+            <p:cNvSpPr>
+              <a:spLocks noChangeArrowheads="1"/>
+            </p:cNvSpPr>
+            <p:nvPr>
+              <p:extLst>
+                <p:ext uri="{386F3935-93C4-4BCD-93E2-E3B085C9AB24}">
+                  <p16:designElem xmlns:p16="http://schemas.microsoft.com/office/powerpoint/2015/main" val="1"/>
+                </p:ext>
+              </p:extLst>
+            </p:nvPr>
+          </p:nvSpPr>
+          <p:spPr bwMode="auto">
+            <a:xfrm>
+              <a:off x="644055" y="635715"/>
+              <a:ext cx="10907863" cy="1541457"/>
+            </a:xfrm>
+            <a:prstGeom prst="rect">
+              <a:avLst/>
+            </a:prstGeom>
+            <a:solidFill>
+              <a:schemeClr val="accent1"/>
+            </a:solidFill>
+            <a:ln>
+              <a:noFill/>
+            </a:ln>
+          </p:spPr>
+          <p:txBody>
+            <a:bodyPr vert="horz" wrap="square" lIns="91440" tIns="45720" rIns="91440" bIns="45720" numCol="1" anchor="t" anchorCtr="0" compatLnSpc="1">
+              <a:prstTxWarp prst="textNoShape">
+                <a:avLst/>
+              </a:prstTxWarp>
+            </a:bodyPr>
+            <a:lstStyle/>
+            <a:p>
+              <a:endParaRPr lang="en-US"/>
+            </a:p>
+          </p:txBody>
+        </p:sp>
+      </p:grpSp>
+      <p:sp>
+        <p:nvSpPr>
+          <p:cNvPr id="2" name="Title 1">
+            <a:extLst>
+              <a:ext uri="{FF2B5EF4-FFF2-40B4-BE49-F238E27FC236}">
+                <a16:creationId xmlns:a16="http://schemas.microsoft.com/office/drawing/2014/main" id="{3032736B-ECF9-4859-83C3-B3F243B34DE4}"/>
+              </a:ext>
+            </a:extLst>
+          </p:cNvPr>
+          <p:cNvSpPr>
+            <a:spLocks noGrp="1"/>
+          </p:cNvSpPr>
+          <p:nvPr>
+            <p:ph type="title"/>
+          </p:nvPr>
+        </p:nvSpPr>
+        <p:spPr>
+          <a:xfrm>
+            <a:off x="1047280" y="759805"/>
+            <a:ext cx="10306520" cy="1325563"/>
+          </a:xfrm>
+        </p:spPr>
+        <p:txBody>
+          <a:bodyPr>
+            <a:normAutofit/>
+          </a:bodyPr>
+          <a:lstStyle/>
+          <a:p>
+            <a:r>
+              <a:rPr lang="en-US" sz="4000" dirty="0">
+                <a:solidFill>
+                  <a:srgbClr val="FFFFFF"/>
+                </a:solidFill>
+              </a:rPr>
+              <a:t>The 4 C’s- Clarity</a:t>
+            </a:r>
+          </a:p>
+        </p:txBody>
+      </p:sp>
+      <p:sp>
+        <p:nvSpPr>
+          <p:cNvPr id="22" name="Content Placeholder 2">
+            <a:extLst>
+              <a:ext uri="{FF2B5EF4-FFF2-40B4-BE49-F238E27FC236}">
+                <a16:creationId xmlns:a16="http://schemas.microsoft.com/office/drawing/2014/main" id="{74660F12-6C21-4684-86FD-E5E254F5D04C}"/>
+              </a:ext>
+            </a:extLst>
+          </p:cNvPr>
+          <p:cNvSpPr>
+            <a:spLocks noGrp="1"/>
+          </p:cNvSpPr>
+          <p:nvPr>
+            <p:ph idx="1"/>
+          </p:nvPr>
+        </p:nvSpPr>
+        <p:spPr>
+          <a:xfrm>
+            <a:off x="1222645" y="2177172"/>
+            <a:ext cx="10000455" cy="826087"/>
+          </a:xfrm>
+        </p:spPr>
+        <p:txBody>
+          <a:bodyPr anchor="ctr">
+            <a:normAutofit/>
+          </a:bodyPr>
+          <a:lstStyle/>
+          <a:p>
+            <a:pPr marL="0" marR="0" indent="0" algn="ctr">
+              <a:spcBef>
+                <a:spcPts val="0"/>
+              </a:spcBef>
+              <a:spcAft>
+                <a:spcPts val="800"/>
+              </a:spcAft>
+              <a:buNone/>
+            </a:pPr>
+            <a:r>
+              <a:rPr lang="en-US" sz="1800" dirty="0">
+                <a:latin typeface="Calibri" panose="020F0502020204030204" pitchFamily="34" charset="0"/>
+                <a:ea typeface="Times New Roman" panose="02020603050405020304" pitchFamily="18" charset="0"/>
+                <a:cs typeface="Times New Roman" panose="02020603050405020304" pitchFamily="18" charset="0"/>
+              </a:rPr>
+              <a:t>C</a:t>
+            </a:r>
+            <a:r>
+              <a:rPr lang="en-US" sz="1800" dirty="0">
+                <a:effectLst/>
+                <a:latin typeface="Calibri" panose="020F0502020204030204" pitchFamily="34" charset="0"/>
+                <a:ea typeface="Times New Roman" panose="02020603050405020304" pitchFamily="18" charset="0"/>
+                <a:cs typeface="Times New Roman" panose="02020603050405020304" pitchFamily="18" charset="0"/>
+              </a:rPr>
+              <a:t>larity defines the degree that a diamond is flawed.  Clarity grade is based on the size, number, position of, and color of the diamond’s flaws.</a:t>
+            </a:r>
+            <a:endParaRPr lang="en-US" sz="2000" dirty="0"/>
+          </a:p>
+        </p:txBody>
+      </p:sp>
+      <p:pic>
+        <p:nvPicPr>
+          <p:cNvPr id="23" name="Picture 22">
+            <a:extLst>
+              <a:ext uri="{FF2B5EF4-FFF2-40B4-BE49-F238E27FC236}">
+                <a16:creationId xmlns:a16="http://schemas.microsoft.com/office/drawing/2014/main" id="{B551851D-3296-488A-89F6-92A020390769}"/>
+              </a:ext>
+            </a:extLst>
+          </p:cNvPr>
+          <p:cNvPicPr>
+            <a:picLocks noChangeAspect="1"/>
+          </p:cNvPicPr>
+          <p:nvPr/>
+        </p:nvPicPr>
+        <p:blipFill>
+          <a:blip r:embed="rId2"/>
+          <a:stretch>
+            <a:fillRect/>
+          </a:stretch>
+        </p:blipFill>
+        <p:spPr>
+          <a:xfrm>
+            <a:off x="1345921" y="3110791"/>
+            <a:ext cx="9877179" cy="3306285"/>
+          </a:xfrm>
+          <a:prstGeom prst="rect">
+            <a:avLst/>
+          </a:prstGeom>
+        </p:spPr>
+      </p:pic>
+    </p:spTree>
+    <p:extLst>
+      <p:ext uri="{BB962C8B-B14F-4D97-AF65-F5344CB8AC3E}">
+        <p14:creationId xmlns:p14="http://schemas.microsoft.com/office/powerpoint/2010/main" val="2675655627"/>
+      </p:ext>
+    </p:extLst>
+  </p:cSld>
+  <p:clrMapOvr>
+    <a:masterClrMapping/>
+  </p:clrMapOvr>
+</p:sld>
+</file>
+
+<file path=ppt/slides/slide6.xml><?xml version="1.0" encoding="utf-8"?>
+<p:sld xmlns:a="http://schemas.openxmlformats.org/drawingml/2006/main" xmlns:r="http://schemas.openxmlformats.org/officeDocument/2006/relationships" xmlns:p="http://schemas.openxmlformats.org/presentationml/2006/main">
+  <p:cSld>
+    <p:bg>
+      <p:bgPr>
+        <a:solidFill>
+          <a:schemeClr val="bg1"/>
+        </a:solidFill>
+        <a:effectLst/>
+      </p:bgPr>
+    </p:bg>
+    <p:spTree>
+      <p:nvGrpSpPr>
+        <p:cNvPr id="1" name=""/>
+        <p:cNvGrpSpPr/>
+        <p:nvPr/>
+      </p:nvGrpSpPr>
+      <p:grpSpPr>
+        <a:xfrm>
+          <a:off x="0" y="0"/>
+          <a:ext cx="0" cy="0"/>
+          <a:chOff x="0" y="0"/>
+          <a:chExt cx="0" cy="0"/>
+        </a:xfrm>
+      </p:grpSpPr>
+      <p:sp useBgFill="1">
+        <p:nvSpPr>
+          <p:cNvPr id="28" name="Rectangle 27">
+            <a:extLst>
+              <a:ext uri="{FF2B5EF4-FFF2-40B4-BE49-F238E27FC236}">
+                <a16:creationId xmlns:a16="http://schemas.microsoft.com/office/drawing/2014/main" id="{DD38EE57-B708-47C9-A4A4-E25F09FAB029}"/>
+              </a:ext>
+              <a:ext uri="{C183D7F6-B498-43B3-948B-1728B52AA6E4}">
+                <adec:decorative xmlns:adec="http://schemas.microsoft.com/office/drawing/2017/decorative" val="1"/>
+              </a:ext>
+            </a:extLst>
+          </p:cNvPr>
+          <p:cNvSpPr>
+            <a:spLocks noGrp="1" noRot="1" noChangeAspect="1" noMove="1" noResize="1" noEditPoints="1" noAdjustHandles="1" noChangeArrowheads="1" noChangeShapeType="1" noTextEdit="1"/>
+          </p:cNvSpPr>
+          <p:nvPr>
+            <p:extLst>
+              <p:ext uri="{386F3935-93C4-4BCD-93E2-E3B085C9AB24}">
+                <p16:designElem xmlns:p16="http://schemas.microsoft.com/office/powerpoint/2015/main" val="1"/>
+              </p:ext>
+            </p:extLst>
+          </p:nvPr>
+        </p:nvSpPr>
+        <p:spPr>
+          <a:xfrm>
+            <a:off x="0" y="0"/>
+            <a:ext cx="12188952" cy="6858000"/>
+          </a:xfrm>
+          <a:prstGeom prst="rect">
+            <a:avLst/>
+          </a:prstGeom>
+          <a:ln>
+            <a:noFill/>
+          </a:ln>
+        </p:spPr>
+        <p:style>
+          <a:lnRef idx="2">
+            <a:schemeClr val="accent1">
+              <a:shade val="50000"/>
+            </a:schemeClr>
+          </a:lnRef>
+          <a:fillRef idx="1">
+            <a:schemeClr val="accent1"/>
+          </a:fillRef>
+          <a:effectRef idx="0">
+            <a:schemeClr val="accent1"/>
+          </a:effectRef>
+          <a:fontRef idx="minor">
+            <a:schemeClr val="lt1"/>
+          </a:fontRef>
+        </p:style>
+        <p:txBody>
+          <a:bodyPr rtlCol="0" anchor="ctr"/>
+          <a:lstStyle/>
+          <a:p>
+            <a:pPr algn="ctr"/>
+            <a:endParaRPr lang="en-US"/>
+          </a:p>
+        </p:txBody>
+      </p:sp>
+      <p:grpSp>
+        <p:nvGrpSpPr>
+          <p:cNvPr id="30" name="Group 29">
+            <a:extLst>
+              <a:ext uri="{FF2B5EF4-FFF2-40B4-BE49-F238E27FC236}">
+                <a16:creationId xmlns:a16="http://schemas.microsoft.com/office/drawing/2014/main" id="{57A28182-58A5-4DBB-8F64-BD944BCA8154}"/>
+              </a:ext>
+              <a:ext uri="{C183D7F6-B498-43B3-948B-1728B52AA6E4}">
+                <adec:decorative xmlns:adec="http://schemas.microsoft.com/office/drawing/2017/decorative" val="1"/>
+              </a:ext>
+            </a:extLst>
+          </p:cNvPr>
+          <p:cNvGrpSpPr>
+            <a:grpSpLocks noGrp="1" noUngrp="1" noRot="1" noChangeAspect="1" noMove="1" noResize="1"/>
+          </p:cNvGrpSpPr>
+          <p:nvPr>
+            <p:extLst>
+              <p:ext uri="{386F3935-93C4-4BCD-93E2-E3B085C9AB24}">
+                <p16:designElem xmlns:p16="http://schemas.microsoft.com/office/powerpoint/2015/main" val="1"/>
+              </p:ext>
+            </p:extLst>
+          </p:nvPr>
+        </p:nvGrpSpPr>
+        <p:grpSpPr>
+          <a:xfrm>
+            <a:off x="409710" y="635715"/>
+            <a:ext cx="11142208" cy="2482136"/>
+            <a:chOff x="409710" y="635715"/>
+            <a:chExt cx="11142208" cy="2482136"/>
+          </a:xfrm>
+        </p:grpSpPr>
+        <p:sp>
+          <p:nvSpPr>
+            <p:cNvPr id="31" name="Freeform 44">
+              <a:extLst>
+                <a:ext uri="{FF2B5EF4-FFF2-40B4-BE49-F238E27FC236}">
+                  <a16:creationId xmlns:a16="http://schemas.microsoft.com/office/drawing/2014/main" id="{E4A9080E-7BA6-45FC-8677-8B9D5F4DAFE0}"/>
+                </a:ext>
+                <a:ext uri="{C183D7F6-B498-43B3-948B-1728B52AA6E4}">
+                  <adec:decorative xmlns:adec="http://schemas.microsoft.com/office/drawing/2017/decorative" val="1"/>
+                </a:ext>
+              </a:extLst>
+            </p:cNvPr>
+            <p:cNvSpPr>
+              <a:spLocks/>
+            </p:cNvSpPr>
+            <p:nvPr>
+              <p:extLst>
+                <p:ext uri="{386F3935-93C4-4BCD-93E2-E3B085C9AB24}">
+                  <p16:designElem xmlns:p16="http://schemas.microsoft.com/office/powerpoint/2015/main" val="1"/>
+                </p:ext>
+              </p:extLst>
+            </p:nvPr>
+          </p:nvSpPr>
+          <p:spPr bwMode="auto">
+            <a:xfrm>
+              <a:off x="11223203" y="635716"/>
+              <a:ext cx="328612" cy="1742360"/>
+            </a:xfrm>
+            <a:custGeom>
+              <a:avLst/>
+              <a:gdLst>
+                <a:gd name="T0" fmla="*/ 207 w 207"/>
+                <a:gd name="T1" fmla="*/ 987 h 1114"/>
+                <a:gd name="T2" fmla="*/ 0 w 207"/>
+                <a:gd name="T3" fmla="*/ 1114 h 1114"/>
+                <a:gd name="T4" fmla="*/ 0 w 207"/>
+                <a:gd name="T5" fmla="*/ 127 h 1114"/>
+                <a:gd name="T6" fmla="*/ 207 w 207"/>
+                <a:gd name="T7" fmla="*/ 0 h 1114"/>
+                <a:gd name="T8" fmla="*/ 207 w 207"/>
+                <a:gd name="T9" fmla="*/ 987 h 1114"/>
+              </a:gdLst>
+              <a:ahLst/>
+              <a:cxnLst>
+                <a:cxn ang="0">
+                  <a:pos x="T0" y="T1"/>
+                </a:cxn>
+                <a:cxn ang="0">
+                  <a:pos x="T2" y="T3"/>
+                </a:cxn>
+                <a:cxn ang="0">
+                  <a:pos x="T4" y="T5"/>
+                </a:cxn>
+                <a:cxn ang="0">
+                  <a:pos x="T6" y="T7"/>
+                </a:cxn>
+                <a:cxn ang="0">
+                  <a:pos x="T8" y="T9"/>
+                </a:cxn>
+              </a:cxnLst>
+              <a:rect l="0" t="0" r="r" b="b"/>
+              <a:pathLst>
+                <a:path w="207" h="1114">
+                  <a:moveTo>
+                    <a:pt x="207" y="987"/>
+                  </a:moveTo>
+                  <a:lnTo>
+                    <a:pt x="0" y="1114"/>
+                  </a:lnTo>
+                  <a:lnTo>
+                    <a:pt x="0" y="127"/>
+                  </a:lnTo>
+                  <a:lnTo>
+                    <a:pt x="207" y="0"/>
+                  </a:lnTo>
+                  <a:lnTo>
+                    <a:pt x="207" y="987"/>
+                  </a:lnTo>
+                  <a:close/>
+                </a:path>
+              </a:pathLst>
+            </a:custGeom>
+            <a:solidFill>
+              <a:schemeClr val="accent1">
+                <a:lumMod val="50000"/>
+              </a:schemeClr>
+            </a:solidFill>
+            <a:ln>
+              <a:noFill/>
+            </a:ln>
+          </p:spPr>
+          <p:txBody>
+            <a:bodyPr vert="horz" wrap="square" lIns="91440" tIns="45720" rIns="91440" bIns="45720" numCol="1" anchor="t" anchorCtr="0" compatLnSpc="1">
+              <a:prstTxWarp prst="textNoShape">
+                <a:avLst/>
+              </a:prstTxWarp>
+            </a:bodyPr>
+            <a:lstStyle/>
+            <a:p>
+              <a:endParaRPr lang="en-US"/>
+            </a:p>
+          </p:txBody>
+        </p:sp>
+        <p:sp>
+          <p:nvSpPr>
+            <p:cNvPr id="32" name="Freeform 45">
+              <a:extLst>
+                <a:ext uri="{FF2B5EF4-FFF2-40B4-BE49-F238E27FC236}">
+                  <a16:creationId xmlns:a16="http://schemas.microsoft.com/office/drawing/2014/main" id="{2163D516-75D4-4DE0-AC27-63719125AE52}"/>
+                </a:ext>
+                <a:ext uri="{C183D7F6-B498-43B3-948B-1728B52AA6E4}">
+                  <adec:decorative xmlns:adec="http://schemas.microsoft.com/office/drawing/2017/decorative" val="1"/>
+                </a:ext>
+              </a:extLst>
+            </p:cNvPr>
+            <p:cNvSpPr>
+              <a:spLocks/>
+            </p:cNvSpPr>
+            <p:nvPr>
+              <p:extLst>
+                <p:ext uri="{386F3935-93C4-4BCD-93E2-E3B085C9AB24}">
+                  <p16:designElem xmlns:p16="http://schemas.microsoft.com/office/powerpoint/2015/main" val="1"/>
+                </p:ext>
+              </p:extLst>
+            </p:nvPr>
+          </p:nvSpPr>
+          <p:spPr bwMode="auto">
+            <a:xfrm>
+              <a:off x="409710" y="1022350"/>
+              <a:ext cx="709612" cy="2095501"/>
+            </a:xfrm>
+            <a:custGeom>
+              <a:avLst/>
+              <a:gdLst>
+                <a:gd name="T0" fmla="*/ 447 w 447"/>
+                <a:gd name="T1" fmla="*/ 1363 h 1363"/>
+                <a:gd name="T2" fmla="*/ 0 w 447"/>
+                <a:gd name="T3" fmla="*/ 987 h 1363"/>
+                <a:gd name="T4" fmla="*/ 0 w 447"/>
+                <a:gd name="T5" fmla="*/ 0 h 1363"/>
+                <a:gd name="T6" fmla="*/ 447 w 447"/>
+                <a:gd name="T7" fmla="*/ 376 h 1363"/>
+                <a:gd name="T8" fmla="*/ 447 w 447"/>
+                <a:gd name="T9" fmla="*/ 1363 h 1363"/>
+              </a:gdLst>
+              <a:ahLst/>
+              <a:cxnLst>
+                <a:cxn ang="0">
+                  <a:pos x="T0" y="T1"/>
+                </a:cxn>
+                <a:cxn ang="0">
+                  <a:pos x="T2" y="T3"/>
+                </a:cxn>
+                <a:cxn ang="0">
+                  <a:pos x="T4" y="T5"/>
+                </a:cxn>
+                <a:cxn ang="0">
+                  <a:pos x="T6" y="T7"/>
+                </a:cxn>
+                <a:cxn ang="0">
+                  <a:pos x="T8" y="T9"/>
+                </a:cxn>
+              </a:cxnLst>
+              <a:rect l="0" t="0" r="r" b="b"/>
+              <a:pathLst>
+                <a:path w="447" h="1363">
+                  <a:moveTo>
+                    <a:pt x="447" y="1363"/>
+                  </a:moveTo>
+                  <a:lnTo>
+                    <a:pt x="0" y="987"/>
+                  </a:lnTo>
+                  <a:lnTo>
+                    <a:pt x="0" y="0"/>
+                  </a:lnTo>
+                  <a:lnTo>
+                    <a:pt x="447" y="376"/>
+                  </a:lnTo>
+                  <a:lnTo>
+                    <a:pt x="447" y="1363"/>
+                  </a:lnTo>
+                  <a:close/>
+                </a:path>
+              </a:pathLst>
+            </a:custGeom>
+            <a:solidFill>
+              <a:schemeClr val="accent1">
+                <a:lumMod val="50000"/>
+              </a:schemeClr>
+            </a:solidFill>
+            <a:ln>
+              <a:noFill/>
+            </a:ln>
+          </p:spPr>
+          <p:txBody>
+            <a:bodyPr vert="horz" wrap="square" lIns="91440" tIns="45720" rIns="91440" bIns="45720" numCol="1" anchor="t" anchorCtr="0" compatLnSpc="1">
+              <a:prstTxWarp prst="textNoShape">
+                <a:avLst/>
+              </a:prstTxWarp>
+            </a:bodyPr>
+            <a:lstStyle/>
+            <a:p>
+              <a:endParaRPr lang="en-US"/>
+            </a:p>
+          </p:txBody>
+        </p:sp>
+        <p:sp>
+          <p:nvSpPr>
+            <p:cNvPr id="33" name="Freeform 46">
+              <a:extLst>
+                <a:ext uri="{FF2B5EF4-FFF2-40B4-BE49-F238E27FC236}">
+                  <a16:creationId xmlns:a16="http://schemas.microsoft.com/office/drawing/2014/main" id="{E74A26A5-C23A-46D4-B0FF-155FB3834621}"/>
+                </a:ext>
+                <a:ext uri="{C183D7F6-B498-43B3-948B-1728B52AA6E4}">
+                  <adec:decorative xmlns:adec="http://schemas.microsoft.com/office/drawing/2017/decorative" val="1"/>
+                </a:ext>
+              </a:extLst>
+            </p:cNvPr>
+            <p:cNvSpPr>
+              <a:spLocks/>
+            </p:cNvSpPr>
+            <p:nvPr>
+              <p:extLst>
+                <p:ext uri="{386F3935-93C4-4BCD-93E2-E3B085C9AB24}">
+                  <p16:designElem xmlns:p16="http://schemas.microsoft.com/office/powerpoint/2015/main" val="1"/>
+                </p:ext>
+              </p:extLst>
+            </p:nvPr>
+          </p:nvSpPr>
+          <p:spPr bwMode="auto">
+            <a:xfrm>
+              <a:off x="409710" y="837744"/>
+              <a:ext cx="403225" cy="1705431"/>
+            </a:xfrm>
+            <a:custGeom>
+              <a:avLst/>
+              <a:gdLst>
+                <a:gd name="T0" fmla="*/ 254 w 254"/>
+                <a:gd name="T1" fmla="*/ 987 h 1109"/>
+                <a:gd name="T2" fmla="*/ 0 w 254"/>
+                <a:gd name="T3" fmla="*/ 1109 h 1109"/>
+                <a:gd name="T4" fmla="*/ 0 w 254"/>
+                <a:gd name="T5" fmla="*/ 119 h 1109"/>
+                <a:gd name="T6" fmla="*/ 254 w 254"/>
+                <a:gd name="T7" fmla="*/ 0 h 1109"/>
+                <a:gd name="T8" fmla="*/ 254 w 254"/>
+                <a:gd name="T9" fmla="*/ 987 h 1109"/>
+              </a:gdLst>
+              <a:ahLst/>
+              <a:cxnLst>
+                <a:cxn ang="0">
+                  <a:pos x="T0" y="T1"/>
+                </a:cxn>
+                <a:cxn ang="0">
+                  <a:pos x="T2" y="T3"/>
+                </a:cxn>
+                <a:cxn ang="0">
+                  <a:pos x="T4" y="T5"/>
+                </a:cxn>
+                <a:cxn ang="0">
+                  <a:pos x="T6" y="T7"/>
+                </a:cxn>
+                <a:cxn ang="0">
+                  <a:pos x="T8" y="T9"/>
+                </a:cxn>
+              </a:cxnLst>
+              <a:rect l="0" t="0" r="r" b="b"/>
+              <a:pathLst>
+                <a:path w="254" h="1109">
+                  <a:moveTo>
+                    <a:pt x="254" y="987"/>
+                  </a:moveTo>
+                  <a:lnTo>
+                    <a:pt x="0" y="1109"/>
+                  </a:lnTo>
+                  <a:lnTo>
+                    <a:pt x="0" y="119"/>
+                  </a:lnTo>
+                  <a:lnTo>
+                    <a:pt x="254" y="0"/>
+                  </a:lnTo>
+                  <a:lnTo>
+                    <a:pt x="254" y="987"/>
+                  </a:lnTo>
+                  <a:close/>
+                </a:path>
+              </a:pathLst>
+            </a:custGeom>
+            <a:solidFill>
+              <a:schemeClr val="accent1">
+                <a:lumMod val="75000"/>
+              </a:schemeClr>
+            </a:solidFill>
+            <a:ln>
+              <a:noFill/>
+            </a:ln>
+          </p:spPr>
+          <p:txBody>
+            <a:bodyPr vert="horz" wrap="square" lIns="91440" tIns="45720" rIns="91440" bIns="45720" numCol="1" anchor="t" anchorCtr="0" compatLnSpc="1">
+              <a:prstTxWarp prst="textNoShape">
+                <a:avLst/>
+              </a:prstTxWarp>
+            </a:bodyPr>
+            <a:lstStyle/>
+            <a:p>
+              <a:endParaRPr lang="en-US"/>
+            </a:p>
+          </p:txBody>
+        </p:sp>
+        <p:sp>
+          <p:nvSpPr>
+            <p:cNvPr id="34" name="Freeform 47">
+              <a:extLst>
+                <a:ext uri="{FF2B5EF4-FFF2-40B4-BE49-F238E27FC236}">
+                  <a16:creationId xmlns:a16="http://schemas.microsoft.com/office/drawing/2014/main" id="{08E0243F-1062-43C6-AD04-130DFF66840E}"/>
+                </a:ext>
+                <a:ext uri="{C183D7F6-B498-43B3-948B-1728B52AA6E4}">
+                  <adec:decorative xmlns:adec="http://schemas.microsoft.com/office/drawing/2017/decorative" val="1"/>
+                </a:ext>
+              </a:extLst>
+            </p:cNvPr>
+            <p:cNvSpPr>
+              <a:spLocks/>
+            </p:cNvSpPr>
+            <p:nvPr>
+              <p:extLst>
+                <p:ext uri="{386F3935-93C4-4BCD-93E2-E3B085C9AB24}">
+                  <p16:designElem xmlns:p16="http://schemas.microsoft.com/office/powerpoint/2015/main" val="1"/>
+                </p:ext>
+              </p:extLst>
+            </p:nvPr>
+          </p:nvSpPr>
+          <p:spPr bwMode="auto">
+            <a:xfrm>
+              <a:off x="644660" y="640894"/>
+              <a:ext cx="168275" cy="1713195"/>
+            </a:xfrm>
+            <a:custGeom>
+              <a:avLst/>
+              <a:gdLst>
+                <a:gd name="T0" fmla="*/ 106 w 106"/>
+                <a:gd name="T1" fmla="*/ 1114 h 1114"/>
+                <a:gd name="T2" fmla="*/ 0 w 106"/>
+                <a:gd name="T3" fmla="*/ 1005 h 1114"/>
+                <a:gd name="T4" fmla="*/ 0 w 106"/>
+                <a:gd name="T5" fmla="*/ 0 h 1114"/>
+                <a:gd name="T6" fmla="*/ 106 w 106"/>
+                <a:gd name="T7" fmla="*/ 110 h 1114"/>
+                <a:gd name="T8" fmla="*/ 106 w 106"/>
+                <a:gd name="T9" fmla="*/ 1114 h 1114"/>
+              </a:gdLst>
+              <a:ahLst/>
+              <a:cxnLst>
+                <a:cxn ang="0">
+                  <a:pos x="T0" y="T1"/>
+                </a:cxn>
+                <a:cxn ang="0">
+                  <a:pos x="T2" y="T3"/>
+                </a:cxn>
+                <a:cxn ang="0">
+                  <a:pos x="T4" y="T5"/>
+                </a:cxn>
+                <a:cxn ang="0">
+                  <a:pos x="T6" y="T7"/>
+                </a:cxn>
+                <a:cxn ang="0">
+                  <a:pos x="T8" y="T9"/>
+                </a:cxn>
+              </a:cxnLst>
+              <a:rect l="0" t="0" r="r" b="b"/>
+              <a:pathLst>
+                <a:path w="106" h="1114">
+                  <a:moveTo>
+                    <a:pt x="106" y="1114"/>
+                  </a:moveTo>
+                  <a:lnTo>
+                    <a:pt x="0" y="1005"/>
+                  </a:lnTo>
+                  <a:lnTo>
+                    <a:pt x="0" y="0"/>
+                  </a:lnTo>
+                  <a:lnTo>
+                    <a:pt x="106" y="110"/>
+                  </a:lnTo>
+                  <a:lnTo>
+                    <a:pt x="106" y="1114"/>
+                  </a:lnTo>
+                  <a:close/>
+                </a:path>
+              </a:pathLst>
+            </a:custGeom>
+            <a:solidFill>
+              <a:schemeClr val="accent1">
+                <a:lumMod val="50000"/>
+              </a:schemeClr>
+            </a:solidFill>
+            <a:ln>
+              <a:noFill/>
+            </a:ln>
+          </p:spPr>
+          <p:txBody>
+            <a:bodyPr vert="horz" wrap="square" lIns="91440" tIns="45720" rIns="91440" bIns="45720" numCol="1" anchor="t" anchorCtr="0" compatLnSpc="1">
+              <a:prstTxWarp prst="textNoShape">
+                <a:avLst/>
+              </a:prstTxWarp>
+            </a:bodyPr>
+            <a:lstStyle/>
+            <a:p>
+              <a:endParaRPr lang="en-US"/>
+            </a:p>
+          </p:txBody>
+        </p:sp>
+        <p:sp>
+          <p:nvSpPr>
+            <p:cNvPr id="35" name="Rectangle 34">
+              <a:extLst>
+                <a:ext uri="{FF2B5EF4-FFF2-40B4-BE49-F238E27FC236}">
+                  <a16:creationId xmlns:a16="http://schemas.microsoft.com/office/drawing/2014/main" id="{94C5517B-1B0F-47AA-93A5-36718996986F}"/>
+                </a:ext>
+                <a:ext uri="{C183D7F6-B498-43B3-948B-1728B52AA6E4}">
+                  <adec:decorative xmlns:adec="http://schemas.microsoft.com/office/drawing/2017/decorative" val="1"/>
+                </a:ext>
+              </a:extLst>
+            </p:cNvPr>
+            <p:cNvSpPr>
+              <a:spLocks noChangeArrowheads="1"/>
+            </p:cNvSpPr>
+            <p:nvPr>
+              <p:extLst>
+                <p:ext uri="{386F3935-93C4-4BCD-93E2-E3B085C9AB24}">
+                  <p16:designElem xmlns:p16="http://schemas.microsoft.com/office/powerpoint/2015/main" val="1"/>
+                </p:ext>
+              </p:extLst>
+            </p:nvPr>
+          </p:nvSpPr>
+          <p:spPr bwMode="auto">
+            <a:xfrm>
+              <a:off x="644055" y="635715"/>
+              <a:ext cx="10907863" cy="1541457"/>
+            </a:xfrm>
+            <a:prstGeom prst="rect">
+              <a:avLst/>
+            </a:prstGeom>
+            <a:solidFill>
+              <a:schemeClr val="accent1"/>
+            </a:solidFill>
+            <a:ln>
+              <a:noFill/>
+            </a:ln>
+          </p:spPr>
+          <p:txBody>
+            <a:bodyPr vert="horz" wrap="square" lIns="91440" tIns="45720" rIns="91440" bIns="45720" numCol="1" anchor="t" anchorCtr="0" compatLnSpc="1">
+              <a:prstTxWarp prst="textNoShape">
+                <a:avLst/>
+              </a:prstTxWarp>
+            </a:bodyPr>
+            <a:lstStyle/>
+            <a:p>
+              <a:endParaRPr lang="en-US"/>
+            </a:p>
+          </p:txBody>
+        </p:sp>
+      </p:grpSp>
+      <p:sp>
+        <p:nvSpPr>
+          <p:cNvPr id="2" name="Title 1">
+            <a:extLst>
+              <a:ext uri="{FF2B5EF4-FFF2-40B4-BE49-F238E27FC236}">
+                <a16:creationId xmlns:a16="http://schemas.microsoft.com/office/drawing/2014/main" id="{3032736B-ECF9-4859-83C3-B3F243B34DE4}"/>
+              </a:ext>
+            </a:extLst>
+          </p:cNvPr>
+          <p:cNvSpPr>
+            <a:spLocks noGrp="1"/>
+          </p:cNvSpPr>
+          <p:nvPr>
+            <p:ph type="title"/>
+          </p:nvPr>
+        </p:nvSpPr>
+        <p:spPr>
+          <a:xfrm>
+            <a:off x="1047280" y="759805"/>
+            <a:ext cx="10306520" cy="1325563"/>
+          </a:xfrm>
+        </p:spPr>
+        <p:txBody>
+          <a:bodyPr>
+            <a:normAutofit/>
+          </a:bodyPr>
+          <a:lstStyle/>
+          <a:p>
+            <a:r>
+              <a:rPr lang="en-US" sz="4000" dirty="0">
+                <a:solidFill>
+                  <a:srgbClr val="FFFFFF"/>
+                </a:solidFill>
+              </a:rPr>
+              <a:t>The 4 C’s- Carat Weight</a:t>
+            </a:r>
+          </a:p>
+        </p:txBody>
+      </p:sp>
+      <p:sp>
+        <p:nvSpPr>
+          <p:cNvPr id="19" name="Content Placeholder 2">
+            <a:extLst>
+              <a:ext uri="{FF2B5EF4-FFF2-40B4-BE49-F238E27FC236}">
+                <a16:creationId xmlns:a16="http://schemas.microsoft.com/office/drawing/2014/main" id="{29D99615-AD7E-4DEC-88EA-FED943F23F9B}"/>
+              </a:ext>
+            </a:extLst>
+          </p:cNvPr>
+          <p:cNvSpPr>
+            <a:spLocks noGrp="1"/>
+          </p:cNvSpPr>
+          <p:nvPr>
+            <p:ph idx="1"/>
+          </p:nvPr>
+        </p:nvSpPr>
+        <p:spPr>
+          <a:xfrm>
+            <a:off x="1205218" y="2177172"/>
+            <a:ext cx="9932089" cy="603430"/>
+          </a:xfrm>
+        </p:spPr>
+        <p:txBody>
+          <a:bodyPr anchor="ctr">
+            <a:normAutofit/>
+          </a:bodyPr>
+          <a:lstStyle/>
+          <a:p>
+            <a:pPr marL="0" marR="0" indent="0" algn="ctr">
+              <a:spcBef>
+                <a:spcPts val="0"/>
+              </a:spcBef>
+              <a:spcAft>
+                <a:spcPts val="800"/>
+              </a:spcAft>
+              <a:buNone/>
+            </a:pPr>
+            <a:r>
+              <a:rPr lang="en-US" sz="1800" dirty="0">
+                <a:latin typeface="Calibri" panose="020F0502020204030204" pitchFamily="34" charset="0"/>
+                <a:ea typeface="Times New Roman" panose="02020603050405020304" pitchFamily="18" charset="0"/>
+                <a:cs typeface="Times New Roman" panose="02020603050405020304" pitchFamily="18" charset="0"/>
+              </a:rPr>
+              <a:t>C</a:t>
+            </a:r>
+            <a:r>
+              <a:rPr lang="en-US" sz="1800" dirty="0">
+                <a:effectLst/>
+                <a:latin typeface="Calibri" panose="020F0502020204030204" pitchFamily="34" charset="0"/>
+                <a:ea typeface="Times New Roman" panose="02020603050405020304" pitchFamily="18" charset="0"/>
+                <a:cs typeface="Times New Roman" panose="02020603050405020304" pitchFamily="18" charset="0"/>
+              </a:rPr>
+              <a:t>arat weight refers to a diamond’s total weight; not size. </a:t>
+            </a:r>
+            <a:endParaRPr lang="en-US" sz="2000" dirty="0"/>
+          </a:p>
+        </p:txBody>
+      </p:sp>
+      <p:pic>
+        <p:nvPicPr>
+          <p:cNvPr id="20" name="Picture 19">
+            <a:extLst>
+              <a:ext uri="{FF2B5EF4-FFF2-40B4-BE49-F238E27FC236}">
+                <a16:creationId xmlns:a16="http://schemas.microsoft.com/office/drawing/2014/main" id="{51838A9F-7855-4A87-B77A-0880321873ED}"/>
+              </a:ext>
+            </a:extLst>
+          </p:cNvPr>
+          <p:cNvPicPr>
+            <a:picLocks noChangeAspect="1"/>
+          </p:cNvPicPr>
+          <p:nvPr/>
+        </p:nvPicPr>
+        <p:blipFill>
+          <a:blip r:embed="rId2"/>
+          <a:stretch>
+            <a:fillRect/>
+          </a:stretch>
+        </p:blipFill>
+        <p:spPr>
+          <a:xfrm>
+            <a:off x="1907985" y="2818586"/>
+            <a:ext cx="8186212" cy="2898724"/>
+          </a:xfrm>
+          <a:prstGeom prst="rect">
+            <a:avLst/>
+          </a:prstGeom>
+        </p:spPr>
+      </p:pic>
+    </p:spTree>
+    <p:extLst>
+      <p:ext uri="{BB962C8B-B14F-4D97-AF65-F5344CB8AC3E}">
+        <p14:creationId xmlns:p14="http://schemas.microsoft.com/office/powerpoint/2010/main" val="922606730"/>
+      </p:ext>
+    </p:extLst>
+  </p:cSld>
+  <p:clrMapOvr>
+    <a:masterClrMapping/>
+  </p:clrMapOvr>
+</p:sld>
+</file>
+
+<file path=ppt/slides/slide7.xml><?xml version="1.0" encoding="utf-8"?>
 <p:sld xmlns:a="http://schemas.openxmlformats.org/drawingml/2006/main" xmlns:r="http://schemas.openxmlformats.org/officeDocument/2006/relationships" xmlns:p="http://schemas.openxmlformats.org/presentationml/2006/main">
   <p:cSld>
     <p:bg>
@@ -5620,657 +9088,17 @@
                   <a:srgbClr val="FFFFFF"/>
                 </a:solidFill>
               </a:rPr>
-              <a:t>Thank you!</a:t>
+              <a:t>Tableau</a:t>
             </a:r>
-          </a:p>
-        </p:txBody>
-      </p:sp>
-      <p:pic>
-        <p:nvPicPr>
-          <p:cNvPr id="10" name="Picture 9" descr="Diagram&#10;&#10;Description automatically generated">
-            <a:extLst>
-              <a:ext uri="{FF2B5EF4-FFF2-40B4-BE49-F238E27FC236}">
-                <a16:creationId xmlns:a16="http://schemas.microsoft.com/office/drawing/2014/main" id="{1532687E-AABC-4B05-822F-54C7D0F2BE45}"/>
-              </a:ext>
-            </a:extLst>
-          </p:cNvPr>
-          <p:cNvPicPr>
-            <a:picLocks noChangeAspect="1"/>
-          </p:cNvPicPr>
-          <p:nvPr/>
-        </p:nvPicPr>
-        <p:blipFill>
-          <a:blip r:embed="rId2">
-            <a:extLst>
-              <a:ext uri="{28A0092B-C50C-407E-A947-70E740481C1C}">
-                <a14:useLocalDpi xmlns:a14="http://schemas.microsoft.com/office/drawing/2010/main" val="0"/>
-              </a:ext>
-            </a:extLst>
-          </a:blip>
-          <a:stretch>
-            <a:fillRect/>
-          </a:stretch>
-        </p:blipFill>
-        <p:spPr>
-          <a:xfrm>
-            <a:off x="4054168" y="2354089"/>
-            <a:ext cx="4080616" cy="4080616"/>
-          </a:xfrm>
-          <a:prstGeom prst="rect">
-            <a:avLst/>
-          </a:prstGeom>
-        </p:spPr>
-      </p:pic>
-    </p:spTree>
-    <p:extLst>
-      <p:ext uri="{BB962C8B-B14F-4D97-AF65-F5344CB8AC3E}">
-        <p14:creationId xmlns:p14="http://schemas.microsoft.com/office/powerpoint/2010/main" val="2835168592"/>
-      </p:ext>
-    </p:extLst>
-  </p:cSld>
-  <p:clrMapOvr>
-    <a:masterClrMapping/>
-  </p:clrMapOvr>
-</p:sld>
-</file>
-
-<file path=ppt/slides/slide2.xml><?xml version="1.0" encoding="utf-8"?>
-<p:sld xmlns:a="http://schemas.openxmlformats.org/drawingml/2006/main" xmlns:r="http://schemas.openxmlformats.org/officeDocument/2006/relationships" xmlns:p="http://schemas.openxmlformats.org/presentationml/2006/main">
-  <p:cSld>
-    <p:bg>
-      <p:bgPr>
-        <a:solidFill>
-          <a:schemeClr val="bg1"/>
-        </a:solidFill>
-        <a:effectLst/>
-      </p:bgPr>
-    </p:bg>
-    <p:spTree>
-      <p:nvGrpSpPr>
-        <p:cNvPr id="1" name=""/>
-        <p:cNvGrpSpPr/>
-        <p:nvPr/>
-      </p:nvGrpSpPr>
-      <p:grpSpPr>
-        <a:xfrm>
-          <a:off x="0" y="0"/>
-          <a:ext cx="0" cy="0"/>
-          <a:chOff x="0" y="0"/>
-          <a:chExt cx="0" cy="0"/>
-        </a:xfrm>
-      </p:grpSpPr>
-      <p:sp useBgFill="1">
-        <p:nvSpPr>
-          <p:cNvPr id="15" name="Rectangle 14">
-            <a:extLst>
-              <a:ext uri="{FF2B5EF4-FFF2-40B4-BE49-F238E27FC236}">
-                <a16:creationId xmlns:a16="http://schemas.microsoft.com/office/drawing/2014/main" id="{827B839B-9ADE-406B-8590-F1CAEDED45A1}"/>
-              </a:ext>
-              <a:ext uri="{C183D7F6-B498-43B3-948B-1728B52AA6E4}">
-                <adec:decorative xmlns:adec="http://schemas.microsoft.com/office/drawing/2017/decorative" val="1"/>
-              </a:ext>
-            </a:extLst>
-          </p:cNvPr>
-          <p:cNvSpPr>
-            <a:spLocks noGrp="1" noRot="1" noChangeAspect="1" noMove="1" noResize="1" noEditPoints="1" noAdjustHandles="1" noChangeArrowheads="1" noChangeShapeType="1" noTextEdit="1"/>
-          </p:cNvSpPr>
-          <p:nvPr>
-            <p:extLst>
-              <p:ext uri="{386F3935-93C4-4BCD-93E2-E3B085C9AB24}">
-                <p16:designElem xmlns:p16="http://schemas.microsoft.com/office/powerpoint/2015/main" val="1"/>
-              </p:ext>
-            </p:extLst>
-          </p:nvPr>
-        </p:nvSpPr>
-        <p:spPr>
-          <a:xfrm>
-            <a:off x="0" y="0"/>
-            <a:ext cx="12188952" cy="6858000"/>
-          </a:xfrm>
-          <a:prstGeom prst="rect">
-            <a:avLst/>
-          </a:prstGeom>
-          <a:ln>
-            <a:noFill/>
-          </a:ln>
-        </p:spPr>
-        <p:style>
-          <a:lnRef idx="2">
-            <a:schemeClr val="accent1">
-              <a:shade val="50000"/>
-            </a:schemeClr>
-          </a:lnRef>
-          <a:fillRef idx="1">
-            <a:schemeClr val="accent1"/>
-          </a:fillRef>
-          <a:effectRef idx="0">
-            <a:schemeClr val="accent1"/>
-          </a:effectRef>
-          <a:fontRef idx="minor">
-            <a:schemeClr val="lt1"/>
-          </a:fontRef>
-        </p:style>
-        <p:txBody>
-          <a:bodyPr rtlCol="0" anchor="ctr"/>
-          <a:lstStyle/>
-          <a:p>
-            <a:pPr algn="ctr"/>
-            <a:endParaRPr lang="en-US"/>
           </a:p>
         </p:txBody>
       </p:sp>
       <p:sp>
         <p:nvSpPr>
-          <p:cNvPr id="17" name="Freeform 45">
+          <p:cNvPr id="4" name="Content Placeholder 3">
             <a:extLst>
               <a:ext uri="{FF2B5EF4-FFF2-40B4-BE49-F238E27FC236}">
-                <a16:creationId xmlns:a16="http://schemas.microsoft.com/office/drawing/2014/main" id="{CFE45BF0-46DB-408C-B5F7-7B11716805D4}"/>
-              </a:ext>
-              <a:ext uri="{C183D7F6-B498-43B3-948B-1728B52AA6E4}">
-                <adec:decorative xmlns:adec="http://schemas.microsoft.com/office/drawing/2017/decorative" val="1"/>
-              </a:ext>
-            </a:extLst>
-          </p:cNvPr>
-          <p:cNvSpPr>
-            <a:spLocks noGrp="1" noRot="1" noChangeAspect="1" noMove="1" noResize="1" noEditPoints="1" noAdjustHandles="1" noChangeArrowheads="1" noChangeShapeType="1" noTextEdit="1"/>
-          </p:cNvSpPr>
-          <p:nvPr>
-            <p:extLst>
-              <p:ext uri="{386F3935-93C4-4BCD-93E2-E3B085C9AB24}">
-                <p16:designElem xmlns:p16="http://schemas.microsoft.com/office/powerpoint/2015/main" val="1"/>
-              </p:ext>
-            </p:extLst>
-          </p:nvPr>
-        </p:nvSpPr>
-        <p:spPr bwMode="auto">
-          <a:xfrm>
-            <a:off x="409710" y="1022350"/>
-            <a:ext cx="709612" cy="2095501"/>
-          </a:xfrm>
-          <a:custGeom>
-            <a:avLst/>
-            <a:gdLst>
-              <a:gd name="T0" fmla="*/ 447 w 447"/>
-              <a:gd name="T1" fmla="*/ 1363 h 1363"/>
-              <a:gd name="T2" fmla="*/ 0 w 447"/>
-              <a:gd name="T3" fmla="*/ 987 h 1363"/>
-              <a:gd name="T4" fmla="*/ 0 w 447"/>
-              <a:gd name="T5" fmla="*/ 0 h 1363"/>
-              <a:gd name="T6" fmla="*/ 447 w 447"/>
-              <a:gd name="T7" fmla="*/ 376 h 1363"/>
-              <a:gd name="T8" fmla="*/ 447 w 447"/>
-              <a:gd name="T9" fmla="*/ 1363 h 1363"/>
-            </a:gdLst>
-            <a:ahLst/>
-            <a:cxnLst>
-              <a:cxn ang="0">
-                <a:pos x="T0" y="T1"/>
-              </a:cxn>
-              <a:cxn ang="0">
-                <a:pos x="T2" y="T3"/>
-              </a:cxn>
-              <a:cxn ang="0">
-                <a:pos x="T4" y="T5"/>
-              </a:cxn>
-              <a:cxn ang="0">
-                <a:pos x="T6" y="T7"/>
-              </a:cxn>
-              <a:cxn ang="0">
-                <a:pos x="T8" y="T9"/>
-              </a:cxn>
-            </a:cxnLst>
-            <a:rect l="0" t="0" r="r" b="b"/>
-            <a:pathLst>
-              <a:path w="447" h="1363">
-                <a:moveTo>
-                  <a:pt x="447" y="1363"/>
-                </a:moveTo>
-                <a:lnTo>
-                  <a:pt x="0" y="987"/>
-                </a:lnTo>
-                <a:lnTo>
-                  <a:pt x="0" y="0"/>
-                </a:lnTo>
-                <a:lnTo>
-                  <a:pt x="447" y="376"/>
-                </a:lnTo>
-                <a:lnTo>
-                  <a:pt x="447" y="1363"/>
-                </a:lnTo>
-                <a:close/>
-              </a:path>
-            </a:pathLst>
-          </a:custGeom>
-          <a:solidFill>
-            <a:schemeClr val="accent1">
-              <a:lumMod val="50000"/>
-            </a:schemeClr>
-          </a:solidFill>
-          <a:ln>
-            <a:noFill/>
-          </a:ln>
-        </p:spPr>
-        <p:txBody>
-          <a:bodyPr vert="horz" wrap="square" lIns="91440" tIns="45720" rIns="91440" bIns="45720" numCol="1" anchor="t" anchorCtr="0" compatLnSpc="1">
-            <a:prstTxWarp prst="textNoShape">
-              <a:avLst/>
-            </a:prstTxWarp>
-          </a:bodyPr>
-          <a:lstStyle/>
-          <a:p>
-            <a:endParaRPr lang="en-US"/>
-          </a:p>
-        </p:txBody>
-      </p:sp>
-      <p:sp>
-        <p:nvSpPr>
-          <p:cNvPr id="19" name="Freeform 46">
-            <a:extLst>
-              <a:ext uri="{FF2B5EF4-FFF2-40B4-BE49-F238E27FC236}">
-                <a16:creationId xmlns:a16="http://schemas.microsoft.com/office/drawing/2014/main" id="{2AEBC8F2-97B1-41B4-93F1-2D289E197FBA}"/>
-              </a:ext>
-              <a:ext uri="{C183D7F6-B498-43B3-948B-1728B52AA6E4}">
-                <adec:decorative xmlns:adec="http://schemas.microsoft.com/office/drawing/2017/decorative" val="1"/>
-              </a:ext>
-            </a:extLst>
-          </p:cNvPr>
-          <p:cNvSpPr>
-            <a:spLocks noGrp="1" noRot="1" noChangeAspect="1" noMove="1" noResize="1" noEditPoints="1" noAdjustHandles="1" noChangeArrowheads="1" noChangeShapeType="1" noTextEdit="1"/>
-          </p:cNvSpPr>
-          <p:nvPr>
-            <p:extLst>
-              <p:ext uri="{386F3935-93C4-4BCD-93E2-E3B085C9AB24}">
-                <p16:designElem xmlns:p16="http://schemas.microsoft.com/office/powerpoint/2015/main" val="1"/>
-              </p:ext>
-            </p:extLst>
-          </p:nvPr>
-        </p:nvSpPr>
-        <p:spPr bwMode="auto">
-          <a:xfrm>
-            <a:off x="409710" y="837744"/>
-            <a:ext cx="403225" cy="1705431"/>
-          </a:xfrm>
-          <a:custGeom>
-            <a:avLst/>
-            <a:gdLst>
-              <a:gd name="T0" fmla="*/ 254 w 254"/>
-              <a:gd name="T1" fmla="*/ 987 h 1109"/>
-              <a:gd name="T2" fmla="*/ 0 w 254"/>
-              <a:gd name="T3" fmla="*/ 1109 h 1109"/>
-              <a:gd name="T4" fmla="*/ 0 w 254"/>
-              <a:gd name="T5" fmla="*/ 119 h 1109"/>
-              <a:gd name="T6" fmla="*/ 254 w 254"/>
-              <a:gd name="T7" fmla="*/ 0 h 1109"/>
-              <a:gd name="T8" fmla="*/ 254 w 254"/>
-              <a:gd name="T9" fmla="*/ 987 h 1109"/>
-            </a:gdLst>
-            <a:ahLst/>
-            <a:cxnLst>
-              <a:cxn ang="0">
-                <a:pos x="T0" y="T1"/>
-              </a:cxn>
-              <a:cxn ang="0">
-                <a:pos x="T2" y="T3"/>
-              </a:cxn>
-              <a:cxn ang="0">
-                <a:pos x="T4" y="T5"/>
-              </a:cxn>
-              <a:cxn ang="0">
-                <a:pos x="T6" y="T7"/>
-              </a:cxn>
-              <a:cxn ang="0">
-                <a:pos x="T8" y="T9"/>
-              </a:cxn>
-            </a:cxnLst>
-            <a:rect l="0" t="0" r="r" b="b"/>
-            <a:pathLst>
-              <a:path w="254" h="1109">
-                <a:moveTo>
-                  <a:pt x="254" y="987"/>
-                </a:moveTo>
-                <a:lnTo>
-                  <a:pt x="0" y="1109"/>
-                </a:lnTo>
-                <a:lnTo>
-                  <a:pt x="0" y="119"/>
-                </a:lnTo>
-                <a:lnTo>
-                  <a:pt x="254" y="0"/>
-                </a:lnTo>
-                <a:lnTo>
-                  <a:pt x="254" y="987"/>
-                </a:lnTo>
-                <a:close/>
-              </a:path>
-            </a:pathLst>
-          </a:custGeom>
-          <a:solidFill>
-            <a:schemeClr val="accent1">
-              <a:lumMod val="75000"/>
-            </a:schemeClr>
-          </a:solidFill>
-          <a:ln>
-            <a:noFill/>
-          </a:ln>
-        </p:spPr>
-        <p:txBody>
-          <a:bodyPr vert="horz" wrap="square" lIns="91440" tIns="45720" rIns="91440" bIns="45720" numCol="1" anchor="t" anchorCtr="0" compatLnSpc="1">
-            <a:prstTxWarp prst="textNoShape">
-              <a:avLst/>
-            </a:prstTxWarp>
-          </a:bodyPr>
-          <a:lstStyle/>
-          <a:p>
-            <a:endParaRPr lang="en-US"/>
-          </a:p>
-        </p:txBody>
-      </p:sp>
-      <p:sp>
-        <p:nvSpPr>
-          <p:cNvPr id="21" name="Freeform 47">
-            <a:extLst>
-              <a:ext uri="{FF2B5EF4-FFF2-40B4-BE49-F238E27FC236}">
-                <a16:creationId xmlns:a16="http://schemas.microsoft.com/office/drawing/2014/main" id="{472E3A19-F5D5-48FC-BB9C-48C2F68F598B}"/>
-              </a:ext>
-              <a:ext uri="{C183D7F6-B498-43B3-948B-1728B52AA6E4}">
-                <adec:decorative xmlns:adec="http://schemas.microsoft.com/office/drawing/2017/decorative" val="1"/>
-              </a:ext>
-            </a:extLst>
-          </p:cNvPr>
-          <p:cNvSpPr>
-            <a:spLocks noGrp="1" noRot="1" noChangeAspect="1" noMove="1" noResize="1" noEditPoints="1" noAdjustHandles="1" noChangeArrowheads="1" noChangeShapeType="1" noTextEdit="1"/>
-          </p:cNvSpPr>
-          <p:nvPr>
-            <p:extLst>
-              <p:ext uri="{386F3935-93C4-4BCD-93E2-E3B085C9AB24}">
-                <p16:designElem xmlns:p16="http://schemas.microsoft.com/office/powerpoint/2015/main" val="1"/>
-              </p:ext>
-            </p:extLst>
-          </p:nvPr>
-        </p:nvSpPr>
-        <p:spPr bwMode="auto">
-          <a:xfrm>
-            <a:off x="644660" y="640894"/>
-            <a:ext cx="168275" cy="1713195"/>
-          </a:xfrm>
-          <a:custGeom>
-            <a:avLst/>
-            <a:gdLst>
-              <a:gd name="T0" fmla="*/ 106 w 106"/>
-              <a:gd name="T1" fmla="*/ 1114 h 1114"/>
-              <a:gd name="T2" fmla="*/ 0 w 106"/>
-              <a:gd name="T3" fmla="*/ 1005 h 1114"/>
-              <a:gd name="T4" fmla="*/ 0 w 106"/>
-              <a:gd name="T5" fmla="*/ 0 h 1114"/>
-              <a:gd name="T6" fmla="*/ 106 w 106"/>
-              <a:gd name="T7" fmla="*/ 110 h 1114"/>
-              <a:gd name="T8" fmla="*/ 106 w 106"/>
-              <a:gd name="T9" fmla="*/ 1114 h 1114"/>
-            </a:gdLst>
-            <a:ahLst/>
-            <a:cxnLst>
-              <a:cxn ang="0">
-                <a:pos x="T0" y="T1"/>
-              </a:cxn>
-              <a:cxn ang="0">
-                <a:pos x="T2" y="T3"/>
-              </a:cxn>
-              <a:cxn ang="0">
-                <a:pos x="T4" y="T5"/>
-              </a:cxn>
-              <a:cxn ang="0">
-                <a:pos x="T6" y="T7"/>
-              </a:cxn>
-              <a:cxn ang="0">
-                <a:pos x="T8" y="T9"/>
-              </a:cxn>
-            </a:cxnLst>
-            <a:rect l="0" t="0" r="r" b="b"/>
-            <a:pathLst>
-              <a:path w="106" h="1114">
-                <a:moveTo>
-                  <a:pt x="106" y="1114"/>
-                </a:moveTo>
-                <a:lnTo>
-                  <a:pt x="0" y="1005"/>
-                </a:lnTo>
-                <a:lnTo>
-                  <a:pt x="0" y="0"/>
-                </a:lnTo>
-                <a:lnTo>
-                  <a:pt x="106" y="110"/>
-                </a:lnTo>
-                <a:lnTo>
-                  <a:pt x="106" y="1114"/>
-                </a:lnTo>
-                <a:close/>
-              </a:path>
-            </a:pathLst>
-          </a:custGeom>
-          <a:solidFill>
-            <a:schemeClr val="accent1">
-              <a:lumMod val="50000"/>
-            </a:schemeClr>
-          </a:solidFill>
-          <a:ln>
-            <a:noFill/>
-          </a:ln>
-        </p:spPr>
-        <p:txBody>
-          <a:bodyPr vert="horz" wrap="square" lIns="91440" tIns="45720" rIns="91440" bIns="45720" numCol="1" anchor="t" anchorCtr="0" compatLnSpc="1">
-            <a:prstTxWarp prst="textNoShape">
-              <a:avLst/>
-            </a:prstTxWarp>
-          </a:bodyPr>
-          <a:lstStyle/>
-          <a:p>
-            <a:endParaRPr lang="en-US"/>
-          </a:p>
-        </p:txBody>
-      </p:sp>
-      <p:sp>
-        <p:nvSpPr>
-          <p:cNvPr id="23" name="Freeform 44">
-            <a:extLst>
-              <a:ext uri="{FF2B5EF4-FFF2-40B4-BE49-F238E27FC236}">
-                <a16:creationId xmlns:a16="http://schemas.microsoft.com/office/drawing/2014/main" id="{7A62E32F-BB65-43A8-8EB5-92346890E549}"/>
-              </a:ext>
-              <a:ext uri="{C183D7F6-B498-43B3-948B-1728B52AA6E4}">
-                <adec:decorative xmlns:adec="http://schemas.microsoft.com/office/drawing/2017/decorative" val="1"/>
-              </a:ext>
-            </a:extLst>
-          </p:cNvPr>
-          <p:cNvSpPr>
-            <a:spLocks noGrp="1" noRot="1" noChangeAspect="1" noMove="1" noResize="1" noEditPoints="1" noAdjustHandles="1" noChangeArrowheads="1" noChangeShapeType="1" noTextEdit="1"/>
-          </p:cNvSpPr>
-          <p:nvPr>
-            <p:extLst>
-              <p:ext uri="{386F3935-93C4-4BCD-93E2-E3B085C9AB24}">
-                <p16:designElem xmlns:p16="http://schemas.microsoft.com/office/powerpoint/2015/main" val="1"/>
-              </p:ext>
-            </p:extLst>
-          </p:nvPr>
-        </p:nvSpPr>
-        <p:spPr bwMode="auto">
-          <a:xfrm>
-            <a:off x="11223203" y="635716"/>
-            <a:ext cx="328612" cy="1742360"/>
-          </a:xfrm>
-          <a:custGeom>
-            <a:avLst/>
-            <a:gdLst>
-              <a:gd name="T0" fmla="*/ 207 w 207"/>
-              <a:gd name="T1" fmla="*/ 987 h 1114"/>
-              <a:gd name="T2" fmla="*/ 0 w 207"/>
-              <a:gd name="T3" fmla="*/ 1114 h 1114"/>
-              <a:gd name="T4" fmla="*/ 0 w 207"/>
-              <a:gd name="T5" fmla="*/ 127 h 1114"/>
-              <a:gd name="T6" fmla="*/ 207 w 207"/>
-              <a:gd name="T7" fmla="*/ 0 h 1114"/>
-              <a:gd name="T8" fmla="*/ 207 w 207"/>
-              <a:gd name="T9" fmla="*/ 987 h 1114"/>
-            </a:gdLst>
-            <a:ahLst/>
-            <a:cxnLst>
-              <a:cxn ang="0">
-                <a:pos x="T0" y="T1"/>
-              </a:cxn>
-              <a:cxn ang="0">
-                <a:pos x="T2" y="T3"/>
-              </a:cxn>
-              <a:cxn ang="0">
-                <a:pos x="T4" y="T5"/>
-              </a:cxn>
-              <a:cxn ang="0">
-                <a:pos x="T6" y="T7"/>
-              </a:cxn>
-              <a:cxn ang="0">
-                <a:pos x="T8" y="T9"/>
-              </a:cxn>
-            </a:cxnLst>
-            <a:rect l="0" t="0" r="r" b="b"/>
-            <a:pathLst>
-              <a:path w="207" h="1114">
-                <a:moveTo>
-                  <a:pt x="207" y="987"/>
-                </a:moveTo>
-                <a:lnTo>
-                  <a:pt x="0" y="1114"/>
-                </a:lnTo>
-                <a:lnTo>
-                  <a:pt x="0" y="127"/>
-                </a:lnTo>
-                <a:lnTo>
-                  <a:pt x="207" y="0"/>
-                </a:lnTo>
-                <a:lnTo>
-                  <a:pt x="207" y="987"/>
-                </a:lnTo>
-                <a:close/>
-              </a:path>
-            </a:pathLst>
-          </a:custGeom>
-          <a:solidFill>
-            <a:schemeClr val="accent1">
-              <a:lumMod val="50000"/>
-            </a:schemeClr>
-          </a:solidFill>
-          <a:ln>
-            <a:noFill/>
-          </a:ln>
-        </p:spPr>
-        <p:txBody>
-          <a:bodyPr vert="horz" wrap="square" lIns="91440" tIns="45720" rIns="91440" bIns="45720" numCol="1" anchor="t" anchorCtr="0" compatLnSpc="1">
-            <a:prstTxWarp prst="textNoShape">
-              <a:avLst/>
-            </a:prstTxWarp>
-          </a:bodyPr>
-          <a:lstStyle/>
-          <a:p>
-            <a:endParaRPr lang="en-US"/>
-          </a:p>
-        </p:txBody>
-      </p:sp>
-      <p:sp>
-        <p:nvSpPr>
-          <p:cNvPr id="25" name="Rectangle 24">
-            <a:extLst>
-              <a:ext uri="{FF2B5EF4-FFF2-40B4-BE49-F238E27FC236}">
-                <a16:creationId xmlns:a16="http://schemas.microsoft.com/office/drawing/2014/main" id="{14E91B64-9FCC-451E-AFB4-A827D6329367}"/>
-              </a:ext>
-              <a:ext uri="{C183D7F6-B498-43B3-948B-1728B52AA6E4}">
-                <adec:decorative xmlns:adec="http://schemas.microsoft.com/office/drawing/2017/decorative" val="1"/>
-              </a:ext>
-            </a:extLst>
-          </p:cNvPr>
-          <p:cNvSpPr>
-            <a:spLocks noGrp="1" noRot="1" noChangeAspect="1" noMove="1" noResize="1" noEditPoints="1" noAdjustHandles="1" noChangeArrowheads="1" noChangeShapeType="1" noTextEdit="1"/>
-          </p:cNvSpPr>
-          <p:nvPr>
-            <p:extLst>
-              <p:ext uri="{386F3935-93C4-4BCD-93E2-E3B085C9AB24}">
-                <p16:designElem xmlns:p16="http://schemas.microsoft.com/office/powerpoint/2015/main" val="1"/>
-              </p:ext>
-            </p:extLst>
-          </p:nvPr>
-        </p:nvSpPr>
-        <p:spPr bwMode="auto">
-          <a:xfrm>
-            <a:off x="644055" y="635715"/>
-            <a:ext cx="10907863" cy="1541457"/>
-          </a:xfrm>
-          <a:prstGeom prst="rect">
-            <a:avLst/>
-          </a:prstGeom>
-          <a:solidFill>
-            <a:schemeClr val="accent1"/>
-          </a:solidFill>
-          <a:ln>
-            <a:noFill/>
-          </a:ln>
-        </p:spPr>
-        <p:txBody>
-          <a:bodyPr vert="horz" wrap="square" lIns="91440" tIns="45720" rIns="91440" bIns="45720" numCol="1" anchor="t" anchorCtr="0" compatLnSpc="1">
-            <a:prstTxWarp prst="textNoShape">
-              <a:avLst/>
-            </a:prstTxWarp>
-          </a:bodyPr>
-          <a:lstStyle/>
-          <a:p>
-            <a:endParaRPr lang="en-US"/>
-          </a:p>
-        </p:txBody>
-      </p:sp>
-      <p:sp>
-        <p:nvSpPr>
-          <p:cNvPr id="2" name="Title 1">
-            <a:extLst>
-              <a:ext uri="{FF2B5EF4-FFF2-40B4-BE49-F238E27FC236}">
-                <a16:creationId xmlns:a16="http://schemas.microsoft.com/office/drawing/2014/main" id="{3032736B-ECF9-4859-83C3-B3F243B34DE4}"/>
-              </a:ext>
-            </a:extLst>
-          </p:cNvPr>
-          <p:cNvSpPr>
-            <a:spLocks noGrp="1"/>
-          </p:cNvSpPr>
-          <p:nvPr>
-            <p:ph type="title"/>
-          </p:nvPr>
-        </p:nvSpPr>
-        <p:spPr>
-          <a:xfrm>
-            <a:off x="958506" y="800392"/>
-            <a:ext cx="10264697" cy="1212102"/>
-          </a:xfrm>
-        </p:spPr>
-        <p:txBody>
-          <a:bodyPr>
-            <a:normAutofit/>
-          </a:bodyPr>
-          <a:lstStyle/>
-          <a:p>
-            <a:r>
-              <a:rPr lang="en-US" sz="4000" dirty="0">
-                <a:solidFill>
-                  <a:srgbClr val="FFFFFF"/>
-                </a:solidFill>
-              </a:rPr>
-              <a:t>Introduction/About Our Data</a:t>
-            </a:r>
-            <a:endParaRPr lang="en-US" sz="4000">
-              <a:solidFill>
-                <a:srgbClr val="FFFFFF"/>
-              </a:solidFill>
-            </a:endParaRPr>
-          </a:p>
-        </p:txBody>
-      </p:sp>
-      <p:sp>
-        <p:nvSpPr>
-          <p:cNvPr id="3" name="Content Placeholder 2">
-            <a:extLst>
-              <a:ext uri="{FF2B5EF4-FFF2-40B4-BE49-F238E27FC236}">
-                <a16:creationId xmlns:a16="http://schemas.microsoft.com/office/drawing/2014/main" id="{C71C3679-37F0-4CFB-8584-0F0C2B2C72DE}"/>
+                <a16:creationId xmlns:a16="http://schemas.microsoft.com/office/drawing/2014/main" id="{3655B4DF-128C-4EF3-8136-9ACCB97BA2BC}"/>
               </a:ext>
             </a:extLst>
           </p:cNvPr>
@@ -6283,105 +9111,101 @@
         </p:nvSpPr>
         <p:spPr>
           <a:xfrm>
-            <a:off x="1367624" y="2490436"/>
-            <a:ext cx="9708995" cy="3567173"/>
+            <a:off x="1047280" y="2269973"/>
+            <a:ext cx="10306520" cy="2780199"/>
           </a:xfrm>
         </p:spPr>
         <p:txBody>
-          <a:bodyPr anchor="ctr">
-            <a:normAutofit/>
+          <a:bodyPr/>
+          <a:lstStyle/>
+          <a:p>
+            <a:r>
+              <a:rPr lang="en-US" dirty="0"/>
+              <a:t>4 dashboards to visualize all aspects of price utilizing the 4Cs and other measures:</a:t>
+            </a:r>
+          </a:p>
+          <a:p>
+            <a:pPr lvl="1"/>
+            <a:r>
+              <a:rPr lang="en-US" dirty="0"/>
+              <a:t>Number of times sold at a certain price point/Carat dependency on price.</a:t>
+            </a:r>
+          </a:p>
+          <a:p>
+            <a:pPr lvl="1"/>
+            <a:r>
+              <a:rPr lang="en-US" dirty="0"/>
+              <a:t>Average price dependency on the 4Cs trend.</a:t>
+            </a:r>
+          </a:p>
+          <a:p>
+            <a:pPr lvl="1"/>
+            <a:r>
+              <a:rPr lang="en-US" dirty="0"/>
+              <a:t>Price vs. Carat based on Cut.</a:t>
+            </a:r>
+          </a:p>
+          <a:p>
+            <a:pPr lvl="1"/>
+            <a:r>
+              <a:rPr lang="en-US" dirty="0"/>
+              <a:t>All other measures impact on pricing.</a:t>
+            </a:r>
+          </a:p>
+          <a:p>
+            <a:pPr lvl="1"/>
+            <a:endParaRPr lang="en-US" dirty="0"/>
+          </a:p>
+          <a:p>
+            <a:pPr lvl="1"/>
+            <a:endParaRPr lang="en-US" dirty="0"/>
+          </a:p>
+          <a:p>
+            <a:pPr lvl="1"/>
+            <a:endParaRPr lang="en-US" dirty="0"/>
+          </a:p>
+        </p:txBody>
+      </p:sp>
+      <p:sp>
+        <p:nvSpPr>
+          <p:cNvPr id="5" name="TextBox 4">
+            <a:extLst>
+              <a:ext uri="{FF2B5EF4-FFF2-40B4-BE49-F238E27FC236}">
+                <a16:creationId xmlns:a16="http://schemas.microsoft.com/office/drawing/2014/main" id="{6BCFE795-946C-4865-A7D9-291CC9D6EE34}"/>
+              </a:ext>
+            </a:extLst>
+          </p:cNvPr>
+          <p:cNvSpPr txBox="1"/>
+          <p:nvPr/>
+        </p:nvSpPr>
+        <p:spPr>
+          <a:xfrm>
+            <a:off x="2944536" y="5159229"/>
+            <a:ext cx="6526635" cy="461665"/>
+          </a:xfrm>
+          <a:prstGeom prst="rect">
+            <a:avLst/>
+          </a:prstGeom>
+          <a:noFill/>
+        </p:spPr>
+        <p:txBody>
+          <a:bodyPr wrap="square" rtlCol="0">
+            <a:spAutoFit/>
           </a:bodyPr>
           <a:lstStyle/>
           <a:p>
+            <a:pPr algn="ctr"/>
             <a:r>
-              <a:rPr lang="en-US" sz="2400">
-                <a:effectLst/>
-                <a:latin typeface="Calibri" panose="020F0502020204030204" pitchFamily="34" charset="0"/>
-                <a:ea typeface="Times New Roman" panose="02020603050405020304" pitchFamily="18" charset="0"/>
-                <a:cs typeface="Times New Roman" panose="02020603050405020304" pitchFamily="18" charset="0"/>
-              </a:rPr>
-              <a:t>Diamonds have been defined as a girl’s best friend</a:t>
+              <a:rPr lang="en-US" sz="2400" dirty="0"/>
+              <a:t>WEB APPLICATION DEMO</a:t>
             </a:r>
-            <a:r>
-              <a:rPr lang="en-US" sz="2400">
-                <a:latin typeface="Calibri" panose="020F0502020204030204" pitchFamily="34" charset="0"/>
-                <a:ea typeface="Times New Roman" panose="02020603050405020304" pitchFamily="18" charset="0"/>
-                <a:cs typeface="Times New Roman" panose="02020603050405020304" pitchFamily="18" charset="0"/>
-              </a:rPr>
-              <a:t> and have been a coveted possession for years.  How do you go about finding the right diamond at the right price?</a:t>
-            </a:r>
-            <a:endParaRPr lang="en-US" sz="2400">
-              <a:effectLst/>
-              <a:latin typeface="Calibri" panose="020F0502020204030204" pitchFamily="34" charset="0"/>
-              <a:ea typeface="Times New Roman" panose="02020603050405020304" pitchFamily="18" charset="0"/>
-              <a:cs typeface="Times New Roman" panose="02020603050405020304" pitchFamily="18" charset="0"/>
-            </a:endParaRPr>
-          </a:p>
-          <a:p>
-            <a:r>
-              <a:rPr lang="en-US" sz="2400">
-                <a:effectLst/>
-                <a:latin typeface="Calibri" panose="020F0502020204030204" pitchFamily="34" charset="0"/>
-                <a:ea typeface="Times New Roman" panose="02020603050405020304" pitchFamily="18" charset="0"/>
-                <a:cs typeface="Times New Roman" panose="02020603050405020304" pitchFamily="18" charset="0"/>
-              </a:rPr>
-              <a:t>Our team investigated pricing and the anatomy of a diamond to create a pricing predictor </a:t>
-            </a:r>
-            <a:r>
-              <a:rPr lang="en-US" sz="2400">
-                <a:latin typeface="Calibri" panose="020F0502020204030204" pitchFamily="34" charset="0"/>
-                <a:ea typeface="Times New Roman" panose="02020603050405020304" pitchFamily="18" charset="0"/>
-                <a:cs typeface="Times New Roman" panose="02020603050405020304" pitchFamily="18" charset="0"/>
-              </a:rPr>
-              <a:t>to </a:t>
-            </a:r>
-            <a:r>
-              <a:rPr lang="en-US" sz="2400">
-                <a:effectLst/>
-                <a:latin typeface="Calibri" panose="020F0502020204030204" pitchFamily="34" charset="0"/>
-                <a:ea typeface="Times New Roman" panose="02020603050405020304" pitchFamily="18" charset="0"/>
-                <a:cs typeface="Times New Roman" panose="02020603050405020304" pitchFamily="18" charset="0"/>
-              </a:rPr>
-              <a:t>help the user to buy the best choice for their budget and preference.  </a:t>
-            </a:r>
-          </a:p>
-          <a:p>
-            <a:r>
-              <a:rPr lang="en-US" sz="2400">
-                <a:effectLst/>
-                <a:latin typeface="Calibri" panose="020F0502020204030204" pitchFamily="34" charset="0"/>
-                <a:ea typeface="Times New Roman" panose="02020603050405020304" pitchFamily="18" charset="0"/>
-                <a:cs typeface="Times New Roman" panose="02020603050405020304" pitchFamily="18" charset="0"/>
-              </a:rPr>
-              <a:t>To choose the perfect diamond, you must follow and understand the 4C’s that determine the price of the diamond.</a:t>
-            </a:r>
-          </a:p>
-          <a:p>
-            <a:r>
-              <a:rPr lang="en-US" sz="2400">
-                <a:effectLst/>
-                <a:latin typeface="Calibri" panose="020F0502020204030204" pitchFamily="34" charset="0"/>
-                <a:ea typeface="Times New Roman" panose="02020603050405020304" pitchFamily="18" charset="0"/>
-                <a:cs typeface="Times New Roman" panose="02020603050405020304" pitchFamily="18" charset="0"/>
-              </a:rPr>
-              <a:t>The data was selected from Kaggle and was in a csv format.  </a:t>
-            </a:r>
-            <a:endParaRPr lang="en-US" sz="2400">
-              <a:effectLst/>
-              <a:latin typeface="Calibri" panose="020F0502020204030204" pitchFamily="34" charset="0"/>
-              <a:ea typeface="Calibri" panose="020F0502020204030204" pitchFamily="34" charset="0"/>
-              <a:cs typeface="Times New Roman" panose="02020603050405020304" pitchFamily="18" charset="0"/>
-            </a:endParaRPr>
-          </a:p>
-          <a:p>
-            <a:endParaRPr lang="en-US" sz="2400"/>
           </a:p>
         </p:txBody>
       </p:sp>
     </p:spTree>
     <p:extLst>
       <p:ext uri="{BB962C8B-B14F-4D97-AF65-F5344CB8AC3E}">
-        <p14:creationId xmlns:p14="http://schemas.microsoft.com/office/powerpoint/2010/main" val="3699882668"/>
+        <p14:creationId xmlns:p14="http://schemas.microsoft.com/office/powerpoint/2010/main" val="3599394888"/>
       </p:ext>
     </p:extLst>
   </p:cSld>
@@ -6391,2876 +9215,7 @@
 </p:sld>
 </file>
 
-<file path=ppt/slides/slide3.xml><?xml version="1.0" encoding="utf-8"?>
-<p:sld xmlns:a="http://schemas.openxmlformats.org/drawingml/2006/main" xmlns:r="http://schemas.openxmlformats.org/officeDocument/2006/relationships" xmlns:p="http://schemas.openxmlformats.org/presentationml/2006/main">
-  <p:cSld>
-    <p:bg>
-      <p:bgPr>
-        <a:solidFill>
-          <a:schemeClr val="bg1"/>
-        </a:solidFill>
-        <a:effectLst/>
-      </p:bgPr>
-    </p:bg>
-    <p:spTree>
-      <p:nvGrpSpPr>
-        <p:cNvPr id="1" name=""/>
-        <p:cNvGrpSpPr/>
-        <p:nvPr/>
-      </p:nvGrpSpPr>
-      <p:grpSpPr>
-        <a:xfrm>
-          <a:off x="0" y="0"/>
-          <a:ext cx="0" cy="0"/>
-          <a:chOff x="0" y="0"/>
-          <a:chExt cx="0" cy="0"/>
-        </a:xfrm>
-      </p:grpSpPr>
-      <p:sp useBgFill="1">
-        <p:nvSpPr>
-          <p:cNvPr id="20" name="Rectangle 19">
-            <a:extLst>
-              <a:ext uri="{FF2B5EF4-FFF2-40B4-BE49-F238E27FC236}">
-                <a16:creationId xmlns:a16="http://schemas.microsoft.com/office/drawing/2014/main" id="{DD38EE57-B708-47C9-A4A4-E25F09FAB029}"/>
-              </a:ext>
-              <a:ext uri="{C183D7F6-B498-43B3-948B-1728B52AA6E4}">
-                <adec:decorative xmlns:adec="http://schemas.microsoft.com/office/drawing/2017/decorative" val="1"/>
-              </a:ext>
-            </a:extLst>
-          </p:cNvPr>
-          <p:cNvSpPr>
-            <a:spLocks noGrp="1" noRot="1" noChangeAspect="1" noMove="1" noResize="1" noEditPoints="1" noAdjustHandles="1" noChangeArrowheads="1" noChangeShapeType="1" noTextEdit="1"/>
-          </p:cNvSpPr>
-          <p:nvPr>
-            <p:extLst>
-              <p:ext uri="{386F3935-93C4-4BCD-93E2-E3B085C9AB24}">
-                <p16:designElem xmlns:p16="http://schemas.microsoft.com/office/powerpoint/2015/main" val="1"/>
-              </p:ext>
-            </p:extLst>
-          </p:nvPr>
-        </p:nvSpPr>
-        <p:spPr>
-          <a:xfrm>
-            <a:off x="0" y="0"/>
-            <a:ext cx="12188952" cy="6858000"/>
-          </a:xfrm>
-          <a:prstGeom prst="rect">
-            <a:avLst/>
-          </a:prstGeom>
-          <a:ln>
-            <a:noFill/>
-          </a:ln>
-        </p:spPr>
-        <p:style>
-          <a:lnRef idx="2">
-            <a:schemeClr val="accent1">
-              <a:shade val="50000"/>
-            </a:schemeClr>
-          </a:lnRef>
-          <a:fillRef idx="1">
-            <a:schemeClr val="accent1"/>
-          </a:fillRef>
-          <a:effectRef idx="0">
-            <a:schemeClr val="accent1"/>
-          </a:effectRef>
-          <a:fontRef idx="minor">
-            <a:schemeClr val="lt1"/>
-          </a:fontRef>
-        </p:style>
-        <p:txBody>
-          <a:bodyPr rtlCol="0" anchor="ctr"/>
-          <a:lstStyle/>
-          <a:p>
-            <a:pPr algn="ctr"/>
-            <a:endParaRPr lang="en-US"/>
-          </a:p>
-        </p:txBody>
-      </p:sp>
-      <p:grpSp>
-        <p:nvGrpSpPr>
-          <p:cNvPr id="22" name="Group 21">
-            <a:extLst>
-              <a:ext uri="{FF2B5EF4-FFF2-40B4-BE49-F238E27FC236}">
-                <a16:creationId xmlns:a16="http://schemas.microsoft.com/office/drawing/2014/main" id="{57A28182-58A5-4DBB-8F64-BD944BCA8154}"/>
-              </a:ext>
-              <a:ext uri="{C183D7F6-B498-43B3-948B-1728B52AA6E4}">
-                <adec:decorative xmlns:adec="http://schemas.microsoft.com/office/drawing/2017/decorative" val="1"/>
-              </a:ext>
-            </a:extLst>
-          </p:cNvPr>
-          <p:cNvGrpSpPr>
-            <a:grpSpLocks noGrp="1" noUngrp="1" noRot="1" noChangeAspect="1" noMove="1" noResize="1"/>
-          </p:cNvGrpSpPr>
-          <p:nvPr>
-            <p:extLst>
-              <p:ext uri="{386F3935-93C4-4BCD-93E2-E3B085C9AB24}">
-                <p16:designElem xmlns:p16="http://schemas.microsoft.com/office/powerpoint/2015/main" val="1"/>
-              </p:ext>
-            </p:extLst>
-          </p:nvPr>
-        </p:nvGrpSpPr>
-        <p:grpSpPr>
-          <a:xfrm>
-            <a:off x="409710" y="635715"/>
-            <a:ext cx="11142208" cy="2482136"/>
-            <a:chOff x="409710" y="635715"/>
-            <a:chExt cx="11142208" cy="2482136"/>
-          </a:xfrm>
-        </p:grpSpPr>
-        <p:sp>
-          <p:nvSpPr>
-            <p:cNvPr id="23" name="Freeform 44">
-              <a:extLst>
-                <a:ext uri="{FF2B5EF4-FFF2-40B4-BE49-F238E27FC236}">
-                  <a16:creationId xmlns:a16="http://schemas.microsoft.com/office/drawing/2014/main" id="{E4A9080E-7BA6-45FC-8677-8B9D5F4DAFE0}"/>
-                </a:ext>
-                <a:ext uri="{C183D7F6-B498-43B3-948B-1728B52AA6E4}">
-                  <adec:decorative xmlns:adec="http://schemas.microsoft.com/office/drawing/2017/decorative" val="1"/>
-                </a:ext>
-              </a:extLst>
-            </p:cNvPr>
-            <p:cNvSpPr>
-              <a:spLocks/>
-            </p:cNvSpPr>
-            <p:nvPr>
-              <p:extLst>
-                <p:ext uri="{386F3935-93C4-4BCD-93E2-E3B085C9AB24}">
-                  <p16:designElem xmlns:p16="http://schemas.microsoft.com/office/powerpoint/2015/main" val="1"/>
-                </p:ext>
-              </p:extLst>
-            </p:nvPr>
-          </p:nvSpPr>
-          <p:spPr bwMode="auto">
-            <a:xfrm>
-              <a:off x="11223203" y="635716"/>
-              <a:ext cx="328612" cy="1742360"/>
-            </a:xfrm>
-            <a:custGeom>
-              <a:avLst/>
-              <a:gdLst>
-                <a:gd name="T0" fmla="*/ 207 w 207"/>
-                <a:gd name="T1" fmla="*/ 987 h 1114"/>
-                <a:gd name="T2" fmla="*/ 0 w 207"/>
-                <a:gd name="T3" fmla="*/ 1114 h 1114"/>
-                <a:gd name="T4" fmla="*/ 0 w 207"/>
-                <a:gd name="T5" fmla="*/ 127 h 1114"/>
-                <a:gd name="T6" fmla="*/ 207 w 207"/>
-                <a:gd name="T7" fmla="*/ 0 h 1114"/>
-                <a:gd name="T8" fmla="*/ 207 w 207"/>
-                <a:gd name="T9" fmla="*/ 987 h 1114"/>
-              </a:gdLst>
-              <a:ahLst/>
-              <a:cxnLst>
-                <a:cxn ang="0">
-                  <a:pos x="T0" y="T1"/>
-                </a:cxn>
-                <a:cxn ang="0">
-                  <a:pos x="T2" y="T3"/>
-                </a:cxn>
-                <a:cxn ang="0">
-                  <a:pos x="T4" y="T5"/>
-                </a:cxn>
-                <a:cxn ang="0">
-                  <a:pos x="T6" y="T7"/>
-                </a:cxn>
-                <a:cxn ang="0">
-                  <a:pos x="T8" y="T9"/>
-                </a:cxn>
-              </a:cxnLst>
-              <a:rect l="0" t="0" r="r" b="b"/>
-              <a:pathLst>
-                <a:path w="207" h="1114">
-                  <a:moveTo>
-                    <a:pt x="207" y="987"/>
-                  </a:moveTo>
-                  <a:lnTo>
-                    <a:pt x="0" y="1114"/>
-                  </a:lnTo>
-                  <a:lnTo>
-                    <a:pt x="0" y="127"/>
-                  </a:lnTo>
-                  <a:lnTo>
-                    <a:pt x="207" y="0"/>
-                  </a:lnTo>
-                  <a:lnTo>
-                    <a:pt x="207" y="987"/>
-                  </a:lnTo>
-                  <a:close/>
-                </a:path>
-              </a:pathLst>
-            </a:custGeom>
-            <a:solidFill>
-              <a:schemeClr val="accent1">
-                <a:lumMod val="50000"/>
-              </a:schemeClr>
-            </a:solidFill>
-            <a:ln>
-              <a:noFill/>
-            </a:ln>
-          </p:spPr>
-          <p:txBody>
-            <a:bodyPr vert="horz" wrap="square" lIns="91440" tIns="45720" rIns="91440" bIns="45720" numCol="1" anchor="t" anchorCtr="0" compatLnSpc="1">
-              <a:prstTxWarp prst="textNoShape">
-                <a:avLst/>
-              </a:prstTxWarp>
-            </a:bodyPr>
-            <a:lstStyle/>
-            <a:p>
-              <a:endParaRPr lang="en-US"/>
-            </a:p>
-          </p:txBody>
-        </p:sp>
-        <p:sp>
-          <p:nvSpPr>
-            <p:cNvPr id="24" name="Freeform 45">
-              <a:extLst>
-                <a:ext uri="{FF2B5EF4-FFF2-40B4-BE49-F238E27FC236}">
-                  <a16:creationId xmlns:a16="http://schemas.microsoft.com/office/drawing/2014/main" id="{2163D516-75D4-4DE0-AC27-63719125AE52}"/>
-                </a:ext>
-                <a:ext uri="{C183D7F6-B498-43B3-948B-1728B52AA6E4}">
-                  <adec:decorative xmlns:adec="http://schemas.microsoft.com/office/drawing/2017/decorative" val="1"/>
-                </a:ext>
-              </a:extLst>
-            </p:cNvPr>
-            <p:cNvSpPr>
-              <a:spLocks/>
-            </p:cNvSpPr>
-            <p:nvPr>
-              <p:extLst>
-                <p:ext uri="{386F3935-93C4-4BCD-93E2-E3B085C9AB24}">
-                  <p16:designElem xmlns:p16="http://schemas.microsoft.com/office/powerpoint/2015/main" val="1"/>
-                </p:ext>
-              </p:extLst>
-            </p:nvPr>
-          </p:nvSpPr>
-          <p:spPr bwMode="auto">
-            <a:xfrm>
-              <a:off x="409710" y="1022350"/>
-              <a:ext cx="709612" cy="2095501"/>
-            </a:xfrm>
-            <a:custGeom>
-              <a:avLst/>
-              <a:gdLst>
-                <a:gd name="T0" fmla="*/ 447 w 447"/>
-                <a:gd name="T1" fmla="*/ 1363 h 1363"/>
-                <a:gd name="T2" fmla="*/ 0 w 447"/>
-                <a:gd name="T3" fmla="*/ 987 h 1363"/>
-                <a:gd name="T4" fmla="*/ 0 w 447"/>
-                <a:gd name="T5" fmla="*/ 0 h 1363"/>
-                <a:gd name="T6" fmla="*/ 447 w 447"/>
-                <a:gd name="T7" fmla="*/ 376 h 1363"/>
-                <a:gd name="T8" fmla="*/ 447 w 447"/>
-                <a:gd name="T9" fmla="*/ 1363 h 1363"/>
-              </a:gdLst>
-              <a:ahLst/>
-              <a:cxnLst>
-                <a:cxn ang="0">
-                  <a:pos x="T0" y="T1"/>
-                </a:cxn>
-                <a:cxn ang="0">
-                  <a:pos x="T2" y="T3"/>
-                </a:cxn>
-                <a:cxn ang="0">
-                  <a:pos x="T4" y="T5"/>
-                </a:cxn>
-                <a:cxn ang="0">
-                  <a:pos x="T6" y="T7"/>
-                </a:cxn>
-                <a:cxn ang="0">
-                  <a:pos x="T8" y="T9"/>
-                </a:cxn>
-              </a:cxnLst>
-              <a:rect l="0" t="0" r="r" b="b"/>
-              <a:pathLst>
-                <a:path w="447" h="1363">
-                  <a:moveTo>
-                    <a:pt x="447" y="1363"/>
-                  </a:moveTo>
-                  <a:lnTo>
-                    <a:pt x="0" y="987"/>
-                  </a:lnTo>
-                  <a:lnTo>
-                    <a:pt x="0" y="0"/>
-                  </a:lnTo>
-                  <a:lnTo>
-                    <a:pt x="447" y="376"/>
-                  </a:lnTo>
-                  <a:lnTo>
-                    <a:pt x="447" y="1363"/>
-                  </a:lnTo>
-                  <a:close/>
-                </a:path>
-              </a:pathLst>
-            </a:custGeom>
-            <a:solidFill>
-              <a:schemeClr val="accent1">
-                <a:lumMod val="50000"/>
-              </a:schemeClr>
-            </a:solidFill>
-            <a:ln>
-              <a:noFill/>
-            </a:ln>
-          </p:spPr>
-          <p:txBody>
-            <a:bodyPr vert="horz" wrap="square" lIns="91440" tIns="45720" rIns="91440" bIns="45720" numCol="1" anchor="t" anchorCtr="0" compatLnSpc="1">
-              <a:prstTxWarp prst="textNoShape">
-                <a:avLst/>
-              </a:prstTxWarp>
-            </a:bodyPr>
-            <a:lstStyle/>
-            <a:p>
-              <a:endParaRPr lang="en-US"/>
-            </a:p>
-          </p:txBody>
-        </p:sp>
-        <p:sp>
-          <p:nvSpPr>
-            <p:cNvPr id="25" name="Freeform 46">
-              <a:extLst>
-                <a:ext uri="{FF2B5EF4-FFF2-40B4-BE49-F238E27FC236}">
-                  <a16:creationId xmlns:a16="http://schemas.microsoft.com/office/drawing/2014/main" id="{E74A26A5-C23A-46D4-B0FF-155FB3834621}"/>
-                </a:ext>
-                <a:ext uri="{C183D7F6-B498-43B3-948B-1728B52AA6E4}">
-                  <adec:decorative xmlns:adec="http://schemas.microsoft.com/office/drawing/2017/decorative" val="1"/>
-                </a:ext>
-              </a:extLst>
-            </p:cNvPr>
-            <p:cNvSpPr>
-              <a:spLocks/>
-            </p:cNvSpPr>
-            <p:nvPr>
-              <p:extLst>
-                <p:ext uri="{386F3935-93C4-4BCD-93E2-E3B085C9AB24}">
-                  <p16:designElem xmlns:p16="http://schemas.microsoft.com/office/powerpoint/2015/main" val="1"/>
-                </p:ext>
-              </p:extLst>
-            </p:nvPr>
-          </p:nvSpPr>
-          <p:spPr bwMode="auto">
-            <a:xfrm>
-              <a:off x="409710" y="837744"/>
-              <a:ext cx="403225" cy="1705431"/>
-            </a:xfrm>
-            <a:custGeom>
-              <a:avLst/>
-              <a:gdLst>
-                <a:gd name="T0" fmla="*/ 254 w 254"/>
-                <a:gd name="T1" fmla="*/ 987 h 1109"/>
-                <a:gd name="T2" fmla="*/ 0 w 254"/>
-                <a:gd name="T3" fmla="*/ 1109 h 1109"/>
-                <a:gd name="T4" fmla="*/ 0 w 254"/>
-                <a:gd name="T5" fmla="*/ 119 h 1109"/>
-                <a:gd name="T6" fmla="*/ 254 w 254"/>
-                <a:gd name="T7" fmla="*/ 0 h 1109"/>
-                <a:gd name="T8" fmla="*/ 254 w 254"/>
-                <a:gd name="T9" fmla="*/ 987 h 1109"/>
-              </a:gdLst>
-              <a:ahLst/>
-              <a:cxnLst>
-                <a:cxn ang="0">
-                  <a:pos x="T0" y="T1"/>
-                </a:cxn>
-                <a:cxn ang="0">
-                  <a:pos x="T2" y="T3"/>
-                </a:cxn>
-                <a:cxn ang="0">
-                  <a:pos x="T4" y="T5"/>
-                </a:cxn>
-                <a:cxn ang="0">
-                  <a:pos x="T6" y="T7"/>
-                </a:cxn>
-                <a:cxn ang="0">
-                  <a:pos x="T8" y="T9"/>
-                </a:cxn>
-              </a:cxnLst>
-              <a:rect l="0" t="0" r="r" b="b"/>
-              <a:pathLst>
-                <a:path w="254" h="1109">
-                  <a:moveTo>
-                    <a:pt x="254" y="987"/>
-                  </a:moveTo>
-                  <a:lnTo>
-                    <a:pt x="0" y="1109"/>
-                  </a:lnTo>
-                  <a:lnTo>
-                    <a:pt x="0" y="119"/>
-                  </a:lnTo>
-                  <a:lnTo>
-                    <a:pt x="254" y="0"/>
-                  </a:lnTo>
-                  <a:lnTo>
-                    <a:pt x="254" y="987"/>
-                  </a:lnTo>
-                  <a:close/>
-                </a:path>
-              </a:pathLst>
-            </a:custGeom>
-            <a:solidFill>
-              <a:schemeClr val="accent1">
-                <a:lumMod val="75000"/>
-              </a:schemeClr>
-            </a:solidFill>
-            <a:ln>
-              <a:noFill/>
-            </a:ln>
-          </p:spPr>
-          <p:txBody>
-            <a:bodyPr vert="horz" wrap="square" lIns="91440" tIns="45720" rIns="91440" bIns="45720" numCol="1" anchor="t" anchorCtr="0" compatLnSpc="1">
-              <a:prstTxWarp prst="textNoShape">
-                <a:avLst/>
-              </a:prstTxWarp>
-            </a:bodyPr>
-            <a:lstStyle/>
-            <a:p>
-              <a:endParaRPr lang="en-US"/>
-            </a:p>
-          </p:txBody>
-        </p:sp>
-        <p:sp>
-          <p:nvSpPr>
-            <p:cNvPr id="26" name="Freeform 47">
-              <a:extLst>
-                <a:ext uri="{FF2B5EF4-FFF2-40B4-BE49-F238E27FC236}">
-                  <a16:creationId xmlns:a16="http://schemas.microsoft.com/office/drawing/2014/main" id="{08E0243F-1062-43C6-AD04-130DFF66840E}"/>
-                </a:ext>
-                <a:ext uri="{C183D7F6-B498-43B3-948B-1728B52AA6E4}">
-                  <adec:decorative xmlns:adec="http://schemas.microsoft.com/office/drawing/2017/decorative" val="1"/>
-                </a:ext>
-              </a:extLst>
-            </p:cNvPr>
-            <p:cNvSpPr>
-              <a:spLocks/>
-            </p:cNvSpPr>
-            <p:nvPr>
-              <p:extLst>
-                <p:ext uri="{386F3935-93C4-4BCD-93E2-E3B085C9AB24}">
-                  <p16:designElem xmlns:p16="http://schemas.microsoft.com/office/powerpoint/2015/main" val="1"/>
-                </p:ext>
-              </p:extLst>
-            </p:nvPr>
-          </p:nvSpPr>
-          <p:spPr bwMode="auto">
-            <a:xfrm>
-              <a:off x="644660" y="640894"/>
-              <a:ext cx="168275" cy="1713195"/>
-            </a:xfrm>
-            <a:custGeom>
-              <a:avLst/>
-              <a:gdLst>
-                <a:gd name="T0" fmla="*/ 106 w 106"/>
-                <a:gd name="T1" fmla="*/ 1114 h 1114"/>
-                <a:gd name="T2" fmla="*/ 0 w 106"/>
-                <a:gd name="T3" fmla="*/ 1005 h 1114"/>
-                <a:gd name="T4" fmla="*/ 0 w 106"/>
-                <a:gd name="T5" fmla="*/ 0 h 1114"/>
-                <a:gd name="T6" fmla="*/ 106 w 106"/>
-                <a:gd name="T7" fmla="*/ 110 h 1114"/>
-                <a:gd name="T8" fmla="*/ 106 w 106"/>
-                <a:gd name="T9" fmla="*/ 1114 h 1114"/>
-              </a:gdLst>
-              <a:ahLst/>
-              <a:cxnLst>
-                <a:cxn ang="0">
-                  <a:pos x="T0" y="T1"/>
-                </a:cxn>
-                <a:cxn ang="0">
-                  <a:pos x="T2" y="T3"/>
-                </a:cxn>
-                <a:cxn ang="0">
-                  <a:pos x="T4" y="T5"/>
-                </a:cxn>
-                <a:cxn ang="0">
-                  <a:pos x="T6" y="T7"/>
-                </a:cxn>
-                <a:cxn ang="0">
-                  <a:pos x="T8" y="T9"/>
-                </a:cxn>
-              </a:cxnLst>
-              <a:rect l="0" t="0" r="r" b="b"/>
-              <a:pathLst>
-                <a:path w="106" h="1114">
-                  <a:moveTo>
-                    <a:pt x="106" y="1114"/>
-                  </a:moveTo>
-                  <a:lnTo>
-                    <a:pt x="0" y="1005"/>
-                  </a:lnTo>
-                  <a:lnTo>
-                    <a:pt x="0" y="0"/>
-                  </a:lnTo>
-                  <a:lnTo>
-                    <a:pt x="106" y="110"/>
-                  </a:lnTo>
-                  <a:lnTo>
-                    <a:pt x="106" y="1114"/>
-                  </a:lnTo>
-                  <a:close/>
-                </a:path>
-              </a:pathLst>
-            </a:custGeom>
-            <a:solidFill>
-              <a:schemeClr val="accent1">
-                <a:lumMod val="50000"/>
-              </a:schemeClr>
-            </a:solidFill>
-            <a:ln>
-              <a:noFill/>
-            </a:ln>
-          </p:spPr>
-          <p:txBody>
-            <a:bodyPr vert="horz" wrap="square" lIns="91440" tIns="45720" rIns="91440" bIns="45720" numCol="1" anchor="t" anchorCtr="0" compatLnSpc="1">
-              <a:prstTxWarp prst="textNoShape">
-                <a:avLst/>
-              </a:prstTxWarp>
-            </a:bodyPr>
-            <a:lstStyle/>
-            <a:p>
-              <a:endParaRPr lang="en-US"/>
-            </a:p>
-          </p:txBody>
-        </p:sp>
-        <p:sp>
-          <p:nvSpPr>
-            <p:cNvPr id="27" name="Rectangle 26">
-              <a:extLst>
-                <a:ext uri="{FF2B5EF4-FFF2-40B4-BE49-F238E27FC236}">
-                  <a16:creationId xmlns:a16="http://schemas.microsoft.com/office/drawing/2014/main" id="{94C5517B-1B0F-47AA-93A5-36718996986F}"/>
-                </a:ext>
-                <a:ext uri="{C183D7F6-B498-43B3-948B-1728B52AA6E4}">
-                  <adec:decorative xmlns:adec="http://schemas.microsoft.com/office/drawing/2017/decorative" val="1"/>
-                </a:ext>
-              </a:extLst>
-            </p:cNvPr>
-            <p:cNvSpPr>
-              <a:spLocks noChangeArrowheads="1"/>
-            </p:cNvSpPr>
-            <p:nvPr>
-              <p:extLst>
-                <p:ext uri="{386F3935-93C4-4BCD-93E2-E3B085C9AB24}">
-                  <p16:designElem xmlns:p16="http://schemas.microsoft.com/office/powerpoint/2015/main" val="1"/>
-                </p:ext>
-              </p:extLst>
-            </p:nvPr>
-          </p:nvSpPr>
-          <p:spPr bwMode="auto">
-            <a:xfrm>
-              <a:off x="644055" y="635715"/>
-              <a:ext cx="10907863" cy="1541457"/>
-            </a:xfrm>
-            <a:prstGeom prst="rect">
-              <a:avLst/>
-            </a:prstGeom>
-            <a:solidFill>
-              <a:schemeClr val="accent1"/>
-            </a:solidFill>
-            <a:ln>
-              <a:noFill/>
-            </a:ln>
-          </p:spPr>
-          <p:txBody>
-            <a:bodyPr vert="horz" wrap="square" lIns="91440" tIns="45720" rIns="91440" bIns="45720" numCol="1" anchor="t" anchorCtr="0" compatLnSpc="1">
-              <a:prstTxWarp prst="textNoShape">
-                <a:avLst/>
-              </a:prstTxWarp>
-            </a:bodyPr>
-            <a:lstStyle/>
-            <a:p>
-              <a:endParaRPr lang="en-US"/>
-            </a:p>
-          </p:txBody>
-        </p:sp>
-      </p:grpSp>
-      <p:sp>
-        <p:nvSpPr>
-          <p:cNvPr id="2" name="Title 1">
-            <a:extLst>
-              <a:ext uri="{FF2B5EF4-FFF2-40B4-BE49-F238E27FC236}">
-                <a16:creationId xmlns:a16="http://schemas.microsoft.com/office/drawing/2014/main" id="{3032736B-ECF9-4859-83C3-B3F243B34DE4}"/>
-              </a:ext>
-            </a:extLst>
-          </p:cNvPr>
-          <p:cNvSpPr>
-            <a:spLocks noGrp="1"/>
-          </p:cNvSpPr>
-          <p:nvPr>
-            <p:ph type="title"/>
-          </p:nvPr>
-        </p:nvSpPr>
-        <p:spPr>
-          <a:xfrm>
-            <a:off x="1047280" y="759805"/>
-            <a:ext cx="10306520" cy="1325563"/>
-          </a:xfrm>
-        </p:spPr>
-        <p:txBody>
-          <a:bodyPr>
-            <a:normAutofit/>
-          </a:bodyPr>
-          <a:lstStyle/>
-          <a:p>
-            <a:r>
-              <a:rPr lang="en-US" sz="4000">
-                <a:solidFill>
-                  <a:srgbClr val="FFFFFF"/>
-                </a:solidFill>
-              </a:rPr>
-              <a:t>The 4 C’s- Cut</a:t>
-            </a:r>
-          </a:p>
-        </p:txBody>
-      </p:sp>
-      <p:pic>
-        <p:nvPicPr>
-          <p:cNvPr id="5" name="Picture 4">
-            <a:extLst>
-              <a:ext uri="{FF2B5EF4-FFF2-40B4-BE49-F238E27FC236}">
-                <a16:creationId xmlns:a16="http://schemas.microsoft.com/office/drawing/2014/main" id="{F7E35F8E-9B83-47C3-BC3C-5EC016AE79E8}"/>
-              </a:ext>
-            </a:extLst>
-          </p:cNvPr>
-          <p:cNvPicPr>
-            <a:picLocks noChangeAspect="1"/>
-          </p:cNvPicPr>
-          <p:nvPr/>
-        </p:nvPicPr>
-        <p:blipFill>
-          <a:blip r:embed="rId2"/>
-          <a:stretch>
-            <a:fillRect/>
-          </a:stretch>
-        </p:blipFill>
-        <p:spPr>
-          <a:xfrm>
-            <a:off x="2036034" y="3429000"/>
-            <a:ext cx="8329012" cy="1888079"/>
-          </a:xfrm>
-          <a:prstGeom prst="rect">
-            <a:avLst/>
-          </a:prstGeom>
-        </p:spPr>
-      </p:pic>
-      <p:sp>
-        <p:nvSpPr>
-          <p:cNvPr id="3" name="Content Placeholder 2">
-            <a:extLst>
-              <a:ext uri="{FF2B5EF4-FFF2-40B4-BE49-F238E27FC236}">
-                <a16:creationId xmlns:a16="http://schemas.microsoft.com/office/drawing/2014/main" id="{C71C3679-37F0-4CFB-8584-0F0C2B2C72DE}"/>
-              </a:ext>
-            </a:extLst>
-          </p:cNvPr>
-          <p:cNvSpPr>
-            <a:spLocks noGrp="1"/>
-          </p:cNvSpPr>
-          <p:nvPr>
-            <p:ph idx="1"/>
-          </p:nvPr>
-        </p:nvSpPr>
-        <p:spPr>
-          <a:xfrm>
-            <a:off x="1524417" y="2354089"/>
-            <a:ext cx="9221649" cy="1134817"/>
-          </a:xfrm>
-        </p:spPr>
-        <p:txBody>
-          <a:bodyPr anchor="ctr">
-            <a:normAutofit/>
-          </a:bodyPr>
-          <a:lstStyle/>
-          <a:p>
-            <a:pPr marL="0" marR="0" indent="0" algn="ctr">
-              <a:spcBef>
-                <a:spcPts val="0"/>
-              </a:spcBef>
-              <a:spcAft>
-                <a:spcPts val="800"/>
-              </a:spcAft>
-              <a:buNone/>
-            </a:pPr>
-            <a:r>
-              <a:rPr lang="en-US" sz="1900" dirty="0">
-                <a:effectLst/>
-                <a:latin typeface="Calibri" panose="020F0502020204030204" pitchFamily="34" charset="0"/>
-                <a:ea typeface="Times New Roman" panose="02020603050405020304" pitchFamily="18" charset="0"/>
-                <a:cs typeface="Times New Roman" panose="02020603050405020304" pitchFamily="18" charset="0"/>
-              </a:rPr>
-              <a:t>The most important of the 4 C’s is cut.  Cut drives how much a diamond sparkles.</a:t>
-            </a:r>
-            <a:endParaRPr lang="en-US" sz="1900" dirty="0">
-              <a:effectLst/>
-              <a:latin typeface="Calibri" panose="020F0502020204030204" pitchFamily="34" charset="0"/>
-              <a:ea typeface="Calibri" panose="020F0502020204030204" pitchFamily="34" charset="0"/>
-              <a:cs typeface="Times New Roman" panose="02020603050405020304" pitchFamily="18" charset="0"/>
-            </a:endParaRPr>
-          </a:p>
-          <a:p>
-            <a:pPr algn="ctr"/>
-            <a:endParaRPr lang="en-US" sz="1900" dirty="0"/>
-          </a:p>
-        </p:txBody>
-      </p:sp>
-    </p:spTree>
-    <p:extLst>
-      <p:ext uri="{BB962C8B-B14F-4D97-AF65-F5344CB8AC3E}">
-        <p14:creationId xmlns:p14="http://schemas.microsoft.com/office/powerpoint/2010/main" val="295206047"/>
-      </p:ext>
-    </p:extLst>
-  </p:cSld>
-  <p:clrMapOvr>
-    <a:masterClrMapping/>
-  </p:clrMapOvr>
-</p:sld>
-</file>
-
-<file path=ppt/slides/slide4.xml><?xml version="1.0" encoding="utf-8"?>
-<p:sld xmlns:a="http://schemas.openxmlformats.org/drawingml/2006/main" xmlns:r="http://schemas.openxmlformats.org/officeDocument/2006/relationships" xmlns:p="http://schemas.openxmlformats.org/presentationml/2006/main">
-  <p:cSld>
-    <p:bg>
-      <p:bgPr>
-        <a:solidFill>
-          <a:schemeClr val="bg1"/>
-        </a:solidFill>
-        <a:effectLst/>
-      </p:bgPr>
-    </p:bg>
-    <p:spTree>
-      <p:nvGrpSpPr>
-        <p:cNvPr id="1" name=""/>
-        <p:cNvGrpSpPr/>
-        <p:nvPr/>
-      </p:nvGrpSpPr>
-      <p:grpSpPr>
-        <a:xfrm>
-          <a:off x="0" y="0"/>
-          <a:ext cx="0" cy="0"/>
-          <a:chOff x="0" y="0"/>
-          <a:chExt cx="0" cy="0"/>
-        </a:xfrm>
-      </p:grpSpPr>
-      <p:sp useBgFill="1">
-        <p:nvSpPr>
-          <p:cNvPr id="10" name="Rectangle 9">
-            <a:extLst>
-              <a:ext uri="{FF2B5EF4-FFF2-40B4-BE49-F238E27FC236}">
-                <a16:creationId xmlns:a16="http://schemas.microsoft.com/office/drawing/2014/main" id="{DD38EE57-B708-47C9-A4A4-E25F09FAB029}"/>
-              </a:ext>
-              <a:ext uri="{C183D7F6-B498-43B3-948B-1728B52AA6E4}">
-                <adec:decorative xmlns:adec="http://schemas.microsoft.com/office/drawing/2017/decorative" val="1"/>
-              </a:ext>
-            </a:extLst>
-          </p:cNvPr>
-          <p:cNvSpPr>
-            <a:spLocks noGrp="1" noRot="1" noChangeAspect="1" noMove="1" noResize="1" noEditPoints="1" noAdjustHandles="1" noChangeArrowheads="1" noChangeShapeType="1" noTextEdit="1"/>
-          </p:cNvSpPr>
-          <p:nvPr>
-            <p:extLst>
-              <p:ext uri="{386F3935-93C4-4BCD-93E2-E3B085C9AB24}">
-                <p16:designElem xmlns:p16="http://schemas.microsoft.com/office/powerpoint/2015/main" val="1"/>
-              </p:ext>
-            </p:extLst>
-          </p:nvPr>
-        </p:nvSpPr>
-        <p:spPr>
-          <a:xfrm>
-            <a:off x="0" y="0"/>
-            <a:ext cx="12188952" cy="6858000"/>
-          </a:xfrm>
-          <a:prstGeom prst="rect">
-            <a:avLst/>
-          </a:prstGeom>
-          <a:ln>
-            <a:noFill/>
-          </a:ln>
-        </p:spPr>
-        <p:style>
-          <a:lnRef idx="2">
-            <a:schemeClr val="accent1">
-              <a:shade val="50000"/>
-            </a:schemeClr>
-          </a:lnRef>
-          <a:fillRef idx="1">
-            <a:schemeClr val="accent1"/>
-          </a:fillRef>
-          <a:effectRef idx="0">
-            <a:schemeClr val="accent1"/>
-          </a:effectRef>
-          <a:fontRef idx="minor">
-            <a:schemeClr val="lt1"/>
-          </a:fontRef>
-        </p:style>
-        <p:txBody>
-          <a:bodyPr rtlCol="0" anchor="ctr"/>
-          <a:lstStyle/>
-          <a:p>
-            <a:pPr algn="ctr"/>
-            <a:endParaRPr lang="en-US"/>
-          </a:p>
-        </p:txBody>
-      </p:sp>
-      <p:grpSp>
-        <p:nvGrpSpPr>
-          <p:cNvPr id="12" name="Group 11">
-            <a:extLst>
-              <a:ext uri="{FF2B5EF4-FFF2-40B4-BE49-F238E27FC236}">
-                <a16:creationId xmlns:a16="http://schemas.microsoft.com/office/drawing/2014/main" id="{57A28182-58A5-4DBB-8F64-BD944BCA8154}"/>
-              </a:ext>
-              <a:ext uri="{C183D7F6-B498-43B3-948B-1728B52AA6E4}">
-                <adec:decorative xmlns:adec="http://schemas.microsoft.com/office/drawing/2017/decorative" val="1"/>
-              </a:ext>
-            </a:extLst>
-          </p:cNvPr>
-          <p:cNvGrpSpPr>
-            <a:grpSpLocks noGrp="1" noUngrp="1" noRot="1" noChangeAspect="1" noMove="1" noResize="1"/>
-          </p:cNvGrpSpPr>
-          <p:nvPr>
-            <p:extLst>
-              <p:ext uri="{386F3935-93C4-4BCD-93E2-E3B085C9AB24}">
-                <p16:designElem xmlns:p16="http://schemas.microsoft.com/office/powerpoint/2015/main" val="1"/>
-              </p:ext>
-            </p:extLst>
-          </p:nvPr>
-        </p:nvGrpSpPr>
-        <p:grpSpPr>
-          <a:xfrm>
-            <a:off x="409710" y="635715"/>
-            <a:ext cx="11142208" cy="2482136"/>
-            <a:chOff x="409710" y="635715"/>
-            <a:chExt cx="11142208" cy="2482136"/>
-          </a:xfrm>
-        </p:grpSpPr>
-        <p:sp>
-          <p:nvSpPr>
-            <p:cNvPr id="13" name="Freeform 44">
-              <a:extLst>
-                <a:ext uri="{FF2B5EF4-FFF2-40B4-BE49-F238E27FC236}">
-                  <a16:creationId xmlns:a16="http://schemas.microsoft.com/office/drawing/2014/main" id="{E4A9080E-7BA6-45FC-8677-8B9D5F4DAFE0}"/>
-                </a:ext>
-                <a:ext uri="{C183D7F6-B498-43B3-948B-1728B52AA6E4}">
-                  <adec:decorative xmlns:adec="http://schemas.microsoft.com/office/drawing/2017/decorative" val="1"/>
-                </a:ext>
-              </a:extLst>
-            </p:cNvPr>
-            <p:cNvSpPr>
-              <a:spLocks/>
-            </p:cNvSpPr>
-            <p:nvPr>
-              <p:extLst>
-                <p:ext uri="{386F3935-93C4-4BCD-93E2-E3B085C9AB24}">
-                  <p16:designElem xmlns:p16="http://schemas.microsoft.com/office/powerpoint/2015/main" val="1"/>
-                </p:ext>
-              </p:extLst>
-            </p:nvPr>
-          </p:nvSpPr>
-          <p:spPr bwMode="auto">
-            <a:xfrm>
-              <a:off x="11223203" y="635716"/>
-              <a:ext cx="328612" cy="1742360"/>
-            </a:xfrm>
-            <a:custGeom>
-              <a:avLst/>
-              <a:gdLst>
-                <a:gd name="T0" fmla="*/ 207 w 207"/>
-                <a:gd name="T1" fmla="*/ 987 h 1114"/>
-                <a:gd name="T2" fmla="*/ 0 w 207"/>
-                <a:gd name="T3" fmla="*/ 1114 h 1114"/>
-                <a:gd name="T4" fmla="*/ 0 w 207"/>
-                <a:gd name="T5" fmla="*/ 127 h 1114"/>
-                <a:gd name="T6" fmla="*/ 207 w 207"/>
-                <a:gd name="T7" fmla="*/ 0 h 1114"/>
-                <a:gd name="T8" fmla="*/ 207 w 207"/>
-                <a:gd name="T9" fmla="*/ 987 h 1114"/>
-              </a:gdLst>
-              <a:ahLst/>
-              <a:cxnLst>
-                <a:cxn ang="0">
-                  <a:pos x="T0" y="T1"/>
-                </a:cxn>
-                <a:cxn ang="0">
-                  <a:pos x="T2" y="T3"/>
-                </a:cxn>
-                <a:cxn ang="0">
-                  <a:pos x="T4" y="T5"/>
-                </a:cxn>
-                <a:cxn ang="0">
-                  <a:pos x="T6" y="T7"/>
-                </a:cxn>
-                <a:cxn ang="0">
-                  <a:pos x="T8" y="T9"/>
-                </a:cxn>
-              </a:cxnLst>
-              <a:rect l="0" t="0" r="r" b="b"/>
-              <a:pathLst>
-                <a:path w="207" h="1114">
-                  <a:moveTo>
-                    <a:pt x="207" y="987"/>
-                  </a:moveTo>
-                  <a:lnTo>
-                    <a:pt x="0" y="1114"/>
-                  </a:lnTo>
-                  <a:lnTo>
-                    <a:pt x="0" y="127"/>
-                  </a:lnTo>
-                  <a:lnTo>
-                    <a:pt x="207" y="0"/>
-                  </a:lnTo>
-                  <a:lnTo>
-                    <a:pt x="207" y="987"/>
-                  </a:lnTo>
-                  <a:close/>
-                </a:path>
-              </a:pathLst>
-            </a:custGeom>
-            <a:solidFill>
-              <a:schemeClr val="accent1">
-                <a:lumMod val="50000"/>
-              </a:schemeClr>
-            </a:solidFill>
-            <a:ln>
-              <a:noFill/>
-            </a:ln>
-          </p:spPr>
-          <p:txBody>
-            <a:bodyPr vert="horz" wrap="square" lIns="91440" tIns="45720" rIns="91440" bIns="45720" numCol="1" anchor="t" anchorCtr="0" compatLnSpc="1">
-              <a:prstTxWarp prst="textNoShape">
-                <a:avLst/>
-              </a:prstTxWarp>
-            </a:bodyPr>
-            <a:lstStyle/>
-            <a:p>
-              <a:endParaRPr lang="en-US"/>
-            </a:p>
-          </p:txBody>
-        </p:sp>
-        <p:sp>
-          <p:nvSpPr>
-            <p:cNvPr id="14" name="Freeform 45">
-              <a:extLst>
-                <a:ext uri="{FF2B5EF4-FFF2-40B4-BE49-F238E27FC236}">
-                  <a16:creationId xmlns:a16="http://schemas.microsoft.com/office/drawing/2014/main" id="{2163D516-75D4-4DE0-AC27-63719125AE52}"/>
-                </a:ext>
-                <a:ext uri="{C183D7F6-B498-43B3-948B-1728B52AA6E4}">
-                  <adec:decorative xmlns:adec="http://schemas.microsoft.com/office/drawing/2017/decorative" val="1"/>
-                </a:ext>
-              </a:extLst>
-            </p:cNvPr>
-            <p:cNvSpPr>
-              <a:spLocks/>
-            </p:cNvSpPr>
-            <p:nvPr>
-              <p:extLst>
-                <p:ext uri="{386F3935-93C4-4BCD-93E2-E3B085C9AB24}">
-                  <p16:designElem xmlns:p16="http://schemas.microsoft.com/office/powerpoint/2015/main" val="1"/>
-                </p:ext>
-              </p:extLst>
-            </p:nvPr>
-          </p:nvSpPr>
-          <p:spPr bwMode="auto">
-            <a:xfrm>
-              <a:off x="409710" y="1022350"/>
-              <a:ext cx="709612" cy="2095501"/>
-            </a:xfrm>
-            <a:custGeom>
-              <a:avLst/>
-              <a:gdLst>
-                <a:gd name="T0" fmla="*/ 447 w 447"/>
-                <a:gd name="T1" fmla="*/ 1363 h 1363"/>
-                <a:gd name="T2" fmla="*/ 0 w 447"/>
-                <a:gd name="T3" fmla="*/ 987 h 1363"/>
-                <a:gd name="T4" fmla="*/ 0 w 447"/>
-                <a:gd name="T5" fmla="*/ 0 h 1363"/>
-                <a:gd name="T6" fmla="*/ 447 w 447"/>
-                <a:gd name="T7" fmla="*/ 376 h 1363"/>
-                <a:gd name="T8" fmla="*/ 447 w 447"/>
-                <a:gd name="T9" fmla="*/ 1363 h 1363"/>
-              </a:gdLst>
-              <a:ahLst/>
-              <a:cxnLst>
-                <a:cxn ang="0">
-                  <a:pos x="T0" y="T1"/>
-                </a:cxn>
-                <a:cxn ang="0">
-                  <a:pos x="T2" y="T3"/>
-                </a:cxn>
-                <a:cxn ang="0">
-                  <a:pos x="T4" y="T5"/>
-                </a:cxn>
-                <a:cxn ang="0">
-                  <a:pos x="T6" y="T7"/>
-                </a:cxn>
-                <a:cxn ang="0">
-                  <a:pos x="T8" y="T9"/>
-                </a:cxn>
-              </a:cxnLst>
-              <a:rect l="0" t="0" r="r" b="b"/>
-              <a:pathLst>
-                <a:path w="447" h="1363">
-                  <a:moveTo>
-                    <a:pt x="447" y="1363"/>
-                  </a:moveTo>
-                  <a:lnTo>
-                    <a:pt x="0" y="987"/>
-                  </a:lnTo>
-                  <a:lnTo>
-                    <a:pt x="0" y="0"/>
-                  </a:lnTo>
-                  <a:lnTo>
-                    <a:pt x="447" y="376"/>
-                  </a:lnTo>
-                  <a:lnTo>
-                    <a:pt x="447" y="1363"/>
-                  </a:lnTo>
-                  <a:close/>
-                </a:path>
-              </a:pathLst>
-            </a:custGeom>
-            <a:solidFill>
-              <a:schemeClr val="accent1">
-                <a:lumMod val="50000"/>
-              </a:schemeClr>
-            </a:solidFill>
-            <a:ln>
-              <a:noFill/>
-            </a:ln>
-          </p:spPr>
-          <p:txBody>
-            <a:bodyPr vert="horz" wrap="square" lIns="91440" tIns="45720" rIns="91440" bIns="45720" numCol="1" anchor="t" anchorCtr="0" compatLnSpc="1">
-              <a:prstTxWarp prst="textNoShape">
-                <a:avLst/>
-              </a:prstTxWarp>
-            </a:bodyPr>
-            <a:lstStyle/>
-            <a:p>
-              <a:endParaRPr lang="en-US"/>
-            </a:p>
-          </p:txBody>
-        </p:sp>
-        <p:sp>
-          <p:nvSpPr>
-            <p:cNvPr id="15" name="Freeform 46">
-              <a:extLst>
-                <a:ext uri="{FF2B5EF4-FFF2-40B4-BE49-F238E27FC236}">
-                  <a16:creationId xmlns:a16="http://schemas.microsoft.com/office/drawing/2014/main" id="{E74A26A5-C23A-46D4-B0FF-155FB3834621}"/>
-                </a:ext>
-                <a:ext uri="{C183D7F6-B498-43B3-948B-1728B52AA6E4}">
-                  <adec:decorative xmlns:adec="http://schemas.microsoft.com/office/drawing/2017/decorative" val="1"/>
-                </a:ext>
-              </a:extLst>
-            </p:cNvPr>
-            <p:cNvSpPr>
-              <a:spLocks/>
-            </p:cNvSpPr>
-            <p:nvPr>
-              <p:extLst>
-                <p:ext uri="{386F3935-93C4-4BCD-93E2-E3B085C9AB24}">
-                  <p16:designElem xmlns:p16="http://schemas.microsoft.com/office/powerpoint/2015/main" val="1"/>
-                </p:ext>
-              </p:extLst>
-            </p:nvPr>
-          </p:nvSpPr>
-          <p:spPr bwMode="auto">
-            <a:xfrm>
-              <a:off x="409710" y="837744"/>
-              <a:ext cx="403225" cy="1705431"/>
-            </a:xfrm>
-            <a:custGeom>
-              <a:avLst/>
-              <a:gdLst>
-                <a:gd name="T0" fmla="*/ 254 w 254"/>
-                <a:gd name="T1" fmla="*/ 987 h 1109"/>
-                <a:gd name="T2" fmla="*/ 0 w 254"/>
-                <a:gd name="T3" fmla="*/ 1109 h 1109"/>
-                <a:gd name="T4" fmla="*/ 0 w 254"/>
-                <a:gd name="T5" fmla="*/ 119 h 1109"/>
-                <a:gd name="T6" fmla="*/ 254 w 254"/>
-                <a:gd name="T7" fmla="*/ 0 h 1109"/>
-                <a:gd name="T8" fmla="*/ 254 w 254"/>
-                <a:gd name="T9" fmla="*/ 987 h 1109"/>
-              </a:gdLst>
-              <a:ahLst/>
-              <a:cxnLst>
-                <a:cxn ang="0">
-                  <a:pos x="T0" y="T1"/>
-                </a:cxn>
-                <a:cxn ang="0">
-                  <a:pos x="T2" y="T3"/>
-                </a:cxn>
-                <a:cxn ang="0">
-                  <a:pos x="T4" y="T5"/>
-                </a:cxn>
-                <a:cxn ang="0">
-                  <a:pos x="T6" y="T7"/>
-                </a:cxn>
-                <a:cxn ang="0">
-                  <a:pos x="T8" y="T9"/>
-                </a:cxn>
-              </a:cxnLst>
-              <a:rect l="0" t="0" r="r" b="b"/>
-              <a:pathLst>
-                <a:path w="254" h="1109">
-                  <a:moveTo>
-                    <a:pt x="254" y="987"/>
-                  </a:moveTo>
-                  <a:lnTo>
-                    <a:pt x="0" y="1109"/>
-                  </a:lnTo>
-                  <a:lnTo>
-                    <a:pt x="0" y="119"/>
-                  </a:lnTo>
-                  <a:lnTo>
-                    <a:pt x="254" y="0"/>
-                  </a:lnTo>
-                  <a:lnTo>
-                    <a:pt x="254" y="987"/>
-                  </a:lnTo>
-                  <a:close/>
-                </a:path>
-              </a:pathLst>
-            </a:custGeom>
-            <a:solidFill>
-              <a:schemeClr val="accent1">
-                <a:lumMod val="75000"/>
-              </a:schemeClr>
-            </a:solidFill>
-            <a:ln>
-              <a:noFill/>
-            </a:ln>
-          </p:spPr>
-          <p:txBody>
-            <a:bodyPr vert="horz" wrap="square" lIns="91440" tIns="45720" rIns="91440" bIns="45720" numCol="1" anchor="t" anchorCtr="0" compatLnSpc="1">
-              <a:prstTxWarp prst="textNoShape">
-                <a:avLst/>
-              </a:prstTxWarp>
-            </a:bodyPr>
-            <a:lstStyle/>
-            <a:p>
-              <a:endParaRPr lang="en-US"/>
-            </a:p>
-          </p:txBody>
-        </p:sp>
-        <p:sp>
-          <p:nvSpPr>
-            <p:cNvPr id="16" name="Freeform 47">
-              <a:extLst>
-                <a:ext uri="{FF2B5EF4-FFF2-40B4-BE49-F238E27FC236}">
-                  <a16:creationId xmlns:a16="http://schemas.microsoft.com/office/drawing/2014/main" id="{08E0243F-1062-43C6-AD04-130DFF66840E}"/>
-                </a:ext>
-                <a:ext uri="{C183D7F6-B498-43B3-948B-1728B52AA6E4}">
-                  <adec:decorative xmlns:adec="http://schemas.microsoft.com/office/drawing/2017/decorative" val="1"/>
-                </a:ext>
-              </a:extLst>
-            </p:cNvPr>
-            <p:cNvSpPr>
-              <a:spLocks/>
-            </p:cNvSpPr>
-            <p:nvPr>
-              <p:extLst>
-                <p:ext uri="{386F3935-93C4-4BCD-93E2-E3B085C9AB24}">
-                  <p16:designElem xmlns:p16="http://schemas.microsoft.com/office/powerpoint/2015/main" val="1"/>
-                </p:ext>
-              </p:extLst>
-            </p:nvPr>
-          </p:nvSpPr>
-          <p:spPr bwMode="auto">
-            <a:xfrm>
-              <a:off x="644660" y="640894"/>
-              <a:ext cx="168275" cy="1713195"/>
-            </a:xfrm>
-            <a:custGeom>
-              <a:avLst/>
-              <a:gdLst>
-                <a:gd name="T0" fmla="*/ 106 w 106"/>
-                <a:gd name="T1" fmla="*/ 1114 h 1114"/>
-                <a:gd name="T2" fmla="*/ 0 w 106"/>
-                <a:gd name="T3" fmla="*/ 1005 h 1114"/>
-                <a:gd name="T4" fmla="*/ 0 w 106"/>
-                <a:gd name="T5" fmla="*/ 0 h 1114"/>
-                <a:gd name="T6" fmla="*/ 106 w 106"/>
-                <a:gd name="T7" fmla="*/ 110 h 1114"/>
-                <a:gd name="T8" fmla="*/ 106 w 106"/>
-                <a:gd name="T9" fmla="*/ 1114 h 1114"/>
-              </a:gdLst>
-              <a:ahLst/>
-              <a:cxnLst>
-                <a:cxn ang="0">
-                  <a:pos x="T0" y="T1"/>
-                </a:cxn>
-                <a:cxn ang="0">
-                  <a:pos x="T2" y="T3"/>
-                </a:cxn>
-                <a:cxn ang="0">
-                  <a:pos x="T4" y="T5"/>
-                </a:cxn>
-                <a:cxn ang="0">
-                  <a:pos x="T6" y="T7"/>
-                </a:cxn>
-                <a:cxn ang="0">
-                  <a:pos x="T8" y="T9"/>
-                </a:cxn>
-              </a:cxnLst>
-              <a:rect l="0" t="0" r="r" b="b"/>
-              <a:pathLst>
-                <a:path w="106" h="1114">
-                  <a:moveTo>
-                    <a:pt x="106" y="1114"/>
-                  </a:moveTo>
-                  <a:lnTo>
-                    <a:pt x="0" y="1005"/>
-                  </a:lnTo>
-                  <a:lnTo>
-                    <a:pt x="0" y="0"/>
-                  </a:lnTo>
-                  <a:lnTo>
-                    <a:pt x="106" y="110"/>
-                  </a:lnTo>
-                  <a:lnTo>
-                    <a:pt x="106" y="1114"/>
-                  </a:lnTo>
-                  <a:close/>
-                </a:path>
-              </a:pathLst>
-            </a:custGeom>
-            <a:solidFill>
-              <a:schemeClr val="accent1">
-                <a:lumMod val="50000"/>
-              </a:schemeClr>
-            </a:solidFill>
-            <a:ln>
-              <a:noFill/>
-            </a:ln>
-          </p:spPr>
-          <p:txBody>
-            <a:bodyPr vert="horz" wrap="square" lIns="91440" tIns="45720" rIns="91440" bIns="45720" numCol="1" anchor="t" anchorCtr="0" compatLnSpc="1">
-              <a:prstTxWarp prst="textNoShape">
-                <a:avLst/>
-              </a:prstTxWarp>
-            </a:bodyPr>
-            <a:lstStyle/>
-            <a:p>
-              <a:endParaRPr lang="en-US"/>
-            </a:p>
-          </p:txBody>
-        </p:sp>
-        <p:sp>
-          <p:nvSpPr>
-            <p:cNvPr id="17" name="Rectangle 16">
-              <a:extLst>
-                <a:ext uri="{FF2B5EF4-FFF2-40B4-BE49-F238E27FC236}">
-                  <a16:creationId xmlns:a16="http://schemas.microsoft.com/office/drawing/2014/main" id="{94C5517B-1B0F-47AA-93A5-36718996986F}"/>
-                </a:ext>
-                <a:ext uri="{C183D7F6-B498-43B3-948B-1728B52AA6E4}">
-                  <adec:decorative xmlns:adec="http://schemas.microsoft.com/office/drawing/2017/decorative" val="1"/>
-                </a:ext>
-              </a:extLst>
-            </p:cNvPr>
-            <p:cNvSpPr>
-              <a:spLocks noChangeArrowheads="1"/>
-            </p:cNvSpPr>
-            <p:nvPr>
-              <p:extLst>
-                <p:ext uri="{386F3935-93C4-4BCD-93E2-E3B085C9AB24}">
-                  <p16:designElem xmlns:p16="http://schemas.microsoft.com/office/powerpoint/2015/main" val="1"/>
-                </p:ext>
-              </p:extLst>
-            </p:nvPr>
-          </p:nvSpPr>
-          <p:spPr bwMode="auto">
-            <a:xfrm>
-              <a:off x="644055" y="635715"/>
-              <a:ext cx="10907863" cy="1541457"/>
-            </a:xfrm>
-            <a:prstGeom prst="rect">
-              <a:avLst/>
-            </a:prstGeom>
-            <a:solidFill>
-              <a:schemeClr val="accent1"/>
-            </a:solidFill>
-            <a:ln>
-              <a:noFill/>
-            </a:ln>
-          </p:spPr>
-          <p:txBody>
-            <a:bodyPr vert="horz" wrap="square" lIns="91440" tIns="45720" rIns="91440" bIns="45720" numCol="1" anchor="t" anchorCtr="0" compatLnSpc="1">
-              <a:prstTxWarp prst="textNoShape">
-                <a:avLst/>
-              </a:prstTxWarp>
-            </a:bodyPr>
-            <a:lstStyle/>
-            <a:p>
-              <a:endParaRPr lang="en-US"/>
-            </a:p>
-          </p:txBody>
-        </p:sp>
-      </p:grpSp>
-      <p:sp>
-        <p:nvSpPr>
-          <p:cNvPr id="2" name="Title 1">
-            <a:extLst>
-              <a:ext uri="{FF2B5EF4-FFF2-40B4-BE49-F238E27FC236}">
-                <a16:creationId xmlns:a16="http://schemas.microsoft.com/office/drawing/2014/main" id="{3032736B-ECF9-4859-83C3-B3F243B34DE4}"/>
-              </a:ext>
-            </a:extLst>
-          </p:cNvPr>
-          <p:cNvSpPr>
-            <a:spLocks noGrp="1"/>
-          </p:cNvSpPr>
-          <p:nvPr>
-            <p:ph type="title"/>
-          </p:nvPr>
-        </p:nvSpPr>
-        <p:spPr>
-          <a:xfrm>
-            <a:off x="1047280" y="759805"/>
-            <a:ext cx="10306520" cy="1325563"/>
-          </a:xfrm>
-        </p:spPr>
-        <p:txBody>
-          <a:bodyPr>
-            <a:normAutofit/>
-          </a:bodyPr>
-          <a:lstStyle/>
-          <a:p>
-            <a:r>
-              <a:rPr lang="en-US" sz="4000" dirty="0">
-                <a:solidFill>
-                  <a:srgbClr val="FFFFFF"/>
-                </a:solidFill>
-              </a:rPr>
-              <a:t>The 4 C’s- Color</a:t>
-            </a:r>
-          </a:p>
-        </p:txBody>
-      </p:sp>
-      <p:pic>
-        <p:nvPicPr>
-          <p:cNvPr id="21" name="Picture 20">
-            <a:extLst>
-              <a:ext uri="{FF2B5EF4-FFF2-40B4-BE49-F238E27FC236}">
-                <a16:creationId xmlns:a16="http://schemas.microsoft.com/office/drawing/2014/main" id="{F3B30CBE-A22C-4FDA-A0D9-AE3E0E00AC0C}"/>
-              </a:ext>
-            </a:extLst>
-          </p:cNvPr>
-          <p:cNvPicPr>
-            <a:picLocks noChangeAspect="1"/>
-          </p:cNvPicPr>
-          <p:nvPr/>
-        </p:nvPicPr>
-        <p:blipFill>
-          <a:blip r:embed="rId2"/>
-          <a:stretch>
-            <a:fillRect/>
-          </a:stretch>
-        </p:blipFill>
-        <p:spPr>
-          <a:xfrm>
-            <a:off x="812935" y="3190084"/>
-            <a:ext cx="10515569" cy="3180959"/>
-          </a:xfrm>
-          <a:prstGeom prst="rect">
-            <a:avLst/>
-          </a:prstGeom>
-        </p:spPr>
-      </p:pic>
-      <p:sp>
-        <p:nvSpPr>
-          <p:cNvPr id="28" name="Content Placeholder 2">
-            <a:extLst>
-              <a:ext uri="{FF2B5EF4-FFF2-40B4-BE49-F238E27FC236}">
-                <a16:creationId xmlns:a16="http://schemas.microsoft.com/office/drawing/2014/main" id="{0BAAFFA2-D37E-495C-811F-042E2D93C420}"/>
-              </a:ext>
-            </a:extLst>
-          </p:cNvPr>
-          <p:cNvSpPr>
-            <a:spLocks noGrp="1"/>
-          </p:cNvSpPr>
-          <p:nvPr>
-            <p:ph idx="1"/>
-          </p:nvPr>
-        </p:nvSpPr>
-        <p:spPr>
-          <a:xfrm>
-            <a:off x="1763377" y="2085368"/>
-            <a:ext cx="9043370" cy="942608"/>
-          </a:xfrm>
-        </p:spPr>
-        <p:txBody>
-          <a:bodyPr anchor="ctr">
-            <a:normAutofit/>
-          </a:bodyPr>
-          <a:lstStyle/>
-          <a:p>
-            <a:pPr marL="0" marR="0" indent="0" algn="ctr">
-              <a:spcBef>
-                <a:spcPts val="0"/>
-              </a:spcBef>
-              <a:spcAft>
-                <a:spcPts val="800"/>
-              </a:spcAft>
-              <a:buNone/>
-            </a:pPr>
-            <a:r>
-              <a:rPr lang="en-US" sz="2000" dirty="0">
-                <a:effectLst/>
-                <a:latin typeface="Calibri" panose="020F0502020204030204" pitchFamily="34" charset="0"/>
-                <a:ea typeface="Times New Roman" panose="02020603050405020304" pitchFamily="18" charset="0"/>
-                <a:cs typeface="Times New Roman" panose="02020603050405020304" pitchFamily="18" charset="0"/>
-              </a:rPr>
-              <a:t>Color is the second most important feature in diamond selection.  The less color that a diamond has the higher the grade of the diamond. </a:t>
-            </a:r>
-            <a:endParaRPr lang="en-US" sz="2000" dirty="0"/>
-          </a:p>
-        </p:txBody>
-      </p:sp>
-    </p:spTree>
-    <p:extLst>
-      <p:ext uri="{BB962C8B-B14F-4D97-AF65-F5344CB8AC3E}">
-        <p14:creationId xmlns:p14="http://schemas.microsoft.com/office/powerpoint/2010/main" val="484660432"/>
-      </p:ext>
-    </p:extLst>
-  </p:cSld>
-  <p:clrMapOvr>
-    <a:masterClrMapping/>
-  </p:clrMapOvr>
-</p:sld>
-</file>
-
-<file path=ppt/slides/slide5.xml><?xml version="1.0" encoding="utf-8"?>
-<p:sld xmlns:a="http://schemas.openxmlformats.org/drawingml/2006/main" xmlns:r="http://schemas.openxmlformats.org/officeDocument/2006/relationships" xmlns:p="http://schemas.openxmlformats.org/presentationml/2006/main">
-  <p:cSld>
-    <p:bg>
-      <p:bgPr>
-        <a:solidFill>
-          <a:schemeClr val="bg1"/>
-        </a:solidFill>
-        <a:effectLst/>
-      </p:bgPr>
-    </p:bg>
-    <p:spTree>
-      <p:nvGrpSpPr>
-        <p:cNvPr id="1" name=""/>
-        <p:cNvGrpSpPr/>
-        <p:nvPr/>
-      </p:nvGrpSpPr>
-      <p:grpSpPr>
-        <a:xfrm>
-          <a:off x="0" y="0"/>
-          <a:ext cx="0" cy="0"/>
-          <a:chOff x="0" y="0"/>
-          <a:chExt cx="0" cy="0"/>
-        </a:xfrm>
-      </p:grpSpPr>
-      <p:sp useBgFill="1">
-        <p:nvSpPr>
-          <p:cNvPr id="33" name="Rectangle 32">
-            <a:extLst>
-              <a:ext uri="{FF2B5EF4-FFF2-40B4-BE49-F238E27FC236}">
-                <a16:creationId xmlns:a16="http://schemas.microsoft.com/office/drawing/2014/main" id="{DD38EE57-B708-47C9-A4A4-E25F09FAB029}"/>
-              </a:ext>
-              <a:ext uri="{C183D7F6-B498-43B3-948B-1728B52AA6E4}">
-                <adec:decorative xmlns:adec="http://schemas.microsoft.com/office/drawing/2017/decorative" val="1"/>
-              </a:ext>
-            </a:extLst>
-          </p:cNvPr>
-          <p:cNvSpPr>
-            <a:spLocks noGrp="1" noRot="1" noChangeAspect="1" noMove="1" noResize="1" noEditPoints="1" noAdjustHandles="1" noChangeArrowheads="1" noChangeShapeType="1" noTextEdit="1"/>
-          </p:cNvSpPr>
-          <p:nvPr>
-            <p:extLst>
-              <p:ext uri="{386F3935-93C4-4BCD-93E2-E3B085C9AB24}">
-                <p16:designElem xmlns:p16="http://schemas.microsoft.com/office/powerpoint/2015/main" val="1"/>
-              </p:ext>
-            </p:extLst>
-          </p:nvPr>
-        </p:nvSpPr>
-        <p:spPr>
-          <a:xfrm>
-            <a:off x="0" y="0"/>
-            <a:ext cx="12188952" cy="6858000"/>
-          </a:xfrm>
-          <a:prstGeom prst="rect">
-            <a:avLst/>
-          </a:prstGeom>
-          <a:ln>
-            <a:noFill/>
-          </a:ln>
-        </p:spPr>
-        <p:style>
-          <a:lnRef idx="2">
-            <a:schemeClr val="accent1">
-              <a:shade val="50000"/>
-            </a:schemeClr>
-          </a:lnRef>
-          <a:fillRef idx="1">
-            <a:schemeClr val="accent1"/>
-          </a:fillRef>
-          <a:effectRef idx="0">
-            <a:schemeClr val="accent1"/>
-          </a:effectRef>
-          <a:fontRef idx="minor">
-            <a:schemeClr val="lt1"/>
-          </a:fontRef>
-        </p:style>
-        <p:txBody>
-          <a:bodyPr rtlCol="0" anchor="ctr"/>
-          <a:lstStyle/>
-          <a:p>
-            <a:pPr algn="ctr"/>
-            <a:endParaRPr lang="en-US"/>
-          </a:p>
-        </p:txBody>
-      </p:sp>
-      <p:grpSp>
-        <p:nvGrpSpPr>
-          <p:cNvPr id="35" name="Group 34">
-            <a:extLst>
-              <a:ext uri="{FF2B5EF4-FFF2-40B4-BE49-F238E27FC236}">
-                <a16:creationId xmlns:a16="http://schemas.microsoft.com/office/drawing/2014/main" id="{57A28182-58A5-4DBB-8F64-BD944BCA8154}"/>
-              </a:ext>
-              <a:ext uri="{C183D7F6-B498-43B3-948B-1728B52AA6E4}">
-                <adec:decorative xmlns:adec="http://schemas.microsoft.com/office/drawing/2017/decorative" val="1"/>
-              </a:ext>
-            </a:extLst>
-          </p:cNvPr>
-          <p:cNvGrpSpPr>
-            <a:grpSpLocks noGrp="1" noUngrp="1" noRot="1" noChangeAspect="1" noMove="1" noResize="1"/>
-          </p:cNvGrpSpPr>
-          <p:nvPr>
-            <p:extLst>
-              <p:ext uri="{386F3935-93C4-4BCD-93E2-E3B085C9AB24}">
-                <p16:designElem xmlns:p16="http://schemas.microsoft.com/office/powerpoint/2015/main" val="1"/>
-              </p:ext>
-            </p:extLst>
-          </p:nvPr>
-        </p:nvGrpSpPr>
-        <p:grpSpPr>
-          <a:xfrm>
-            <a:off x="409710" y="635715"/>
-            <a:ext cx="11142208" cy="2482136"/>
-            <a:chOff x="409710" y="635715"/>
-            <a:chExt cx="11142208" cy="2482136"/>
-          </a:xfrm>
-        </p:grpSpPr>
-        <p:sp>
-          <p:nvSpPr>
-            <p:cNvPr id="36" name="Freeform 44">
-              <a:extLst>
-                <a:ext uri="{FF2B5EF4-FFF2-40B4-BE49-F238E27FC236}">
-                  <a16:creationId xmlns:a16="http://schemas.microsoft.com/office/drawing/2014/main" id="{E4A9080E-7BA6-45FC-8677-8B9D5F4DAFE0}"/>
-                </a:ext>
-                <a:ext uri="{C183D7F6-B498-43B3-948B-1728B52AA6E4}">
-                  <adec:decorative xmlns:adec="http://schemas.microsoft.com/office/drawing/2017/decorative" val="1"/>
-                </a:ext>
-              </a:extLst>
-            </p:cNvPr>
-            <p:cNvSpPr>
-              <a:spLocks/>
-            </p:cNvSpPr>
-            <p:nvPr>
-              <p:extLst>
-                <p:ext uri="{386F3935-93C4-4BCD-93E2-E3B085C9AB24}">
-                  <p16:designElem xmlns:p16="http://schemas.microsoft.com/office/powerpoint/2015/main" val="1"/>
-                </p:ext>
-              </p:extLst>
-            </p:nvPr>
-          </p:nvSpPr>
-          <p:spPr bwMode="auto">
-            <a:xfrm>
-              <a:off x="11223203" y="635716"/>
-              <a:ext cx="328612" cy="1742360"/>
-            </a:xfrm>
-            <a:custGeom>
-              <a:avLst/>
-              <a:gdLst>
-                <a:gd name="T0" fmla="*/ 207 w 207"/>
-                <a:gd name="T1" fmla="*/ 987 h 1114"/>
-                <a:gd name="T2" fmla="*/ 0 w 207"/>
-                <a:gd name="T3" fmla="*/ 1114 h 1114"/>
-                <a:gd name="T4" fmla="*/ 0 w 207"/>
-                <a:gd name="T5" fmla="*/ 127 h 1114"/>
-                <a:gd name="T6" fmla="*/ 207 w 207"/>
-                <a:gd name="T7" fmla="*/ 0 h 1114"/>
-                <a:gd name="T8" fmla="*/ 207 w 207"/>
-                <a:gd name="T9" fmla="*/ 987 h 1114"/>
-              </a:gdLst>
-              <a:ahLst/>
-              <a:cxnLst>
-                <a:cxn ang="0">
-                  <a:pos x="T0" y="T1"/>
-                </a:cxn>
-                <a:cxn ang="0">
-                  <a:pos x="T2" y="T3"/>
-                </a:cxn>
-                <a:cxn ang="0">
-                  <a:pos x="T4" y="T5"/>
-                </a:cxn>
-                <a:cxn ang="0">
-                  <a:pos x="T6" y="T7"/>
-                </a:cxn>
-                <a:cxn ang="0">
-                  <a:pos x="T8" y="T9"/>
-                </a:cxn>
-              </a:cxnLst>
-              <a:rect l="0" t="0" r="r" b="b"/>
-              <a:pathLst>
-                <a:path w="207" h="1114">
-                  <a:moveTo>
-                    <a:pt x="207" y="987"/>
-                  </a:moveTo>
-                  <a:lnTo>
-                    <a:pt x="0" y="1114"/>
-                  </a:lnTo>
-                  <a:lnTo>
-                    <a:pt x="0" y="127"/>
-                  </a:lnTo>
-                  <a:lnTo>
-                    <a:pt x="207" y="0"/>
-                  </a:lnTo>
-                  <a:lnTo>
-                    <a:pt x="207" y="987"/>
-                  </a:lnTo>
-                  <a:close/>
-                </a:path>
-              </a:pathLst>
-            </a:custGeom>
-            <a:solidFill>
-              <a:schemeClr val="accent1">
-                <a:lumMod val="50000"/>
-              </a:schemeClr>
-            </a:solidFill>
-            <a:ln>
-              <a:noFill/>
-            </a:ln>
-          </p:spPr>
-          <p:txBody>
-            <a:bodyPr vert="horz" wrap="square" lIns="91440" tIns="45720" rIns="91440" bIns="45720" numCol="1" anchor="t" anchorCtr="0" compatLnSpc="1">
-              <a:prstTxWarp prst="textNoShape">
-                <a:avLst/>
-              </a:prstTxWarp>
-            </a:bodyPr>
-            <a:lstStyle/>
-            <a:p>
-              <a:endParaRPr lang="en-US"/>
-            </a:p>
-          </p:txBody>
-        </p:sp>
-        <p:sp>
-          <p:nvSpPr>
-            <p:cNvPr id="37" name="Freeform 45">
-              <a:extLst>
-                <a:ext uri="{FF2B5EF4-FFF2-40B4-BE49-F238E27FC236}">
-                  <a16:creationId xmlns:a16="http://schemas.microsoft.com/office/drawing/2014/main" id="{2163D516-75D4-4DE0-AC27-63719125AE52}"/>
-                </a:ext>
-                <a:ext uri="{C183D7F6-B498-43B3-948B-1728B52AA6E4}">
-                  <adec:decorative xmlns:adec="http://schemas.microsoft.com/office/drawing/2017/decorative" val="1"/>
-                </a:ext>
-              </a:extLst>
-            </p:cNvPr>
-            <p:cNvSpPr>
-              <a:spLocks/>
-            </p:cNvSpPr>
-            <p:nvPr>
-              <p:extLst>
-                <p:ext uri="{386F3935-93C4-4BCD-93E2-E3B085C9AB24}">
-                  <p16:designElem xmlns:p16="http://schemas.microsoft.com/office/powerpoint/2015/main" val="1"/>
-                </p:ext>
-              </p:extLst>
-            </p:nvPr>
-          </p:nvSpPr>
-          <p:spPr bwMode="auto">
-            <a:xfrm>
-              <a:off x="409710" y="1022350"/>
-              <a:ext cx="709612" cy="2095501"/>
-            </a:xfrm>
-            <a:custGeom>
-              <a:avLst/>
-              <a:gdLst>
-                <a:gd name="T0" fmla="*/ 447 w 447"/>
-                <a:gd name="T1" fmla="*/ 1363 h 1363"/>
-                <a:gd name="T2" fmla="*/ 0 w 447"/>
-                <a:gd name="T3" fmla="*/ 987 h 1363"/>
-                <a:gd name="T4" fmla="*/ 0 w 447"/>
-                <a:gd name="T5" fmla="*/ 0 h 1363"/>
-                <a:gd name="T6" fmla="*/ 447 w 447"/>
-                <a:gd name="T7" fmla="*/ 376 h 1363"/>
-                <a:gd name="T8" fmla="*/ 447 w 447"/>
-                <a:gd name="T9" fmla="*/ 1363 h 1363"/>
-              </a:gdLst>
-              <a:ahLst/>
-              <a:cxnLst>
-                <a:cxn ang="0">
-                  <a:pos x="T0" y="T1"/>
-                </a:cxn>
-                <a:cxn ang="0">
-                  <a:pos x="T2" y="T3"/>
-                </a:cxn>
-                <a:cxn ang="0">
-                  <a:pos x="T4" y="T5"/>
-                </a:cxn>
-                <a:cxn ang="0">
-                  <a:pos x="T6" y="T7"/>
-                </a:cxn>
-                <a:cxn ang="0">
-                  <a:pos x="T8" y="T9"/>
-                </a:cxn>
-              </a:cxnLst>
-              <a:rect l="0" t="0" r="r" b="b"/>
-              <a:pathLst>
-                <a:path w="447" h="1363">
-                  <a:moveTo>
-                    <a:pt x="447" y="1363"/>
-                  </a:moveTo>
-                  <a:lnTo>
-                    <a:pt x="0" y="987"/>
-                  </a:lnTo>
-                  <a:lnTo>
-                    <a:pt x="0" y="0"/>
-                  </a:lnTo>
-                  <a:lnTo>
-                    <a:pt x="447" y="376"/>
-                  </a:lnTo>
-                  <a:lnTo>
-                    <a:pt x="447" y="1363"/>
-                  </a:lnTo>
-                  <a:close/>
-                </a:path>
-              </a:pathLst>
-            </a:custGeom>
-            <a:solidFill>
-              <a:schemeClr val="accent1">
-                <a:lumMod val="50000"/>
-              </a:schemeClr>
-            </a:solidFill>
-            <a:ln>
-              <a:noFill/>
-            </a:ln>
-          </p:spPr>
-          <p:txBody>
-            <a:bodyPr vert="horz" wrap="square" lIns="91440" tIns="45720" rIns="91440" bIns="45720" numCol="1" anchor="t" anchorCtr="0" compatLnSpc="1">
-              <a:prstTxWarp prst="textNoShape">
-                <a:avLst/>
-              </a:prstTxWarp>
-            </a:bodyPr>
-            <a:lstStyle/>
-            <a:p>
-              <a:endParaRPr lang="en-US"/>
-            </a:p>
-          </p:txBody>
-        </p:sp>
-        <p:sp>
-          <p:nvSpPr>
-            <p:cNvPr id="38" name="Freeform 46">
-              <a:extLst>
-                <a:ext uri="{FF2B5EF4-FFF2-40B4-BE49-F238E27FC236}">
-                  <a16:creationId xmlns:a16="http://schemas.microsoft.com/office/drawing/2014/main" id="{E74A26A5-C23A-46D4-B0FF-155FB3834621}"/>
-                </a:ext>
-                <a:ext uri="{C183D7F6-B498-43B3-948B-1728B52AA6E4}">
-                  <adec:decorative xmlns:adec="http://schemas.microsoft.com/office/drawing/2017/decorative" val="1"/>
-                </a:ext>
-              </a:extLst>
-            </p:cNvPr>
-            <p:cNvSpPr>
-              <a:spLocks/>
-            </p:cNvSpPr>
-            <p:nvPr>
-              <p:extLst>
-                <p:ext uri="{386F3935-93C4-4BCD-93E2-E3B085C9AB24}">
-                  <p16:designElem xmlns:p16="http://schemas.microsoft.com/office/powerpoint/2015/main" val="1"/>
-                </p:ext>
-              </p:extLst>
-            </p:nvPr>
-          </p:nvSpPr>
-          <p:spPr bwMode="auto">
-            <a:xfrm>
-              <a:off x="409710" y="837744"/>
-              <a:ext cx="403225" cy="1705431"/>
-            </a:xfrm>
-            <a:custGeom>
-              <a:avLst/>
-              <a:gdLst>
-                <a:gd name="T0" fmla="*/ 254 w 254"/>
-                <a:gd name="T1" fmla="*/ 987 h 1109"/>
-                <a:gd name="T2" fmla="*/ 0 w 254"/>
-                <a:gd name="T3" fmla="*/ 1109 h 1109"/>
-                <a:gd name="T4" fmla="*/ 0 w 254"/>
-                <a:gd name="T5" fmla="*/ 119 h 1109"/>
-                <a:gd name="T6" fmla="*/ 254 w 254"/>
-                <a:gd name="T7" fmla="*/ 0 h 1109"/>
-                <a:gd name="T8" fmla="*/ 254 w 254"/>
-                <a:gd name="T9" fmla="*/ 987 h 1109"/>
-              </a:gdLst>
-              <a:ahLst/>
-              <a:cxnLst>
-                <a:cxn ang="0">
-                  <a:pos x="T0" y="T1"/>
-                </a:cxn>
-                <a:cxn ang="0">
-                  <a:pos x="T2" y="T3"/>
-                </a:cxn>
-                <a:cxn ang="0">
-                  <a:pos x="T4" y="T5"/>
-                </a:cxn>
-                <a:cxn ang="0">
-                  <a:pos x="T6" y="T7"/>
-                </a:cxn>
-                <a:cxn ang="0">
-                  <a:pos x="T8" y="T9"/>
-                </a:cxn>
-              </a:cxnLst>
-              <a:rect l="0" t="0" r="r" b="b"/>
-              <a:pathLst>
-                <a:path w="254" h="1109">
-                  <a:moveTo>
-                    <a:pt x="254" y="987"/>
-                  </a:moveTo>
-                  <a:lnTo>
-                    <a:pt x="0" y="1109"/>
-                  </a:lnTo>
-                  <a:lnTo>
-                    <a:pt x="0" y="119"/>
-                  </a:lnTo>
-                  <a:lnTo>
-                    <a:pt x="254" y="0"/>
-                  </a:lnTo>
-                  <a:lnTo>
-                    <a:pt x="254" y="987"/>
-                  </a:lnTo>
-                  <a:close/>
-                </a:path>
-              </a:pathLst>
-            </a:custGeom>
-            <a:solidFill>
-              <a:schemeClr val="accent1">
-                <a:lumMod val="75000"/>
-              </a:schemeClr>
-            </a:solidFill>
-            <a:ln>
-              <a:noFill/>
-            </a:ln>
-          </p:spPr>
-          <p:txBody>
-            <a:bodyPr vert="horz" wrap="square" lIns="91440" tIns="45720" rIns="91440" bIns="45720" numCol="1" anchor="t" anchorCtr="0" compatLnSpc="1">
-              <a:prstTxWarp prst="textNoShape">
-                <a:avLst/>
-              </a:prstTxWarp>
-            </a:bodyPr>
-            <a:lstStyle/>
-            <a:p>
-              <a:endParaRPr lang="en-US"/>
-            </a:p>
-          </p:txBody>
-        </p:sp>
-        <p:sp>
-          <p:nvSpPr>
-            <p:cNvPr id="39" name="Freeform 47">
-              <a:extLst>
-                <a:ext uri="{FF2B5EF4-FFF2-40B4-BE49-F238E27FC236}">
-                  <a16:creationId xmlns:a16="http://schemas.microsoft.com/office/drawing/2014/main" id="{08E0243F-1062-43C6-AD04-130DFF66840E}"/>
-                </a:ext>
-                <a:ext uri="{C183D7F6-B498-43B3-948B-1728B52AA6E4}">
-                  <adec:decorative xmlns:adec="http://schemas.microsoft.com/office/drawing/2017/decorative" val="1"/>
-                </a:ext>
-              </a:extLst>
-            </p:cNvPr>
-            <p:cNvSpPr>
-              <a:spLocks/>
-            </p:cNvSpPr>
-            <p:nvPr>
-              <p:extLst>
-                <p:ext uri="{386F3935-93C4-4BCD-93E2-E3B085C9AB24}">
-                  <p16:designElem xmlns:p16="http://schemas.microsoft.com/office/powerpoint/2015/main" val="1"/>
-                </p:ext>
-              </p:extLst>
-            </p:nvPr>
-          </p:nvSpPr>
-          <p:spPr bwMode="auto">
-            <a:xfrm>
-              <a:off x="644660" y="640894"/>
-              <a:ext cx="168275" cy="1713195"/>
-            </a:xfrm>
-            <a:custGeom>
-              <a:avLst/>
-              <a:gdLst>
-                <a:gd name="T0" fmla="*/ 106 w 106"/>
-                <a:gd name="T1" fmla="*/ 1114 h 1114"/>
-                <a:gd name="T2" fmla="*/ 0 w 106"/>
-                <a:gd name="T3" fmla="*/ 1005 h 1114"/>
-                <a:gd name="T4" fmla="*/ 0 w 106"/>
-                <a:gd name="T5" fmla="*/ 0 h 1114"/>
-                <a:gd name="T6" fmla="*/ 106 w 106"/>
-                <a:gd name="T7" fmla="*/ 110 h 1114"/>
-                <a:gd name="T8" fmla="*/ 106 w 106"/>
-                <a:gd name="T9" fmla="*/ 1114 h 1114"/>
-              </a:gdLst>
-              <a:ahLst/>
-              <a:cxnLst>
-                <a:cxn ang="0">
-                  <a:pos x="T0" y="T1"/>
-                </a:cxn>
-                <a:cxn ang="0">
-                  <a:pos x="T2" y="T3"/>
-                </a:cxn>
-                <a:cxn ang="0">
-                  <a:pos x="T4" y="T5"/>
-                </a:cxn>
-                <a:cxn ang="0">
-                  <a:pos x="T6" y="T7"/>
-                </a:cxn>
-                <a:cxn ang="0">
-                  <a:pos x="T8" y="T9"/>
-                </a:cxn>
-              </a:cxnLst>
-              <a:rect l="0" t="0" r="r" b="b"/>
-              <a:pathLst>
-                <a:path w="106" h="1114">
-                  <a:moveTo>
-                    <a:pt x="106" y="1114"/>
-                  </a:moveTo>
-                  <a:lnTo>
-                    <a:pt x="0" y="1005"/>
-                  </a:lnTo>
-                  <a:lnTo>
-                    <a:pt x="0" y="0"/>
-                  </a:lnTo>
-                  <a:lnTo>
-                    <a:pt x="106" y="110"/>
-                  </a:lnTo>
-                  <a:lnTo>
-                    <a:pt x="106" y="1114"/>
-                  </a:lnTo>
-                  <a:close/>
-                </a:path>
-              </a:pathLst>
-            </a:custGeom>
-            <a:solidFill>
-              <a:schemeClr val="accent1">
-                <a:lumMod val="50000"/>
-              </a:schemeClr>
-            </a:solidFill>
-            <a:ln>
-              <a:noFill/>
-            </a:ln>
-          </p:spPr>
-          <p:txBody>
-            <a:bodyPr vert="horz" wrap="square" lIns="91440" tIns="45720" rIns="91440" bIns="45720" numCol="1" anchor="t" anchorCtr="0" compatLnSpc="1">
-              <a:prstTxWarp prst="textNoShape">
-                <a:avLst/>
-              </a:prstTxWarp>
-            </a:bodyPr>
-            <a:lstStyle/>
-            <a:p>
-              <a:endParaRPr lang="en-US"/>
-            </a:p>
-          </p:txBody>
-        </p:sp>
-        <p:sp>
-          <p:nvSpPr>
-            <p:cNvPr id="40" name="Rectangle 39">
-              <a:extLst>
-                <a:ext uri="{FF2B5EF4-FFF2-40B4-BE49-F238E27FC236}">
-                  <a16:creationId xmlns:a16="http://schemas.microsoft.com/office/drawing/2014/main" id="{94C5517B-1B0F-47AA-93A5-36718996986F}"/>
-                </a:ext>
-                <a:ext uri="{C183D7F6-B498-43B3-948B-1728B52AA6E4}">
-                  <adec:decorative xmlns:adec="http://schemas.microsoft.com/office/drawing/2017/decorative" val="1"/>
-                </a:ext>
-              </a:extLst>
-            </p:cNvPr>
-            <p:cNvSpPr>
-              <a:spLocks noChangeArrowheads="1"/>
-            </p:cNvSpPr>
-            <p:nvPr>
-              <p:extLst>
-                <p:ext uri="{386F3935-93C4-4BCD-93E2-E3B085C9AB24}">
-                  <p16:designElem xmlns:p16="http://schemas.microsoft.com/office/powerpoint/2015/main" val="1"/>
-                </p:ext>
-              </p:extLst>
-            </p:nvPr>
-          </p:nvSpPr>
-          <p:spPr bwMode="auto">
-            <a:xfrm>
-              <a:off x="644055" y="635715"/>
-              <a:ext cx="10907863" cy="1541457"/>
-            </a:xfrm>
-            <a:prstGeom prst="rect">
-              <a:avLst/>
-            </a:prstGeom>
-            <a:solidFill>
-              <a:schemeClr val="accent1"/>
-            </a:solidFill>
-            <a:ln>
-              <a:noFill/>
-            </a:ln>
-          </p:spPr>
-          <p:txBody>
-            <a:bodyPr vert="horz" wrap="square" lIns="91440" tIns="45720" rIns="91440" bIns="45720" numCol="1" anchor="t" anchorCtr="0" compatLnSpc="1">
-              <a:prstTxWarp prst="textNoShape">
-                <a:avLst/>
-              </a:prstTxWarp>
-            </a:bodyPr>
-            <a:lstStyle/>
-            <a:p>
-              <a:endParaRPr lang="en-US"/>
-            </a:p>
-          </p:txBody>
-        </p:sp>
-      </p:grpSp>
-      <p:sp>
-        <p:nvSpPr>
-          <p:cNvPr id="2" name="Title 1">
-            <a:extLst>
-              <a:ext uri="{FF2B5EF4-FFF2-40B4-BE49-F238E27FC236}">
-                <a16:creationId xmlns:a16="http://schemas.microsoft.com/office/drawing/2014/main" id="{3032736B-ECF9-4859-83C3-B3F243B34DE4}"/>
-              </a:ext>
-            </a:extLst>
-          </p:cNvPr>
-          <p:cNvSpPr>
-            <a:spLocks noGrp="1"/>
-          </p:cNvSpPr>
-          <p:nvPr>
-            <p:ph type="title"/>
-          </p:nvPr>
-        </p:nvSpPr>
-        <p:spPr>
-          <a:xfrm>
-            <a:off x="1047280" y="759805"/>
-            <a:ext cx="10306520" cy="1325563"/>
-          </a:xfrm>
-        </p:spPr>
-        <p:txBody>
-          <a:bodyPr>
-            <a:normAutofit/>
-          </a:bodyPr>
-          <a:lstStyle/>
-          <a:p>
-            <a:r>
-              <a:rPr lang="en-US" sz="4000" dirty="0">
-                <a:solidFill>
-                  <a:srgbClr val="FFFFFF"/>
-                </a:solidFill>
-              </a:rPr>
-              <a:t>The 4 C’s- Clarity</a:t>
-            </a:r>
-          </a:p>
-        </p:txBody>
-      </p:sp>
-      <p:sp>
-        <p:nvSpPr>
-          <p:cNvPr id="22" name="Content Placeholder 2">
-            <a:extLst>
-              <a:ext uri="{FF2B5EF4-FFF2-40B4-BE49-F238E27FC236}">
-                <a16:creationId xmlns:a16="http://schemas.microsoft.com/office/drawing/2014/main" id="{74660F12-6C21-4684-86FD-E5E254F5D04C}"/>
-              </a:ext>
-            </a:extLst>
-          </p:cNvPr>
-          <p:cNvSpPr>
-            <a:spLocks noGrp="1"/>
-          </p:cNvSpPr>
-          <p:nvPr>
-            <p:ph idx="1"/>
-          </p:nvPr>
-        </p:nvSpPr>
-        <p:spPr>
-          <a:xfrm>
-            <a:off x="1222645" y="2177172"/>
-            <a:ext cx="10000455" cy="826087"/>
-          </a:xfrm>
-        </p:spPr>
-        <p:txBody>
-          <a:bodyPr anchor="ctr">
-            <a:normAutofit/>
-          </a:bodyPr>
-          <a:lstStyle/>
-          <a:p>
-            <a:pPr marL="0" marR="0" indent="0" algn="ctr">
-              <a:spcBef>
-                <a:spcPts val="0"/>
-              </a:spcBef>
-              <a:spcAft>
-                <a:spcPts val="800"/>
-              </a:spcAft>
-              <a:buNone/>
-            </a:pPr>
-            <a:r>
-              <a:rPr lang="en-US" sz="1800" dirty="0">
-                <a:latin typeface="Calibri" panose="020F0502020204030204" pitchFamily="34" charset="0"/>
-                <a:ea typeface="Times New Roman" panose="02020603050405020304" pitchFamily="18" charset="0"/>
-                <a:cs typeface="Times New Roman" panose="02020603050405020304" pitchFamily="18" charset="0"/>
-              </a:rPr>
-              <a:t>C</a:t>
-            </a:r>
-            <a:r>
-              <a:rPr lang="en-US" sz="1800" dirty="0">
-                <a:effectLst/>
-                <a:latin typeface="Calibri" panose="020F0502020204030204" pitchFamily="34" charset="0"/>
-                <a:ea typeface="Times New Roman" panose="02020603050405020304" pitchFamily="18" charset="0"/>
-                <a:cs typeface="Times New Roman" panose="02020603050405020304" pitchFamily="18" charset="0"/>
-              </a:rPr>
-              <a:t>larity defines the degree that a diamond is flawed.  Clarity grade is based on the size, number, position of, and color of the diamond’s flaws.</a:t>
-            </a:r>
-            <a:endParaRPr lang="en-US" sz="2000" dirty="0"/>
-          </a:p>
-        </p:txBody>
-      </p:sp>
-      <p:pic>
-        <p:nvPicPr>
-          <p:cNvPr id="23" name="Picture 22">
-            <a:extLst>
-              <a:ext uri="{FF2B5EF4-FFF2-40B4-BE49-F238E27FC236}">
-                <a16:creationId xmlns:a16="http://schemas.microsoft.com/office/drawing/2014/main" id="{B551851D-3296-488A-89F6-92A020390769}"/>
-              </a:ext>
-            </a:extLst>
-          </p:cNvPr>
-          <p:cNvPicPr>
-            <a:picLocks noChangeAspect="1"/>
-          </p:cNvPicPr>
-          <p:nvPr/>
-        </p:nvPicPr>
-        <p:blipFill>
-          <a:blip r:embed="rId2"/>
-          <a:stretch>
-            <a:fillRect/>
-          </a:stretch>
-        </p:blipFill>
-        <p:spPr>
-          <a:xfrm>
-            <a:off x="1345921" y="3110791"/>
-            <a:ext cx="9877179" cy="3306285"/>
-          </a:xfrm>
-          <a:prstGeom prst="rect">
-            <a:avLst/>
-          </a:prstGeom>
-        </p:spPr>
-      </p:pic>
-    </p:spTree>
-    <p:extLst>
-      <p:ext uri="{BB962C8B-B14F-4D97-AF65-F5344CB8AC3E}">
-        <p14:creationId xmlns:p14="http://schemas.microsoft.com/office/powerpoint/2010/main" val="2675655627"/>
-      </p:ext>
-    </p:extLst>
-  </p:cSld>
-  <p:clrMapOvr>
-    <a:masterClrMapping/>
-  </p:clrMapOvr>
-</p:sld>
-</file>
-
-<file path=ppt/slides/slide6.xml><?xml version="1.0" encoding="utf-8"?>
-<p:sld xmlns:a="http://schemas.openxmlformats.org/drawingml/2006/main" xmlns:r="http://schemas.openxmlformats.org/officeDocument/2006/relationships" xmlns:p="http://schemas.openxmlformats.org/presentationml/2006/main">
-  <p:cSld>
-    <p:bg>
-      <p:bgPr>
-        <a:solidFill>
-          <a:schemeClr val="bg1"/>
-        </a:solidFill>
-        <a:effectLst/>
-      </p:bgPr>
-    </p:bg>
-    <p:spTree>
-      <p:nvGrpSpPr>
-        <p:cNvPr id="1" name=""/>
-        <p:cNvGrpSpPr/>
-        <p:nvPr/>
-      </p:nvGrpSpPr>
-      <p:grpSpPr>
-        <a:xfrm>
-          <a:off x="0" y="0"/>
-          <a:ext cx="0" cy="0"/>
-          <a:chOff x="0" y="0"/>
-          <a:chExt cx="0" cy="0"/>
-        </a:xfrm>
-      </p:grpSpPr>
-      <p:sp useBgFill="1">
-        <p:nvSpPr>
-          <p:cNvPr id="28" name="Rectangle 27">
-            <a:extLst>
-              <a:ext uri="{FF2B5EF4-FFF2-40B4-BE49-F238E27FC236}">
-                <a16:creationId xmlns:a16="http://schemas.microsoft.com/office/drawing/2014/main" id="{DD38EE57-B708-47C9-A4A4-E25F09FAB029}"/>
-              </a:ext>
-              <a:ext uri="{C183D7F6-B498-43B3-948B-1728B52AA6E4}">
-                <adec:decorative xmlns:adec="http://schemas.microsoft.com/office/drawing/2017/decorative" val="1"/>
-              </a:ext>
-            </a:extLst>
-          </p:cNvPr>
-          <p:cNvSpPr>
-            <a:spLocks noGrp="1" noRot="1" noChangeAspect="1" noMove="1" noResize="1" noEditPoints="1" noAdjustHandles="1" noChangeArrowheads="1" noChangeShapeType="1" noTextEdit="1"/>
-          </p:cNvSpPr>
-          <p:nvPr>
-            <p:extLst>
-              <p:ext uri="{386F3935-93C4-4BCD-93E2-E3B085C9AB24}">
-                <p16:designElem xmlns:p16="http://schemas.microsoft.com/office/powerpoint/2015/main" val="1"/>
-              </p:ext>
-            </p:extLst>
-          </p:nvPr>
-        </p:nvSpPr>
-        <p:spPr>
-          <a:xfrm>
-            <a:off x="0" y="0"/>
-            <a:ext cx="12188952" cy="6858000"/>
-          </a:xfrm>
-          <a:prstGeom prst="rect">
-            <a:avLst/>
-          </a:prstGeom>
-          <a:ln>
-            <a:noFill/>
-          </a:ln>
-        </p:spPr>
-        <p:style>
-          <a:lnRef idx="2">
-            <a:schemeClr val="accent1">
-              <a:shade val="50000"/>
-            </a:schemeClr>
-          </a:lnRef>
-          <a:fillRef idx="1">
-            <a:schemeClr val="accent1"/>
-          </a:fillRef>
-          <a:effectRef idx="0">
-            <a:schemeClr val="accent1"/>
-          </a:effectRef>
-          <a:fontRef idx="minor">
-            <a:schemeClr val="lt1"/>
-          </a:fontRef>
-        </p:style>
-        <p:txBody>
-          <a:bodyPr rtlCol="0" anchor="ctr"/>
-          <a:lstStyle/>
-          <a:p>
-            <a:pPr algn="ctr"/>
-            <a:endParaRPr lang="en-US"/>
-          </a:p>
-        </p:txBody>
-      </p:sp>
-      <p:grpSp>
-        <p:nvGrpSpPr>
-          <p:cNvPr id="30" name="Group 29">
-            <a:extLst>
-              <a:ext uri="{FF2B5EF4-FFF2-40B4-BE49-F238E27FC236}">
-                <a16:creationId xmlns:a16="http://schemas.microsoft.com/office/drawing/2014/main" id="{57A28182-58A5-4DBB-8F64-BD944BCA8154}"/>
-              </a:ext>
-              <a:ext uri="{C183D7F6-B498-43B3-948B-1728B52AA6E4}">
-                <adec:decorative xmlns:adec="http://schemas.microsoft.com/office/drawing/2017/decorative" val="1"/>
-              </a:ext>
-            </a:extLst>
-          </p:cNvPr>
-          <p:cNvGrpSpPr>
-            <a:grpSpLocks noGrp="1" noUngrp="1" noRot="1" noChangeAspect="1" noMove="1" noResize="1"/>
-          </p:cNvGrpSpPr>
-          <p:nvPr>
-            <p:extLst>
-              <p:ext uri="{386F3935-93C4-4BCD-93E2-E3B085C9AB24}">
-                <p16:designElem xmlns:p16="http://schemas.microsoft.com/office/powerpoint/2015/main" val="1"/>
-              </p:ext>
-            </p:extLst>
-          </p:nvPr>
-        </p:nvGrpSpPr>
-        <p:grpSpPr>
-          <a:xfrm>
-            <a:off x="409710" y="635715"/>
-            <a:ext cx="11142208" cy="2482136"/>
-            <a:chOff x="409710" y="635715"/>
-            <a:chExt cx="11142208" cy="2482136"/>
-          </a:xfrm>
-        </p:grpSpPr>
-        <p:sp>
-          <p:nvSpPr>
-            <p:cNvPr id="31" name="Freeform 44">
-              <a:extLst>
-                <a:ext uri="{FF2B5EF4-FFF2-40B4-BE49-F238E27FC236}">
-                  <a16:creationId xmlns:a16="http://schemas.microsoft.com/office/drawing/2014/main" id="{E4A9080E-7BA6-45FC-8677-8B9D5F4DAFE0}"/>
-                </a:ext>
-                <a:ext uri="{C183D7F6-B498-43B3-948B-1728B52AA6E4}">
-                  <adec:decorative xmlns:adec="http://schemas.microsoft.com/office/drawing/2017/decorative" val="1"/>
-                </a:ext>
-              </a:extLst>
-            </p:cNvPr>
-            <p:cNvSpPr>
-              <a:spLocks/>
-            </p:cNvSpPr>
-            <p:nvPr>
-              <p:extLst>
-                <p:ext uri="{386F3935-93C4-4BCD-93E2-E3B085C9AB24}">
-                  <p16:designElem xmlns:p16="http://schemas.microsoft.com/office/powerpoint/2015/main" val="1"/>
-                </p:ext>
-              </p:extLst>
-            </p:nvPr>
-          </p:nvSpPr>
-          <p:spPr bwMode="auto">
-            <a:xfrm>
-              <a:off x="11223203" y="635716"/>
-              <a:ext cx="328612" cy="1742360"/>
-            </a:xfrm>
-            <a:custGeom>
-              <a:avLst/>
-              <a:gdLst>
-                <a:gd name="T0" fmla="*/ 207 w 207"/>
-                <a:gd name="T1" fmla="*/ 987 h 1114"/>
-                <a:gd name="T2" fmla="*/ 0 w 207"/>
-                <a:gd name="T3" fmla="*/ 1114 h 1114"/>
-                <a:gd name="T4" fmla="*/ 0 w 207"/>
-                <a:gd name="T5" fmla="*/ 127 h 1114"/>
-                <a:gd name="T6" fmla="*/ 207 w 207"/>
-                <a:gd name="T7" fmla="*/ 0 h 1114"/>
-                <a:gd name="T8" fmla="*/ 207 w 207"/>
-                <a:gd name="T9" fmla="*/ 987 h 1114"/>
-              </a:gdLst>
-              <a:ahLst/>
-              <a:cxnLst>
-                <a:cxn ang="0">
-                  <a:pos x="T0" y="T1"/>
-                </a:cxn>
-                <a:cxn ang="0">
-                  <a:pos x="T2" y="T3"/>
-                </a:cxn>
-                <a:cxn ang="0">
-                  <a:pos x="T4" y="T5"/>
-                </a:cxn>
-                <a:cxn ang="0">
-                  <a:pos x="T6" y="T7"/>
-                </a:cxn>
-                <a:cxn ang="0">
-                  <a:pos x="T8" y="T9"/>
-                </a:cxn>
-              </a:cxnLst>
-              <a:rect l="0" t="0" r="r" b="b"/>
-              <a:pathLst>
-                <a:path w="207" h="1114">
-                  <a:moveTo>
-                    <a:pt x="207" y="987"/>
-                  </a:moveTo>
-                  <a:lnTo>
-                    <a:pt x="0" y="1114"/>
-                  </a:lnTo>
-                  <a:lnTo>
-                    <a:pt x="0" y="127"/>
-                  </a:lnTo>
-                  <a:lnTo>
-                    <a:pt x="207" y="0"/>
-                  </a:lnTo>
-                  <a:lnTo>
-                    <a:pt x="207" y="987"/>
-                  </a:lnTo>
-                  <a:close/>
-                </a:path>
-              </a:pathLst>
-            </a:custGeom>
-            <a:solidFill>
-              <a:schemeClr val="accent1">
-                <a:lumMod val="50000"/>
-              </a:schemeClr>
-            </a:solidFill>
-            <a:ln>
-              <a:noFill/>
-            </a:ln>
-          </p:spPr>
-          <p:txBody>
-            <a:bodyPr vert="horz" wrap="square" lIns="91440" tIns="45720" rIns="91440" bIns="45720" numCol="1" anchor="t" anchorCtr="0" compatLnSpc="1">
-              <a:prstTxWarp prst="textNoShape">
-                <a:avLst/>
-              </a:prstTxWarp>
-            </a:bodyPr>
-            <a:lstStyle/>
-            <a:p>
-              <a:endParaRPr lang="en-US"/>
-            </a:p>
-          </p:txBody>
-        </p:sp>
-        <p:sp>
-          <p:nvSpPr>
-            <p:cNvPr id="32" name="Freeform 45">
-              <a:extLst>
-                <a:ext uri="{FF2B5EF4-FFF2-40B4-BE49-F238E27FC236}">
-                  <a16:creationId xmlns:a16="http://schemas.microsoft.com/office/drawing/2014/main" id="{2163D516-75D4-4DE0-AC27-63719125AE52}"/>
-                </a:ext>
-                <a:ext uri="{C183D7F6-B498-43B3-948B-1728B52AA6E4}">
-                  <adec:decorative xmlns:adec="http://schemas.microsoft.com/office/drawing/2017/decorative" val="1"/>
-                </a:ext>
-              </a:extLst>
-            </p:cNvPr>
-            <p:cNvSpPr>
-              <a:spLocks/>
-            </p:cNvSpPr>
-            <p:nvPr>
-              <p:extLst>
-                <p:ext uri="{386F3935-93C4-4BCD-93E2-E3B085C9AB24}">
-                  <p16:designElem xmlns:p16="http://schemas.microsoft.com/office/powerpoint/2015/main" val="1"/>
-                </p:ext>
-              </p:extLst>
-            </p:nvPr>
-          </p:nvSpPr>
-          <p:spPr bwMode="auto">
-            <a:xfrm>
-              <a:off x="409710" y="1022350"/>
-              <a:ext cx="709612" cy="2095501"/>
-            </a:xfrm>
-            <a:custGeom>
-              <a:avLst/>
-              <a:gdLst>
-                <a:gd name="T0" fmla="*/ 447 w 447"/>
-                <a:gd name="T1" fmla="*/ 1363 h 1363"/>
-                <a:gd name="T2" fmla="*/ 0 w 447"/>
-                <a:gd name="T3" fmla="*/ 987 h 1363"/>
-                <a:gd name="T4" fmla="*/ 0 w 447"/>
-                <a:gd name="T5" fmla="*/ 0 h 1363"/>
-                <a:gd name="T6" fmla="*/ 447 w 447"/>
-                <a:gd name="T7" fmla="*/ 376 h 1363"/>
-                <a:gd name="T8" fmla="*/ 447 w 447"/>
-                <a:gd name="T9" fmla="*/ 1363 h 1363"/>
-              </a:gdLst>
-              <a:ahLst/>
-              <a:cxnLst>
-                <a:cxn ang="0">
-                  <a:pos x="T0" y="T1"/>
-                </a:cxn>
-                <a:cxn ang="0">
-                  <a:pos x="T2" y="T3"/>
-                </a:cxn>
-                <a:cxn ang="0">
-                  <a:pos x="T4" y="T5"/>
-                </a:cxn>
-                <a:cxn ang="0">
-                  <a:pos x="T6" y="T7"/>
-                </a:cxn>
-                <a:cxn ang="0">
-                  <a:pos x="T8" y="T9"/>
-                </a:cxn>
-              </a:cxnLst>
-              <a:rect l="0" t="0" r="r" b="b"/>
-              <a:pathLst>
-                <a:path w="447" h="1363">
-                  <a:moveTo>
-                    <a:pt x="447" y="1363"/>
-                  </a:moveTo>
-                  <a:lnTo>
-                    <a:pt x="0" y="987"/>
-                  </a:lnTo>
-                  <a:lnTo>
-                    <a:pt x="0" y="0"/>
-                  </a:lnTo>
-                  <a:lnTo>
-                    <a:pt x="447" y="376"/>
-                  </a:lnTo>
-                  <a:lnTo>
-                    <a:pt x="447" y="1363"/>
-                  </a:lnTo>
-                  <a:close/>
-                </a:path>
-              </a:pathLst>
-            </a:custGeom>
-            <a:solidFill>
-              <a:schemeClr val="accent1">
-                <a:lumMod val="50000"/>
-              </a:schemeClr>
-            </a:solidFill>
-            <a:ln>
-              <a:noFill/>
-            </a:ln>
-          </p:spPr>
-          <p:txBody>
-            <a:bodyPr vert="horz" wrap="square" lIns="91440" tIns="45720" rIns="91440" bIns="45720" numCol="1" anchor="t" anchorCtr="0" compatLnSpc="1">
-              <a:prstTxWarp prst="textNoShape">
-                <a:avLst/>
-              </a:prstTxWarp>
-            </a:bodyPr>
-            <a:lstStyle/>
-            <a:p>
-              <a:endParaRPr lang="en-US"/>
-            </a:p>
-          </p:txBody>
-        </p:sp>
-        <p:sp>
-          <p:nvSpPr>
-            <p:cNvPr id="33" name="Freeform 46">
-              <a:extLst>
-                <a:ext uri="{FF2B5EF4-FFF2-40B4-BE49-F238E27FC236}">
-                  <a16:creationId xmlns:a16="http://schemas.microsoft.com/office/drawing/2014/main" id="{E74A26A5-C23A-46D4-B0FF-155FB3834621}"/>
-                </a:ext>
-                <a:ext uri="{C183D7F6-B498-43B3-948B-1728B52AA6E4}">
-                  <adec:decorative xmlns:adec="http://schemas.microsoft.com/office/drawing/2017/decorative" val="1"/>
-                </a:ext>
-              </a:extLst>
-            </p:cNvPr>
-            <p:cNvSpPr>
-              <a:spLocks/>
-            </p:cNvSpPr>
-            <p:nvPr>
-              <p:extLst>
-                <p:ext uri="{386F3935-93C4-4BCD-93E2-E3B085C9AB24}">
-                  <p16:designElem xmlns:p16="http://schemas.microsoft.com/office/powerpoint/2015/main" val="1"/>
-                </p:ext>
-              </p:extLst>
-            </p:nvPr>
-          </p:nvSpPr>
-          <p:spPr bwMode="auto">
-            <a:xfrm>
-              <a:off x="409710" y="837744"/>
-              <a:ext cx="403225" cy="1705431"/>
-            </a:xfrm>
-            <a:custGeom>
-              <a:avLst/>
-              <a:gdLst>
-                <a:gd name="T0" fmla="*/ 254 w 254"/>
-                <a:gd name="T1" fmla="*/ 987 h 1109"/>
-                <a:gd name="T2" fmla="*/ 0 w 254"/>
-                <a:gd name="T3" fmla="*/ 1109 h 1109"/>
-                <a:gd name="T4" fmla="*/ 0 w 254"/>
-                <a:gd name="T5" fmla="*/ 119 h 1109"/>
-                <a:gd name="T6" fmla="*/ 254 w 254"/>
-                <a:gd name="T7" fmla="*/ 0 h 1109"/>
-                <a:gd name="T8" fmla="*/ 254 w 254"/>
-                <a:gd name="T9" fmla="*/ 987 h 1109"/>
-              </a:gdLst>
-              <a:ahLst/>
-              <a:cxnLst>
-                <a:cxn ang="0">
-                  <a:pos x="T0" y="T1"/>
-                </a:cxn>
-                <a:cxn ang="0">
-                  <a:pos x="T2" y="T3"/>
-                </a:cxn>
-                <a:cxn ang="0">
-                  <a:pos x="T4" y="T5"/>
-                </a:cxn>
-                <a:cxn ang="0">
-                  <a:pos x="T6" y="T7"/>
-                </a:cxn>
-                <a:cxn ang="0">
-                  <a:pos x="T8" y="T9"/>
-                </a:cxn>
-              </a:cxnLst>
-              <a:rect l="0" t="0" r="r" b="b"/>
-              <a:pathLst>
-                <a:path w="254" h="1109">
-                  <a:moveTo>
-                    <a:pt x="254" y="987"/>
-                  </a:moveTo>
-                  <a:lnTo>
-                    <a:pt x="0" y="1109"/>
-                  </a:lnTo>
-                  <a:lnTo>
-                    <a:pt x="0" y="119"/>
-                  </a:lnTo>
-                  <a:lnTo>
-                    <a:pt x="254" y="0"/>
-                  </a:lnTo>
-                  <a:lnTo>
-                    <a:pt x="254" y="987"/>
-                  </a:lnTo>
-                  <a:close/>
-                </a:path>
-              </a:pathLst>
-            </a:custGeom>
-            <a:solidFill>
-              <a:schemeClr val="accent1">
-                <a:lumMod val="75000"/>
-              </a:schemeClr>
-            </a:solidFill>
-            <a:ln>
-              <a:noFill/>
-            </a:ln>
-          </p:spPr>
-          <p:txBody>
-            <a:bodyPr vert="horz" wrap="square" lIns="91440" tIns="45720" rIns="91440" bIns="45720" numCol="1" anchor="t" anchorCtr="0" compatLnSpc="1">
-              <a:prstTxWarp prst="textNoShape">
-                <a:avLst/>
-              </a:prstTxWarp>
-            </a:bodyPr>
-            <a:lstStyle/>
-            <a:p>
-              <a:endParaRPr lang="en-US"/>
-            </a:p>
-          </p:txBody>
-        </p:sp>
-        <p:sp>
-          <p:nvSpPr>
-            <p:cNvPr id="34" name="Freeform 47">
-              <a:extLst>
-                <a:ext uri="{FF2B5EF4-FFF2-40B4-BE49-F238E27FC236}">
-                  <a16:creationId xmlns:a16="http://schemas.microsoft.com/office/drawing/2014/main" id="{08E0243F-1062-43C6-AD04-130DFF66840E}"/>
-                </a:ext>
-                <a:ext uri="{C183D7F6-B498-43B3-948B-1728B52AA6E4}">
-                  <adec:decorative xmlns:adec="http://schemas.microsoft.com/office/drawing/2017/decorative" val="1"/>
-                </a:ext>
-              </a:extLst>
-            </p:cNvPr>
-            <p:cNvSpPr>
-              <a:spLocks/>
-            </p:cNvSpPr>
-            <p:nvPr>
-              <p:extLst>
-                <p:ext uri="{386F3935-93C4-4BCD-93E2-E3B085C9AB24}">
-                  <p16:designElem xmlns:p16="http://schemas.microsoft.com/office/powerpoint/2015/main" val="1"/>
-                </p:ext>
-              </p:extLst>
-            </p:nvPr>
-          </p:nvSpPr>
-          <p:spPr bwMode="auto">
-            <a:xfrm>
-              <a:off x="644660" y="640894"/>
-              <a:ext cx="168275" cy="1713195"/>
-            </a:xfrm>
-            <a:custGeom>
-              <a:avLst/>
-              <a:gdLst>
-                <a:gd name="T0" fmla="*/ 106 w 106"/>
-                <a:gd name="T1" fmla="*/ 1114 h 1114"/>
-                <a:gd name="T2" fmla="*/ 0 w 106"/>
-                <a:gd name="T3" fmla="*/ 1005 h 1114"/>
-                <a:gd name="T4" fmla="*/ 0 w 106"/>
-                <a:gd name="T5" fmla="*/ 0 h 1114"/>
-                <a:gd name="T6" fmla="*/ 106 w 106"/>
-                <a:gd name="T7" fmla="*/ 110 h 1114"/>
-                <a:gd name="T8" fmla="*/ 106 w 106"/>
-                <a:gd name="T9" fmla="*/ 1114 h 1114"/>
-              </a:gdLst>
-              <a:ahLst/>
-              <a:cxnLst>
-                <a:cxn ang="0">
-                  <a:pos x="T0" y="T1"/>
-                </a:cxn>
-                <a:cxn ang="0">
-                  <a:pos x="T2" y="T3"/>
-                </a:cxn>
-                <a:cxn ang="0">
-                  <a:pos x="T4" y="T5"/>
-                </a:cxn>
-                <a:cxn ang="0">
-                  <a:pos x="T6" y="T7"/>
-                </a:cxn>
-                <a:cxn ang="0">
-                  <a:pos x="T8" y="T9"/>
-                </a:cxn>
-              </a:cxnLst>
-              <a:rect l="0" t="0" r="r" b="b"/>
-              <a:pathLst>
-                <a:path w="106" h="1114">
-                  <a:moveTo>
-                    <a:pt x="106" y="1114"/>
-                  </a:moveTo>
-                  <a:lnTo>
-                    <a:pt x="0" y="1005"/>
-                  </a:lnTo>
-                  <a:lnTo>
-                    <a:pt x="0" y="0"/>
-                  </a:lnTo>
-                  <a:lnTo>
-                    <a:pt x="106" y="110"/>
-                  </a:lnTo>
-                  <a:lnTo>
-                    <a:pt x="106" y="1114"/>
-                  </a:lnTo>
-                  <a:close/>
-                </a:path>
-              </a:pathLst>
-            </a:custGeom>
-            <a:solidFill>
-              <a:schemeClr val="accent1">
-                <a:lumMod val="50000"/>
-              </a:schemeClr>
-            </a:solidFill>
-            <a:ln>
-              <a:noFill/>
-            </a:ln>
-          </p:spPr>
-          <p:txBody>
-            <a:bodyPr vert="horz" wrap="square" lIns="91440" tIns="45720" rIns="91440" bIns="45720" numCol="1" anchor="t" anchorCtr="0" compatLnSpc="1">
-              <a:prstTxWarp prst="textNoShape">
-                <a:avLst/>
-              </a:prstTxWarp>
-            </a:bodyPr>
-            <a:lstStyle/>
-            <a:p>
-              <a:endParaRPr lang="en-US"/>
-            </a:p>
-          </p:txBody>
-        </p:sp>
-        <p:sp>
-          <p:nvSpPr>
-            <p:cNvPr id="35" name="Rectangle 34">
-              <a:extLst>
-                <a:ext uri="{FF2B5EF4-FFF2-40B4-BE49-F238E27FC236}">
-                  <a16:creationId xmlns:a16="http://schemas.microsoft.com/office/drawing/2014/main" id="{94C5517B-1B0F-47AA-93A5-36718996986F}"/>
-                </a:ext>
-                <a:ext uri="{C183D7F6-B498-43B3-948B-1728B52AA6E4}">
-                  <adec:decorative xmlns:adec="http://schemas.microsoft.com/office/drawing/2017/decorative" val="1"/>
-                </a:ext>
-              </a:extLst>
-            </p:cNvPr>
-            <p:cNvSpPr>
-              <a:spLocks noChangeArrowheads="1"/>
-            </p:cNvSpPr>
-            <p:nvPr>
-              <p:extLst>
-                <p:ext uri="{386F3935-93C4-4BCD-93E2-E3B085C9AB24}">
-                  <p16:designElem xmlns:p16="http://schemas.microsoft.com/office/powerpoint/2015/main" val="1"/>
-                </p:ext>
-              </p:extLst>
-            </p:nvPr>
-          </p:nvSpPr>
-          <p:spPr bwMode="auto">
-            <a:xfrm>
-              <a:off x="644055" y="635715"/>
-              <a:ext cx="10907863" cy="1541457"/>
-            </a:xfrm>
-            <a:prstGeom prst="rect">
-              <a:avLst/>
-            </a:prstGeom>
-            <a:solidFill>
-              <a:schemeClr val="accent1"/>
-            </a:solidFill>
-            <a:ln>
-              <a:noFill/>
-            </a:ln>
-          </p:spPr>
-          <p:txBody>
-            <a:bodyPr vert="horz" wrap="square" lIns="91440" tIns="45720" rIns="91440" bIns="45720" numCol="1" anchor="t" anchorCtr="0" compatLnSpc="1">
-              <a:prstTxWarp prst="textNoShape">
-                <a:avLst/>
-              </a:prstTxWarp>
-            </a:bodyPr>
-            <a:lstStyle/>
-            <a:p>
-              <a:endParaRPr lang="en-US"/>
-            </a:p>
-          </p:txBody>
-        </p:sp>
-      </p:grpSp>
-      <p:sp>
-        <p:nvSpPr>
-          <p:cNvPr id="2" name="Title 1">
-            <a:extLst>
-              <a:ext uri="{FF2B5EF4-FFF2-40B4-BE49-F238E27FC236}">
-                <a16:creationId xmlns:a16="http://schemas.microsoft.com/office/drawing/2014/main" id="{3032736B-ECF9-4859-83C3-B3F243B34DE4}"/>
-              </a:ext>
-            </a:extLst>
-          </p:cNvPr>
-          <p:cNvSpPr>
-            <a:spLocks noGrp="1"/>
-          </p:cNvSpPr>
-          <p:nvPr>
-            <p:ph type="title"/>
-          </p:nvPr>
-        </p:nvSpPr>
-        <p:spPr>
-          <a:xfrm>
-            <a:off x="1047280" y="759805"/>
-            <a:ext cx="10306520" cy="1325563"/>
-          </a:xfrm>
-        </p:spPr>
-        <p:txBody>
-          <a:bodyPr>
-            <a:normAutofit/>
-          </a:bodyPr>
-          <a:lstStyle/>
-          <a:p>
-            <a:r>
-              <a:rPr lang="en-US" sz="4000" dirty="0">
-                <a:solidFill>
-                  <a:srgbClr val="FFFFFF"/>
-                </a:solidFill>
-              </a:rPr>
-              <a:t>The 4 C’s- Carat Weight</a:t>
-            </a:r>
-          </a:p>
-        </p:txBody>
-      </p:sp>
-      <p:sp>
-        <p:nvSpPr>
-          <p:cNvPr id="19" name="Content Placeholder 2">
-            <a:extLst>
-              <a:ext uri="{FF2B5EF4-FFF2-40B4-BE49-F238E27FC236}">
-                <a16:creationId xmlns:a16="http://schemas.microsoft.com/office/drawing/2014/main" id="{29D99615-AD7E-4DEC-88EA-FED943F23F9B}"/>
-              </a:ext>
-            </a:extLst>
-          </p:cNvPr>
-          <p:cNvSpPr>
-            <a:spLocks noGrp="1"/>
-          </p:cNvSpPr>
-          <p:nvPr>
-            <p:ph idx="1"/>
-          </p:nvPr>
-        </p:nvSpPr>
-        <p:spPr>
-          <a:xfrm>
-            <a:off x="1205218" y="2177172"/>
-            <a:ext cx="9932089" cy="603430"/>
-          </a:xfrm>
-        </p:spPr>
-        <p:txBody>
-          <a:bodyPr anchor="ctr">
-            <a:normAutofit/>
-          </a:bodyPr>
-          <a:lstStyle/>
-          <a:p>
-            <a:pPr marL="0" marR="0" indent="0" algn="ctr">
-              <a:spcBef>
-                <a:spcPts val="0"/>
-              </a:spcBef>
-              <a:spcAft>
-                <a:spcPts val="800"/>
-              </a:spcAft>
-              <a:buNone/>
-            </a:pPr>
-            <a:r>
-              <a:rPr lang="en-US" sz="1800" dirty="0">
-                <a:latin typeface="Calibri" panose="020F0502020204030204" pitchFamily="34" charset="0"/>
-                <a:ea typeface="Times New Roman" panose="02020603050405020304" pitchFamily="18" charset="0"/>
-                <a:cs typeface="Times New Roman" panose="02020603050405020304" pitchFamily="18" charset="0"/>
-              </a:rPr>
-              <a:t>C</a:t>
-            </a:r>
-            <a:r>
-              <a:rPr lang="en-US" sz="1800" dirty="0">
-                <a:effectLst/>
-                <a:latin typeface="Calibri" panose="020F0502020204030204" pitchFamily="34" charset="0"/>
-                <a:ea typeface="Times New Roman" panose="02020603050405020304" pitchFamily="18" charset="0"/>
-                <a:cs typeface="Times New Roman" panose="02020603050405020304" pitchFamily="18" charset="0"/>
-              </a:rPr>
-              <a:t>arat weight refers to a diamond’s total weight; not size. </a:t>
-            </a:r>
-            <a:endParaRPr lang="en-US" sz="2000" dirty="0"/>
-          </a:p>
-        </p:txBody>
-      </p:sp>
-      <p:pic>
-        <p:nvPicPr>
-          <p:cNvPr id="20" name="Picture 19">
-            <a:extLst>
-              <a:ext uri="{FF2B5EF4-FFF2-40B4-BE49-F238E27FC236}">
-                <a16:creationId xmlns:a16="http://schemas.microsoft.com/office/drawing/2014/main" id="{51838A9F-7855-4A87-B77A-0880321873ED}"/>
-              </a:ext>
-            </a:extLst>
-          </p:cNvPr>
-          <p:cNvPicPr>
-            <a:picLocks noChangeAspect="1"/>
-          </p:cNvPicPr>
-          <p:nvPr/>
-        </p:nvPicPr>
-        <p:blipFill>
-          <a:blip r:embed="rId2"/>
-          <a:stretch>
-            <a:fillRect/>
-          </a:stretch>
-        </p:blipFill>
-        <p:spPr>
-          <a:xfrm>
-            <a:off x="1907985" y="2818586"/>
-            <a:ext cx="8186212" cy="2898724"/>
-          </a:xfrm>
-          <a:prstGeom prst="rect">
-            <a:avLst/>
-          </a:prstGeom>
-        </p:spPr>
-      </p:pic>
-    </p:spTree>
-    <p:extLst>
-      <p:ext uri="{BB962C8B-B14F-4D97-AF65-F5344CB8AC3E}">
-        <p14:creationId xmlns:p14="http://schemas.microsoft.com/office/powerpoint/2010/main" val="922606730"/>
-      </p:ext>
-    </p:extLst>
-  </p:cSld>
-  <p:clrMapOvr>
-    <a:masterClrMapping/>
-  </p:clrMapOvr>
-</p:sld>
-</file>
-
-<file path=ppt/slides/slide7.xml><?xml version="1.0" encoding="utf-8"?>
+<file path=ppt/slides/slide8.xml><?xml version="1.0" encoding="utf-8"?>
 <p:sld xmlns:a="http://schemas.openxmlformats.org/drawingml/2006/main" xmlns:r="http://schemas.openxmlformats.org/officeDocument/2006/relationships" xmlns:p="http://schemas.openxmlformats.org/presentationml/2006/main">
   <p:cSld>
     <p:bg>
@@ -10052,7 +10007,7 @@
                   <a:srgbClr val="FFFFFF"/>
                 </a:solidFill>
               </a:rPr>
-              <a:t>Tableau</a:t>
+              <a:t>Machine Learning</a:t>
             </a:r>
           </a:p>
         </p:txBody>
@@ -10080,41 +10035,121 @@
           </a:xfrm>
         </p:spPr>
         <p:txBody>
-          <a:bodyPr/>
+          <a:bodyPr>
+            <a:normAutofit fontScale="92500" lnSpcReduction="20000"/>
+          </a:bodyPr>
           <a:lstStyle/>
           <a:p>
+            <a:pPr marL="0" marR="0">
+              <a:lnSpc>
+                <a:spcPct val="107000"/>
+              </a:lnSpc>
+              <a:spcBef>
+                <a:spcPts val="0"/>
+              </a:spcBef>
+              <a:spcAft>
+                <a:spcPts val="800"/>
+              </a:spcAft>
+            </a:pPr>
             <a:r>
-              <a:rPr lang="en-US" dirty="0"/>
-              <a:t>4 dashboards to visualize all aspects of price utilizing the 4Cs and other measures:</a:t>
+              <a:rPr lang="en-US" dirty="0">
+                <a:latin typeface="Calibri" panose="020F0502020204030204" pitchFamily="34" charset="0"/>
+                <a:ea typeface="Calibri" panose="020F0502020204030204" pitchFamily="34" charset="0"/>
+                <a:cs typeface="Times New Roman" panose="02020603050405020304" pitchFamily="18" charset="0"/>
+              </a:rPr>
+              <a:t>Identification of the correlation between features of the dataset.</a:t>
             </a:r>
           </a:p>
           <a:p>
-            <a:pPr lvl="1"/>
+            <a:pPr marL="0" marR="0">
+              <a:lnSpc>
+                <a:spcPct val="107000"/>
+              </a:lnSpc>
+              <a:spcBef>
+                <a:spcPts val="0"/>
+              </a:spcBef>
+              <a:spcAft>
+                <a:spcPts val="800"/>
+              </a:spcAft>
+            </a:pPr>
             <a:r>
-              <a:rPr lang="en-US" dirty="0"/>
-              <a:t>Number of times sold at a certain price point/Carat dependency on price.</a:t>
+              <a:rPr lang="en-US" sz="2800" dirty="0">
+                <a:effectLst/>
+                <a:latin typeface="Calibri" panose="020F0502020204030204" pitchFamily="34" charset="0"/>
+                <a:ea typeface="Calibri" panose="020F0502020204030204" pitchFamily="34" charset="0"/>
+                <a:cs typeface="Times New Roman" panose="02020603050405020304" pitchFamily="18" charset="0"/>
+              </a:rPr>
+              <a:t>Process of </a:t>
             </a:r>
-          </a:p>
-          <a:p>
-            <a:pPr lvl="1"/>
             <a:r>
-              <a:rPr lang="en-US" dirty="0"/>
-              <a:t>Average price dependency on the 4Cs trend.</a:t>
+              <a:rPr lang="en-US" dirty="0">
+                <a:latin typeface="Calibri" panose="020F0502020204030204" pitchFamily="34" charset="0"/>
+                <a:ea typeface="Calibri" panose="020F0502020204030204" pitchFamily="34" charset="0"/>
+                <a:cs typeface="Times New Roman" panose="02020603050405020304" pitchFamily="18" charset="0"/>
+              </a:rPr>
+              <a:t>running every Linear Regression and Decision Tree models to find the best model for the Price Predictor tool.</a:t>
             </a:r>
           </a:p>
           <a:p>
-            <a:pPr lvl="1"/>
+            <a:pPr marL="0" marR="0">
+              <a:lnSpc>
+                <a:spcPct val="107000"/>
+              </a:lnSpc>
+              <a:spcBef>
+                <a:spcPts val="0"/>
+              </a:spcBef>
+              <a:spcAft>
+                <a:spcPts val="800"/>
+              </a:spcAft>
+            </a:pPr>
             <a:r>
-              <a:rPr lang="en-US" dirty="0"/>
-              <a:t>Price vs. Carat based on Cut.</a:t>
+              <a:rPr lang="en-US" dirty="0">
+                <a:latin typeface="Calibri" panose="020F0502020204030204" pitchFamily="34" charset="0"/>
+                <a:ea typeface="Calibri" panose="020F0502020204030204" pitchFamily="34" charset="0"/>
+                <a:cs typeface="Times New Roman" panose="02020603050405020304" pitchFamily="18" charset="0"/>
+              </a:rPr>
+              <a:t>Linear Regression chosen due to best fit for data in accuracy, predictability and R2. </a:t>
             </a:r>
           </a:p>
           <a:p>
-            <a:pPr lvl="1"/>
+            <a:pPr marL="0" marR="0">
+              <a:lnSpc>
+                <a:spcPct val="107000"/>
+              </a:lnSpc>
+              <a:spcBef>
+                <a:spcPts val="0"/>
+              </a:spcBef>
+              <a:spcAft>
+                <a:spcPts val="800"/>
+              </a:spcAft>
+            </a:pPr>
             <a:r>
-              <a:rPr lang="en-US" dirty="0"/>
-              <a:t>All other measures impact on pricing.</a:t>
+              <a:rPr lang="en-US" dirty="0">
+                <a:latin typeface="Calibri" panose="020F0502020204030204" pitchFamily="34" charset="0"/>
+                <a:ea typeface="Calibri" panose="020F0502020204030204" pitchFamily="34" charset="0"/>
+                <a:cs typeface="Times New Roman" panose="02020603050405020304" pitchFamily="18" charset="0"/>
+              </a:rPr>
+              <a:t>Predictability model with step-by-step instructions for ease of use.</a:t>
             </a:r>
+          </a:p>
+          <a:p>
+            <a:pPr marL="0" marR="0">
+              <a:lnSpc>
+                <a:spcPct val="107000"/>
+              </a:lnSpc>
+              <a:spcBef>
+                <a:spcPts val="0"/>
+              </a:spcBef>
+              <a:spcAft>
+                <a:spcPts val="800"/>
+              </a:spcAft>
+            </a:pPr>
+            <a:endParaRPr lang="en-US" sz="2800" dirty="0">
+              <a:effectLst/>
+              <a:latin typeface="Calibri" panose="020F0502020204030204" pitchFamily="34" charset="0"/>
+              <a:ea typeface="Calibri" panose="020F0502020204030204" pitchFamily="34" charset="0"/>
+              <a:cs typeface="Times New Roman" panose="02020603050405020304" pitchFamily="18" charset="0"/>
+            </a:endParaRPr>
           </a:p>
           <a:p>
             <a:pPr lvl="1"/>
@@ -10158,9 +10193,38 @@
           </a:bodyPr>
           <a:lstStyle/>
           <a:p>
-            <a:pPr algn="ctr"/>
+            <a:pPr marL="0" marR="0" lvl="0" indent="0" algn="ctr" defTabSz="914400" rtl="0" eaLnBrk="1" fontAlgn="auto" latinLnBrk="0" hangingPunct="1">
+              <a:lnSpc>
+                <a:spcPct val="100000"/>
+              </a:lnSpc>
+              <a:spcBef>
+                <a:spcPts val="0"/>
+              </a:spcBef>
+              <a:spcAft>
+                <a:spcPts val="0"/>
+              </a:spcAft>
+              <a:buClrTx/>
+              <a:buSzTx/>
+              <a:buFontTx/>
+              <a:buNone/>
+              <a:tabLst/>
+              <a:defRPr/>
+            </a:pPr>
             <a:r>
-              <a:rPr lang="en-US" sz="2400" dirty="0"/>
+              <a:rPr kumimoji="0" lang="en-US" sz="2400" b="0" i="0" u="none" strike="noStrike" kern="1200" cap="none" spc="0" normalizeH="0" baseline="0" noProof="0" dirty="0">
+                <a:ln>
+                  <a:noFill/>
+                </a:ln>
+                <a:solidFill>
+                  <a:prstClr val="black"/>
+                </a:solidFill>
+                <a:effectLst/>
+                <a:uLnTx/>
+                <a:uFillTx/>
+                <a:latin typeface="Calibri" panose="020F0502020204030204"/>
+                <a:ea typeface="+mn-ea"/>
+                <a:cs typeface="+mn-cs"/>
+              </a:rPr>
               <a:t>WEB APPLICATION DEMO</a:t>
             </a:r>
           </a:p>
@@ -10169,7 +10233,7 @@
     </p:spTree>
     <p:extLst>
       <p:ext uri="{BB962C8B-B14F-4D97-AF65-F5344CB8AC3E}">
-        <p14:creationId xmlns:p14="http://schemas.microsoft.com/office/powerpoint/2010/main" val="3599394888"/>
+        <p14:creationId xmlns:p14="http://schemas.microsoft.com/office/powerpoint/2010/main" val="2504181313"/>
       </p:ext>
     </p:extLst>
   </p:cSld>
@@ -10179,7 +10243,7 @@
 </p:sld>
 </file>
 
-<file path=ppt/slides/slide8.xml><?xml version="1.0" encoding="utf-8"?>
+<file path=ppt/slides/slide9.xml><?xml version="1.0" encoding="utf-8"?>
 <p:sld xmlns:a="http://schemas.openxmlformats.org/drawingml/2006/main" xmlns:r="http://schemas.openxmlformats.org/officeDocument/2006/relationships" xmlns:p="http://schemas.openxmlformats.org/presentationml/2006/main">
   <p:cSld>
     <p:bg>
@@ -10971,7 +11035,7 @@
                   <a:srgbClr val="FFFFFF"/>
                 </a:solidFill>
               </a:rPr>
-              <a:t>Machine Learning</a:t>
+              <a:t>Final Remarks</a:t>
             </a:r>
           </a:p>
         </p:txBody>
@@ -10995,12 +11059,12 @@
         <p:spPr>
           <a:xfrm>
             <a:off x="1047280" y="2269973"/>
-            <a:ext cx="10306520" cy="2780199"/>
+            <a:ext cx="10306520" cy="3753322"/>
           </a:xfrm>
         </p:spPr>
         <p:txBody>
           <a:bodyPr>
-            <a:normAutofit/>
+            <a:normAutofit fontScale="85000" lnSpcReduction="20000"/>
           </a:bodyPr>
           <a:lstStyle/>
           <a:p>
@@ -11021,7 +11085,7 @@
                 <a:ea typeface="Calibri" panose="020F0502020204030204" pitchFamily="34" charset="0"/>
                 <a:cs typeface="Times New Roman" panose="02020603050405020304" pitchFamily="18" charset="0"/>
               </a:rPr>
-              <a:t>Identification of the correlation between features of the dataset.</a:t>
+              <a:t>Conclusion:  the more perfect the diamond the more expensive the price.  While many factors go into the pricing, the bottom line is size, cut, clarity and color do matter.</a:t>
             </a:r>
           </a:p>
           <a:p>
@@ -11043,7 +11107,7 @@
                 <a:ea typeface="Calibri" panose="020F0502020204030204" pitchFamily="34" charset="0"/>
                 <a:cs typeface="Times New Roman" panose="02020603050405020304" pitchFamily="18" charset="0"/>
               </a:rPr>
-              <a:t>Process of </a:t>
+              <a:t>Recommendations:  do your research.  </a:t>
             </a:r>
             <a:r>
               <a:rPr lang="en-US" dirty="0">
@@ -11051,7 +11115,7 @@
                 <a:ea typeface="Calibri" panose="020F0502020204030204" pitchFamily="34" charset="0"/>
                 <a:cs typeface="Times New Roman" panose="02020603050405020304" pitchFamily="18" charset="0"/>
               </a:rPr>
-              <a:t>running every Linear Regression and Decision Tree models to find the best model for the Price Predictor tool.</a:t>
+              <a:t>It is best to be prepared prior to walking into the jewelry store to purchase to avoid getting something that is not right for you and paying too much.</a:t>
             </a:r>
           </a:p>
           <a:p>
@@ -11072,7 +11136,28 @@
                 <a:ea typeface="Calibri" panose="020F0502020204030204" pitchFamily="34" charset="0"/>
                 <a:cs typeface="Times New Roman" panose="02020603050405020304" pitchFamily="18" charset="0"/>
               </a:rPr>
-              <a:t>Linear Regression chosen due to best fit for data in accuracy, predictability and R2. </a:t>
+              <a:t>Limitations:  the data was old and did not include one important key feature in choosing a diamond – shape.</a:t>
+            </a:r>
+          </a:p>
+          <a:p>
+            <a:pPr marL="0" marR="0">
+              <a:lnSpc>
+                <a:spcPct val="107000"/>
+              </a:lnSpc>
+              <a:spcBef>
+                <a:spcPts val="0"/>
+              </a:spcBef>
+              <a:spcAft>
+                <a:spcPts val="800"/>
+              </a:spcAft>
+            </a:pPr>
+            <a:r>
+              <a:rPr lang="en-US" dirty="0">
+                <a:latin typeface="Calibri" panose="020F0502020204030204" pitchFamily="34" charset="0"/>
+                <a:ea typeface="Calibri" panose="020F0502020204030204" pitchFamily="34" charset="0"/>
+                <a:cs typeface="Times New Roman" panose="02020603050405020304" pitchFamily="18" charset="0"/>
+              </a:rPr>
+              <a:t>Future work:  more extensive look at additional sources of data that would be more recent and included shape for the best model possible</a:t>
             </a:r>
           </a:p>
           <a:p>
@@ -11108,1103 +11193,10 @@
           </a:p>
         </p:txBody>
       </p:sp>
-      <p:sp>
-        <p:nvSpPr>
-          <p:cNvPr id="5" name="TextBox 4">
-            <a:extLst>
-              <a:ext uri="{FF2B5EF4-FFF2-40B4-BE49-F238E27FC236}">
-                <a16:creationId xmlns:a16="http://schemas.microsoft.com/office/drawing/2014/main" id="{6BCFE795-946C-4865-A7D9-291CC9D6EE34}"/>
-              </a:ext>
-            </a:extLst>
-          </p:cNvPr>
-          <p:cNvSpPr txBox="1"/>
-          <p:nvPr/>
-        </p:nvSpPr>
-        <p:spPr>
-          <a:xfrm>
-            <a:off x="2944536" y="5159229"/>
-            <a:ext cx="6526635" cy="461665"/>
-          </a:xfrm>
-          <a:prstGeom prst="rect">
-            <a:avLst/>
-          </a:prstGeom>
-          <a:noFill/>
-        </p:spPr>
-        <p:txBody>
-          <a:bodyPr wrap="square" rtlCol="0">
-            <a:spAutoFit/>
-          </a:bodyPr>
-          <a:lstStyle/>
-          <a:p>
-            <a:pPr marL="0" marR="0" lvl="0" indent="0" algn="ctr" defTabSz="914400" rtl="0" eaLnBrk="1" fontAlgn="auto" latinLnBrk="0" hangingPunct="1">
-              <a:lnSpc>
-                <a:spcPct val="100000"/>
-              </a:lnSpc>
-              <a:spcBef>
-                <a:spcPts val="0"/>
-              </a:spcBef>
-              <a:spcAft>
-                <a:spcPts val="0"/>
-              </a:spcAft>
-              <a:buClrTx/>
-              <a:buSzTx/>
-              <a:buFontTx/>
-              <a:buNone/>
-              <a:tabLst/>
-              <a:defRPr/>
-            </a:pPr>
-            <a:r>
-              <a:rPr kumimoji="0" lang="en-US" sz="2400" b="0" i="0" u="none" strike="noStrike" kern="1200" cap="none" spc="0" normalizeH="0" baseline="0" noProof="0" dirty="0">
-                <a:ln>
-                  <a:noFill/>
-                </a:ln>
-                <a:solidFill>
-                  <a:prstClr val="black"/>
-                </a:solidFill>
-                <a:effectLst/>
-                <a:uLnTx/>
-                <a:uFillTx/>
-                <a:latin typeface="Calibri" panose="020F0502020204030204"/>
-                <a:ea typeface="+mn-ea"/>
-                <a:cs typeface="+mn-cs"/>
-              </a:rPr>
-              <a:t>WEB APPLICATION DEMO</a:t>
-            </a:r>
-          </a:p>
-        </p:txBody>
-      </p:sp>
     </p:spTree>
     <p:extLst>
       <p:ext uri="{BB962C8B-B14F-4D97-AF65-F5344CB8AC3E}">
-        <p14:creationId xmlns:p14="http://schemas.microsoft.com/office/powerpoint/2010/main" val="3311503023"/>
-      </p:ext>
-    </p:extLst>
-  </p:cSld>
-  <p:clrMapOvr>
-    <a:masterClrMapping/>
-  </p:clrMapOvr>
-</p:sld>
-</file>
-
-<file path=ppt/slides/slide9.xml><?xml version="1.0" encoding="utf-8"?>
-<p:sld xmlns:a="http://schemas.openxmlformats.org/drawingml/2006/main" xmlns:r="http://schemas.openxmlformats.org/officeDocument/2006/relationships" xmlns:p="http://schemas.openxmlformats.org/presentationml/2006/main">
-  <p:cSld>
-    <p:bg>
-      <p:bgPr>
-        <a:solidFill>
-          <a:schemeClr val="bg1"/>
-        </a:solidFill>
-        <a:effectLst/>
-      </p:bgPr>
-    </p:bg>
-    <p:spTree>
-      <p:nvGrpSpPr>
-        <p:cNvPr id="1" name=""/>
-        <p:cNvGrpSpPr/>
-        <p:nvPr/>
-      </p:nvGrpSpPr>
-      <p:grpSpPr>
-        <a:xfrm>
-          <a:off x="0" y="0"/>
-          <a:ext cx="0" cy="0"/>
-          <a:chOff x="0" y="0"/>
-          <a:chExt cx="0" cy="0"/>
-        </a:xfrm>
-      </p:grpSpPr>
-      <p:sp useBgFill="1">
-        <p:nvSpPr>
-          <p:cNvPr id="28" name="Rectangle 27">
-            <a:extLst>
-              <a:ext uri="{FF2B5EF4-FFF2-40B4-BE49-F238E27FC236}">
-                <a16:creationId xmlns:a16="http://schemas.microsoft.com/office/drawing/2014/main" id="{DD38EE57-B708-47C9-A4A4-E25F09FAB029}"/>
-              </a:ext>
-              <a:ext uri="{C183D7F6-B498-43B3-948B-1728B52AA6E4}">
-                <adec:decorative xmlns:adec="http://schemas.microsoft.com/office/drawing/2017/decorative" val="1"/>
-              </a:ext>
-            </a:extLst>
-          </p:cNvPr>
-          <p:cNvSpPr>
-            <a:spLocks noGrp="1" noRot="1" noChangeAspect="1" noMove="1" noResize="1" noEditPoints="1" noAdjustHandles="1" noChangeArrowheads="1" noChangeShapeType="1" noTextEdit="1"/>
-          </p:cNvSpPr>
-          <p:nvPr>
-            <p:extLst>
-              <p:ext uri="{386F3935-93C4-4BCD-93E2-E3B085C9AB24}">
-                <p16:designElem xmlns:p16="http://schemas.microsoft.com/office/powerpoint/2015/main" val="1"/>
-              </p:ext>
-            </p:extLst>
-          </p:nvPr>
-        </p:nvSpPr>
-        <p:spPr>
-          <a:xfrm>
-            <a:off x="0" y="0"/>
-            <a:ext cx="12188952" cy="6858000"/>
-          </a:xfrm>
-          <a:prstGeom prst="rect">
-            <a:avLst/>
-          </a:prstGeom>
-          <a:ln>
-            <a:noFill/>
-          </a:ln>
-        </p:spPr>
-        <p:style>
-          <a:lnRef idx="2">
-            <a:schemeClr val="accent1">
-              <a:shade val="50000"/>
-            </a:schemeClr>
-          </a:lnRef>
-          <a:fillRef idx="1">
-            <a:schemeClr val="accent1"/>
-          </a:fillRef>
-          <a:effectRef idx="0">
-            <a:schemeClr val="accent1"/>
-          </a:effectRef>
-          <a:fontRef idx="minor">
-            <a:schemeClr val="lt1"/>
-          </a:fontRef>
-        </p:style>
-        <p:txBody>
-          <a:bodyPr rtlCol="0" anchor="ctr"/>
-          <a:lstStyle/>
-          <a:p>
-            <a:pPr marL="0" marR="0" lvl="0" indent="0" algn="ctr" defTabSz="914400" rtl="0" eaLnBrk="1" fontAlgn="auto" latinLnBrk="0" hangingPunct="1">
-              <a:lnSpc>
-                <a:spcPct val="100000"/>
-              </a:lnSpc>
-              <a:spcBef>
-                <a:spcPts val="0"/>
-              </a:spcBef>
-              <a:spcAft>
-                <a:spcPts val="0"/>
-              </a:spcAft>
-              <a:buClrTx/>
-              <a:buSzTx/>
-              <a:buFontTx/>
-              <a:buNone/>
-              <a:tabLst/>
-              <a:defRPr/>
-            </a:pPr>
-            <a:endParaRPr kumimoji="0" lang="en-US" sz="1800" b="0" i="0" u="none" strike="noStrike" kern="1200" cap="none" spc="0" normalizeH="0" baseline="0" noProof="0">
-              <a:ln>
-                <a:noFill/>
-              </a:ln>
-              <a:solidFill>
-                <a:prstClr val="white"/>
-              </a:solidFill>
-              <a:effectLst/>
-              <a:uLnTx/>
-              <a:uFillTx/>
-              <a:latin typeface="Calibri" panose="020F0502020204030204"/>
-              <a:ea typeface="+mn-ea"/>
-              <a:cs typeface="+mn-cs"/>
-            </a:endParaRPr>
-          </a:p>
-        </p:txBody>
-      </p:sp>
-      <p:grpSp>
-        <p:nvGrpSpPr>
-          <p:cNvPr id="30" name="Group 29">
-            <a:extLst>
-              <a:ext uri="{FF2B5EF4-FFF2-40B4-BE49-F238E27FC236}">
-                <a16:creationId xmlns:a16="http://schemas.microsoft.com/office/drawing/2014/main" id="{57A28182-58A5-4DBB-8F64-BD944BCA8154}"/>
-              </a:ext>
-              <a:ext uri="{C183D7F6-B498-43B3-948B-1728B52AA6E4}">
-                <adec:decorative xmlns:adec="http://schemas.microsoft.com/office/drawing/2017/decorative" val="1"/>
-              </a:ext>
-            </a:extLst>
-          </p:cNvPr>
-          <p:cNvGrpSpPr>
-            <a:grpSpLocks noGrp="1" noUngrp="1" noRot="1" noChangeAspect="1" noMove="1" noResize="1"/>
-          </p:cNvGrpSpPr>
-          <p:nvPr>
-            <p:extLst>
-              <p:ext uri="{386F3935-93C4-4BCD-93E2-E3B085C9AB24}">
-                <p16:designElem xmlns:p16="http://schemas.microsoft.com/office/powerpoint/2015/main" val="1"/>
-              </p:ext>
-            </p:extLst>
-          </p:nvPr>
-        </p:nvGrpSpPr>
-        <p:grpSpPr>
-          <a:xfrm>
-            <a:off x="409710" y="635715"/>
-            <a:ext cx="11142208" cy="2482136"/>
-            <a:chOff x="409710" y="635715"/>
-            <a:chExt cx="11142208" cy="2482136"/>
-          </a:xfrm>
-        </p:grpSpPr>
-        <p:sp>
-          <p:nvSpPr>
-            <p:cNvPr id="31" name="Freeform 44">
-              <a:extLst>
-                <a:ext uri="{FF2B5EF4-FFF2-40B4-BE49-F238E27FC236}">
-                  <a16:creationId xmlns:a16="http://schemas.microsoft.com/office/drawing/2014/main" id="{E4A9080E-7BA6-45FC-8677-8B9D5F4DAFE0}"/>
-                </a:ext>
-                <a:ext uri="{C183D7F6-B498-43B3-948B-1728B52AA6E4}">
-                  <adec:decorative xmlns:adec="http://schemas.microsoft.com/office/drawing/2017/decorative" val="1"/>
-                </a:ext>
-              </a:extLst>
-            </p:cNvPr>
-            <p:cNvSpPr>
-              <a:spLocks/>
-            </p:cNvSpPr>
-            <p:nvPr>
-              <p:extLst>
-                <p:ext uri="{386F3935-93C4-4BCD-93E2-E3B085C9AB24}">
-                  <p16:designElem xmlns:p16="http://schemas.microsoft.com/office/powerpoint/2015/main" val="1"/>
-                </p:ext>
-              </p:extLst>
-            </p:nvPr>
-          </p:nvSpPr>
-          <p:spPr bwMode="auto">
-            <a:xfrm>
-              <a:off x="11223203" y="635716"/>
-              <a:ext cx="328612" cy="1742360"/>
-            </a:xfrm>
-            <a:custGeom>
-              <a:avLst/>
-              <a:gdLst>
-                <a:gd name="T0" fmla="*/ 207 w 207"/>
-                <a:gd name="T1" fmla="*/ 987 h 1114"/>
-                <a:gd name="T2" fmla="*/ 0 w 207"/>
-                <a:gd name="T3" fmla="*/ 1114 h 1114"/>
-                <a:gd name="T4" fmla="*/ 0 w 207"/>
-                <a:gd name="T5" fmla="*/ 127 h 1114"/>
-                <a:gd name="T6" fmla="*/ 207 w 207"/>
-                <a:gd name="T7" fmla="*/ 0 h 1114"/>
-                <a:gd name="T8" fmla="*/ 207 w 207"/>
-                <a:gd name="T9" fmla="*/ 987 h 1114"/>
-              </a:gdLst>
-              <a:ahLst/>
-              <a:cxnLst>
-                <a:cxn ang="0">
-                  <a:pos x="T0" y="T1"/>
-                </a:cxn>
-                <a:cxn ang="0">
-                  <a:pos x="T2" y="T3"/>
-                </a:cxn>
-                <a:cxn ang="0">
-                  <a:pos x="T4" y="T5"/>
-                </a:cxn>
-                <a:cxn ang="0">
-                  <a:pos x="T6" y="T7"/>
-                </a:cxn>
-                <a:cxn ang="0">
-                  <a:pos x="T8" y="T9"/>
-                </a:cxn>
-              </a:cxnLst>
-              <a:rect l="0" t="0" r="r" b="b"/>
-              <a:pathLst>
-                <a:path w="207" h="1114">
-                  <a:moveTo>
-                    <a:pt x="207" y="987"/>
-                  </a:moveTo>
-                  <a:lnTo>
-                    <a:pt x="0" y="1114"/>
-                  </a:lnTo>
-                  <a:lnTo>
-                    <a:pt x="0" y="127"/>
-                  </a:lnTo>
-                  <a:lnTo>
-                    <a:pt x="207" y="0"/>
-                  </a:lnTo>
-                  <a:lnTo>
-                    <a:pt x="207" y="987"/>
-                  </a:lnTo>
-                  <a:close/>
-                </a:path>
-              </a:pathLst>
-            </a:custGeom>
-            <a:solidFill>
-              <a:schemeClr val="accent1">
-                <a:lumMod val="50000"/>
-              </a:schemeClr>
-            </a:solidFill>
-            <a:ln>
-              <a:noFill/>
-            </a:ln>
-          </p:spPr>
-          <p:txBody>
-            <a:bodyPr vert="horz" wrap="square" lIns="91440" tIns="45720" rIns="91440" bIns="45720" numCol="1" anchor="t" anchorCtr="0" compatLnSpc="1">
-              <a:prstTxWarp prst="textNoShape">
-                <a:avLst/>
-              </a:prstTxWarp>
-            </a:bodyPr>
-            <a:lstStyle/>
-            <a:p>
-              <a:pPr marL="0" marR="0" lvl="0" indent="0" algn="l" defTabSz="914400" rtl="0" eaLnBrk="1" fontAlgn="auto" latinLnBrk="0" hangingPunct="1">
-                <a:lnSpc>
-                  <a:spcPct val="100000"/>
-                </a:lnSpc>
-                <a:spcBef>
-                  <a:spcPts val="0"/>
-                </a:spcBef>
-                <a:spcAft>
-                  <a:spcPts val="0"/>
-                </a:spcAft>
-                <a:buClrTx/>
-                <a:buSzTx/>
-                <a:buFontTx/>
-                <a:buNone/>
-                <a:tabLst/>
-                <a:defRPr/>
-              </a:pPr>
-              <a:endParaRPr kumimoji="0" lang="en-US" sz="1800" b="0" i="0" u="none" strike="noStrike" kern="1200" cap="none" spc="0" normalizeH="0" baseline="0" noProof="0">
-                <a:ln>
-                  <a:noFill/>
-                </a:ln>
-                <a:solidFill>
-                  <a:prstClr val="black"/>
-                </a:solidFill>
-                <a:effectLst/>
-                <a:uLnTx/>
-                <a:uFillTx/>
-                <a:latin typeface="Calibri" panose="020F0502020204030204"/>
-                <a:ea typeface="+mn-ea"/>
-                <a:cs typeface="+mn-cs"/>
-              </a:endParaRPr>
-            </a:p>
-          </p:txBody>
-        </p:sp>
-        <p:sp>
-          <p:nvSpPr>
-            <p:cNvPr id="32" name="Freeform 45">
-              <a:extLst>
-                <a:ext uri="{FF2B5EF4-FFF2-40B4-BE49-F238E27FC236}">
-                  <a16:creationId xmlns:a16="http://schemas.microsoft.com/office/drawing/2014/main" id="{2163D516-75D4-4DE0-AC27-63719125AE52}"/>
-                </a:ext>
-                <a:ext uri="{C183D7F6-B498-43B3-948B-1728B52AA6E4}">
-                  <adec:decorative xmlns:adec="http://schemas.microsoft.com/office/drawing/2017/decorative" val="1"/>
-                </a:ext>
-              </a:extLst>
-            </p:cNvPr>
-            <p:cNvSpPr>
-              <a:spLocks/>
-            </p:cNvSpPr>
-            <p:nvPr>
-              <p:extLst>
-                <p:ext uri="{386F3935-93C4-4BCD-93E2-E3B085C9AB24}">
-                  <p16:designElem xmlns:p16="http://schemas.microsoft.com/office/powerpoint/2015/main" val="1"/>
-                </p:ext>
-              </p:extLst>
-            </p:nvPr>
-          </p:nvSpPr>
-          <p:spPr bwMode="auto">
-            <a:xfrm>
-              <a:off x="409710" y="1022350"/>
-              <a:ext cx="709612" cy="2095501"/>
-            </a:xfrm>
-            <a:custGeom>
-              <a:avLst/>
-              <a:gdLst>
-                <a:gd name="T0" fmla="*/ 447 w 447"/>
-                <a:gd name="T1" fmla="*/ 1363 h 1363"/>
-                <a:gd name="T2" fmla="*/ 0 w 447"/>
-                <a:gd name="T3" fmla="*/ 987 h 1363"/>
-                <a:gd name="T4" fmla="*/ 0 w 447"/>
-                <a:gd name="T5" fmla="*/ 0 h 1363"/>
-                <a:gd name="T6" fmla="*/ 447 w 447"/>
-                <a:gd name="T7" fmla="*/ 376 h 1363"/>
-                <a:gd name="T8" fmla="*/ 447 w 447"/>
-                <a:gd name="T9" fmla="*/ 1363 h 1363"/>
-              </a:gdLst>
-              <a:ahLst/>
-              <a:cxnLst>
-                <a:cxn ang="0">
-                  <a:pos x="T0" y="T1"/>
-                </a:cxn>
-                <a:cxn ang="0">
-                  <a:pos x="T2" y="T3"/>
-                </a:cxn>
-                <a:cxn ang="0">
-                  <a:pos x="T4" y="T5"/>
-                </a:cxn>
-                <a:cxn ang="0">
-                  <a:pos x="T6" y="T7"/>
-                </a:cxn>
-                <a:cxn ang="0">
-                  <a:pos x="T8" y="T9"/>
-                </a:cxn>
-              </a:cxnLst>
-              <a:rect l="0" t="0" r="r" b="b"/>
-              <a:pathLst>
-                <a:path w="447" h="1363">
-                  <a:moveTo>
-                    <a:pt x="447" y="1363"/>
-                  </a:moveTo>
-                  <a:lnTo>
-                    <a:pt x="0" y="987"/>
-                  </a:lnTo>
-                  <a:lnTo>
-                    <a:pt x="0" y="0"/>
-                  </a:lnTo>
-                  <a:lnTo>
-                    <a:pt x="447" y="376"/>
-                  </a:lnTo>
-                  <a:lnTo>
-                    <a:pt x="447" y="1363"/>
-                  </a:lnTo>
-                  <a:close/>
-                </a:path>
-              </a:pathLst>
-            </a:custGeom>
-            <a:solidFill>
-              <a:schemeClr val="accent1">
-                <a:lumMod val="50000"/>
-              </a:schemeClr>
-            </a:solidFill>
-            <a:ln>
-              <a:noFill/>
-            </a:ln>
-          </p:spPr>
-          <p:txBody>
-            <a:bodyPr vert="horz" wrap="square" lIns="91440" tIns="45720" rIns="91440" bIns="45720" numCol="1" anchor="t" anchorCtr="0" compatLnSpc="1">
-              <a:prstTxWarp prst="textNoShape">
-                <a:avLst/>
-              </a:prstTxWarp>
-            </a:bodyPr>
-            <a:lstStyle/>
-            <a:p>
-              <a:pPr marL="0" marR="0" lvl="0" indent="0" algn="l" defTabSz="914400" rtl="0" eaLnBrk="1" fontAlgn="auto" latinLnBrk="0" hangingPunct="1">
-                <a:lnSpc>
-                  <a:spcPct val="100000"/>
-                </a:lnSpc>
-                <a:spcBef>
-                  <a:spcPts val="0"/>
-                </a:spcBef>
-                <a:spcAft>
-                  <a:spcPts val="0"/>
-                </a:spcAft>
-                <a:buClrTx/>
-                <a:buSzTx/>
-                <a:buFontTx/>
-                <a:buNone/>
-                <a:tabLst/>
-                <a:defRPr/>
-              </a:pPr>
-              <a:endParaRPr kumimoji="0" lang="en-US" sz="1800" b="0" i="0" u="none" strike="noStrike" kern="1200" cap="none" spc="0" normalizeH="0" baseline="0" noProof="0">
-                <a:ln>
-                  <a:noFill/>
-                </a:ln>
-                <a:solidFill>
-                  <a:prstClr val="black"/>
-                </a:solidFill>
-                <a:effectLst/>
-                <a:uLnTx/>
-                <a:uFillTx/>
-                <a:latin typeface="Calibri" panose="020F0502020204030204"/>
-                <a:ea typeface="+mn-ea"/>
-                <a:cs typeface="+mn-cs"/>
-              </a:endParaRPr>
-            </a:p>
-          </p:txBody>
-        </p:sp>
-        <p:sp>
-          <p:nvSpPr>
-            <p:cNvPr id="33" name="Freeform 46">
-              <a:extLst>
-                <a:ext uri="{FF2B5EF4-FFF2-40B4-BE49-F238E27FC236}">
-                  <a16:creationId xmlns:a16="http://schemas.microsoft.com/office/drawing/2014/main" id="{E74A26A5-C23A-46D4-B0FF-155FB3834621}"/>
-                </a:ext>
-                <a:ext uri="{C183D7F6-B498-43B3-948B-1728B52AA6E4}">
-                  <adec:decorative xmlns:adec="http://schemas.microsoft.com/office/drawing/2017/decorative" val="1"/>
-                </a:ext>
-              </a:extLst>
-            </p:cNvPr>
-            <p:cNvSpPr>
-              <a:spLocks/>
-            </p:cNvSpPr>
-            <p:nvPr>
-              <p:extLst>
-                <p:ext uri="{386F3935-93C4-4BCD-93E2-E3B085C9AB24}">
-                  <p16:designElem xmlns:p16="http://schemas.microsoft.com/office/powerpoint/2015/main" val="1"/>
-                </p:ext>
-              </p:extLst>
-            </p:nvPr>
-          </p:nvSpPr>
-          <p:spPr bwMode="auto">
-            <a:xfrm>
-              <a:off x="409710" y="837744"/>
-              <a:ext cx="403225" cy="1705431"/>
-            </a:xfrm>
-            <a:custGeom>
-              <a:avLst/>
-              <a:gdLst>
-                <a:gd name="T0" fmla="*/ 254 w 254"/>
-                <a:gd name="T1" fmla="*/ 987 h 1109"/>
-                <a:gd name="T2" fmla="*/ 0 w 254"/>
-                <a:gd name="T3" fmla="*/ 1109 h 1109"/>
-                <a:gd name="T4" fmla="*/ 0 w 254"/>
-                <a:gd name="T5" fmla="*/ 119 h 1109"/>
-                <a:gd name="T6" fmla="*/ 254 w 254"/>
-                <a:gd name="T7" fmla="*/ 0 h 1109"/>
-                <a:gd name="T8" fmla="*/ 254 w 254"/>
-                <a:gd name="T9" fmla="*/ 987 h 1109"/>
-              </a:gdLst>
-              <a:ahLst/>
-              <a:cxnLst>
-                <a:cxn ang="0">
-                  <a:pos x="T0" y="T1"/>
-                </a:cxn>
-                <a:cxn ang="0">
-                  <a:pos x="T2" y="T3"/>
-                </a:cxn>
-                <a:cxn ang="0">
-                  <a:pos x="T4" y="T5"/>
-                </a:cxn>
-                <a:cxn ang="0">
-                  <a:pos x="T6" y="T7"/>
-                </a:cxn>
-                <a:cxn ang="0">
-                  <a:pos x="T8" y="T9"/>
-                </a:cxn>
-              </a:cxnLst>
-              <a:rect l="0" t="0" r="r" b="b"/>
-              <a:pathLst>
-                <a:path w="254" h="1109">
-                  <a:moveTo>
-                    <a:pt x="254" y="987"/>
-                  </a:moveTo>
-                  <a:lnTo>
-                    <a:pt x="0" y="1109"/>
-                  </a:lnTo>
-                  <a:lnTo>
-                    <a:pt x="0" y="119"/>
-                  </a:lnTo>
-                  <a:lnTo>
-                    <a:pt x="254" y="0"/>
-                  </a:lnTo>
-                  <a:lnTo>
-                    <a:pt x="254" y="987"/>
-                  </a:lnTo>
-                  <a:close/>
-                </a:path>
-              </a:pathLst>
-            </a:custGeom>
-            <a:solidFill>
-              <a:schemeClr val="accent1">
-                <a:lumMod val="75000"/>
-              </a:schemeClr>
-            </a:solidFill>
-            <a:ln>
-              <a:noFill/>
-            </a:ln>
-          </p:spPr>
-          <p:txBody>
-            <a:bodyPr vert="horz" wrap="square" lIns="91440" tIns="45720" rIns="91440" bIns="45720" numCol="1" anchor="t" anchorCtr="0" compatLnSpc="1">
-              <a:prstTxWarp prst="textNoShape">
-                <a:avLst/>
-              </a:prstTxWarp>
-            </a:bodyPr>
-            <a:lstStyle/>
-            <a:p>
-              <a:pPr marL="0" marR="0" lvl="0" indent="0" algn="l" defTabSz="914400" rtl="0" eaLnBrk="1" fontAlgn="auto" latinLnBrk="0" hangingPunct="1">
-                <a:lnSpc>
-                  <a:spcPct val="100000"/>
-                </a:lnSpc>
-                <a:spcBef>
-                  <a:spcPts val="0"/>
-                </a:spcBef>
-                <a:spcAft>
-                  <a:spcPts val="0"/>
-                </a:spcAft>
-                <a:buClrTx/>
-                <a:buSzTx/>
-                <a:buFontTx/>
-                <a:buNone/>
-                <a:tabLst/>
-                <a:defRPr/>
-              </a:pPr>
-              <a:endParaRPr kumimoji="0" lang="en-US" sz="1800" b="0" i="0" u="none" strike="noStrike" kern="1200" cap="none" spc="0" normalizeH="0" baseline="0" noProof="0">
-                <a:ln>
-                  <a:noFill/>
-                </a:ln>
-                <a:solidFill>
-                  <a:prstClr val="black"/>
-                </a:solidFill>
-                <a:effectLst/>
-                <a:uLnTx/>
-                <a:uFillTx/>
-                <a:latin typeface="Calibri" panose="020F0502020204030204"/>
-                <a:ea typeface="+mn-ea"/>
-                <a:cs typeface="+mn-cs"/>
-              </a:endParaRPr>
-            </a:p>
-          </p:txBody>
-        </p:sp>
-        <p:sp>
-          <p:nvSpPr>
-            <p:cNvPr id="34" name="Freeform 47">
-              <a:extLst>
-                <a:ext uri="{FF2B5EF4-FFF2-40B4-BE49-F238E27FC236}">
-                  <a16:creationId xmlns:a16="http://schemas.microsoft.com/office/drawing/2014/main" id="{08E0243F-1062-43C6-AD04-130DFF66840E}"/>
-                </a:ext>
-                <a:ext uri="{C183D7F6-B498-43B3-948B-1728B52AA6E4}">
-                  <adec:decorative xmlns:adec="http://schemas.microsoft.com/office/drawing/2017/decorative" val="1"/>
-                </a:ext>
-              </a:extLst>
-            </p:cNvPr>
-            <p:cNvSpPr>
-              <a:spLocks/>
-            </p:cNvSpPr>
-            <p:nvPr>
-              <p:extLst>
-                <p:ext uri="{386F3935-93C4-4BCD-93E2-E3B085C9AB24}">
-                  <p16:designElem xmlns:p16="http://schemas.microsoft.com/office/powerpoint/2015/main" val="1"/>
-                </p:ext>
-              </p:extLst>
-            </p:nvPr>
-          </p:nvSpPr>
-          <p:spPr bwMode="auto">
-            <a:xfrm>
-              <a:off x="644660" y="640894"/>
-              <a:ext cx="168275" cy="1713195"/>
-            </a:xfrm>
-            <a:custGeom>
-              <a:avLst/>
-              <a:gdLst>
-                <a:gd name="T0" fmla="*/ 106 w 106"/>
-                <a:gd name="T1" fmla="*/ 1114 h 1114"/>
-                <a:gd name="T2" fmla="*/ 0 w 106"/>
-                <a:gd name="T3" fmla="*/ 1005 h 1114"/>
-                <a:gd name="T4" fmla="*/ 0 w 106"/>
-                <a:gd name="T5" fmla="*/ 0 h 1114"/>
-                <a:gd name="T6" fmla="*/ 106 w 106"/>
-                <a:gd name="T7" fmla="*/ 110 h 1114"/>
-                <a:gd name="T8" fmla="*/ 106 w 106"/>
-                <a:gd name="T9" fmla="*/ 1114 h 1114"/>
-              </a:gdLst>
-              <a:ahLst/>
-              <a:cxnLst>
-                <a:cxn ang="0">
-                  <a:pos x="T0" y="T1"/>
-                </a:cxn>
-                <a:cxn ang="0">
-                  <a:pos x="T2" y="T3"/>
-                </a:cxn>
-                <a:cxn ang="0">
-                  <a:pos x="T4" y="T5"/>
-                </a:cxn>
-                <a:cxn ang="0">
-                  <a:pos x="T6" y="T7"/>
-                </a:cxn>
-                <a:cxn ang="0">
-                  <a:pos x="T8" y="T9"/>
-                </a:cxn>
-              </a:cxnLst>
-              <a:rect l="0" t="0" r="r" b="b"/>
-              <a:pathLst>
-                <a:path w="106" h="1114">
-                  <a:moveTo>
-                    <a:pt x="106" y="1114"/>
-                  </a:moveTo>
-                  <a:lnTo>
-                    <a:pt x="0" y="1005"/>
-                  </a:lnTo>
-                  <a:lnTo>
-                    <a:pt x="0" y="0"/>
-                  </a:lnTo>
-                  <a:lnTo>
-                    <a:pt x="106" y="110"/>
-                  </a:lnTo>
-                  <a:lnTo>
-                    <a:pt x="106" y="1114"/>
-                  </a:lnTo>
-                  <a:close/>
-                </a:path>
-              </a:pathLst>
-            </a:custGeom>
-            <a:solidFill>
-              <a:schemeClr val="accent1">
-                <a:lumMod val="50000"/>
-              </a:schemeClr>
-            </a:solidFill>
-            <a:ln>
-              <a:noFill/>
-            </a:ln>
-          </p:spPr>
-          <p:txBody>
-            <a:bodyPr vert="horz" wrap="square" lIns="91440" tIns="45720" rIns="91440" bIns="45720" numCol="1" anchor="t" anchorCtr="0" compatLnSpc="1">
-              <a:prstTxWarp prst="textNoShape">
-                <a:avLst/>
-              </a:prstTxWarp>
-            </a:bodyPr>
-            <a:lstStyle/>
-            <a:p>
-              <a:pPr marL="0" marR="0" lvl="0" indent="0" algn="l" defTabSz="914400" rtl="0" eaLnBrk="1" fontAlgn="auto" latinLnBrk="0" hangingPunct="1">
-                <a:lnSpc>
-                  <a:spcPct val="100000"/>
-                </a:lnSpc>
-                <a:spcBef>
-                  <a:spcPts val="0"/>
-                </a:spcBef>
-                <a:spcAft>
-                  <a:spcPts val="0"/>
-                </a:spcAft>
-                <a:buClrTx/>
-                <a:buSzTx/>
-                <a:buFontTx/>
-                <a:buNone/>
-                <a:tabLst/>
-                <a:defRPr/>
-              </a:pPr>
-              <a:endParaRPr kumimoji="0" lang="en-US" sz="1800" b="0" i="0" u="none" strike="noStrike" kern="1200" cap="none" spc="0" normalizeH="0" baseline="0" noProof="0">
-                <a:ln>
-                  <a:noFill/>
-                </a:ln>
-                <a:solidFill>
-                  <a:prstClr val="black"/>
-                </a:solidFill>
-                <a:effectLst/>
-                <a:uLnTx/>
-                <a:uFillTx/>
-                <a:latin typeface="Calibri" panose="020F0502020204030204"/>
-                <a:ea typeface="+mn-ea"/>
-                <a:cs typeface="+mn-cs"/>
-              </a:endParaRPr>
-            </a:p>
-          </p:txBody>
-        </p:sp>
-        <p:sp>
-          <p:nvSpPr>
-            <p:cNvPr id="35" name="Rectangle 34">
-              <a:extLst>
-                <a:ext uri="{FF2B5EF4-FFF2-40B4-BE49-F238E27FC236}">
-                  <a16:creationId xmlns:a16="http://schemas.microsoft.com/office/drawing/2014/main" id="{94C5517B-1B0F-47AA-93A5-36718996986F}"/>
-                </a:ext>
-                <a:ext uri="{C183D7F6-B498-43B3-948B-1728B52AA6E4}">
-                  <adec:decorative xmlns:adec="http://schemas.microsoft.com/office/drawing/2017/decorative" val="1"/>
-                </a:ext>
-              </a:extLst>
-            </p:cNvPr>
-            <p:cNvSpPr>
-              <a:spLocks noChangeArrowheads="1"/>
-            </p:cNvSpPr>
-            <p:nvPr>
-              <p:extLst>
-                <p:ext uri="{386F3935-93C4-4BCD-93E2-E3B085C9AB24}">
-                  <p16:designElem xmlns:p16="http://schemas.microsoft.com/office/powerpoint/2015/main" val="1"/>
-                </p:ext>
-              </p:extLst>
-            </p:nvPr>
-          </p:nvSpPr>
-          <p:spPr bwMode="auto">
-            <a:xfrm>
-              <a:off x="644055" y="635715"/>
-              <a:ext cx="10907863" cy="1541457"/>
-            </a:xfrm>
-            <a:prstGeom prst="rect">
-              <a:avLst/>
-            </a:prstGeom>
-            <a:solidFill>
-              <a:schemeClr val="accent1"/>
-            </a:solidFill>
-            <a:ln>
-              <a:noFill/>
-            </a:ln>
-          </p:spPr>
-          <p:txBody>
-            <a:bodyPr vert="horz" wrap="square" lIns="91440" tIns="45720" rIns="91440" bIns="45720" numCol="1" anchor="t" anchorCtr="0" compatLnSpc="1">
-              <a:prstTxWarp prst="textNoShape">
-                <a:avLst/>
-              </a:prstTxWarp>
-            </a:bodyPr>
-            <a:lstStyle/>
-            <a:p>
-              <a:pPr marL="0" marR="0" lvl="0" indent="0" algn="l" defTabSz="914400" rtl="0" eaLnBrk="1" fontAlgn="auto" latinLnBrk="0" hangingPunct="1">
-                <a:lnSpc>
-                  <a:spcPct val="100000"/>
-                </a:lnSpc>
-                <a:spcBef>
-                  <a:spcPts val="0"/>
-                </a:spcBef>
-                <a:spcAft>
-                  <a:spcPts val="0"/>
-                </a:spcAft>
-                <a:buClrTx/>
-                <a:buSzTx/>
-                <a:buFontTx/>
-                <a:buNone/>
-                <a:tabLst/>
-                <a:defRPr/>
-              </a:pPr>
-              <a:endParaRPr kumimoji="0" lang="en-US" sz="1800" b="0" i="0" u="none" strike="noStrike" kern="1200" cap="none" spc="0" normalizeH="0" baseline="0" noProof="0">
-                <a:ln>
-                  <a:noFill/>
-                </a:ln>
-                <a:solidFill>
-                  <a:prstClr val="black"/>
-                </a:solidFill>
-                <a:effectLst/>
-                <a:uLnTx/>
-                <a:uFillTx/>
-                <a:latin typeface="Calibri" panose="020F0502020204030204"/>
-                <a:ea typeface="+mn-ea"/>
-                <a:cs typeface="+mn-cs"/>
-              </a:endParaRPr>
-            </a:p>
-          </p:txBody>
-        </p:sp>
-      </p:grpSp>
-      <p:sp>
-        <p:nvSpPr>
-          <p:cNvPr id="2" name="Title 1">
-            <a:extLst>
-              <a:ext uri="{FF2B5EF4-FFF2-40B4-BE49-F238E27FC236}">
-                <a16:creationId xmlns:a16="http://schemas.microsoft.com/office/drawing/2014/main" id="{3032736B-ECF9-4859-83C3-B3F243B34DE4}"/>
-              </a:ext>
-            </a:extLst>
-          </p:cNvPr>
-          <p:cNvSpPr>
-            <a:spLocks noGrp="1"/>
-          </p:cNvSpPr>
-          <p:nvPr>
-            <p:ph type="title"/>
-          </p:nvPr>
-        </p:nvSpPr>
-        <p:spPr>
-          <a:xfrm>
-            <a:off x="1047280" y="759805"/>
-            <a:ext cx="10306520" cy="1325563"/>
-          </a:xfrm>
-        </p:spPr>
-        <p:txBody>
-          <a:bodyPr>
-            <a:normAutofit/>
-          </a:bodyPr>
-          <a:lstStyle/>
-          <a:p>
-            <a:r>
-              <a:rPr lang="en-US" sz="4000" dirty="0">
-                <a:solidFill>
-                  <a:srgbClr val="FFFFFF"/>
-                </a:solidFill>
-              </a:rPr>
-              <a:t>Machine Learning</a:t>
-            </a:r>
-          </a:p>
-        </p:txBody>
-      </p:sp>
-      <p:sp>
-        <p:nvSpPr>
-          <p:cNvPr id="4" name="Content Placeholder 3">
-            <a:extLst>
-              <a:ext uri="{FF2B5EF4-FFF2-40B4-BE49-F238E27FC236}">
-                <a16:creationId xmlns:a16="http://schemas.microsoft.com/office/drawing/2014/main" id="{3655B4DF-128C-4EF3-8136-9ACCB97BA2BC}"/>
-              </a:ext>
-            </a:extLst>
-          </p:cNvPr>
-          <p:cNvSpPr>
-            <a:spLocks noGrp="1"/>
-          </p:cNvSpPr>
-          <p:nvPr>
-            <p:ph idx="1"/>
-          </p:nvPr>
-        </p:nvSpPr>
-        <p:spPr>
-          <a:xfrm>
-            <a:off x="1047280" y="2269973"/>
-            <a:ext cx="10306520" cy="2780199"/>
-          </a:xfrm>
-        </p:spPr>
-        <p:txBody>
-          <a:bodyPr>
-            <a:normAutofit fontScale="92500" lnSpcReduction="20000"/>
-          </a:bodyPr>
-          <a:lstStyle/>
-          <a:p>
-            <a:pPr marL="0" marR="0">
-              <a:lnSpc>
-                <a:spcPct val="107000"/>
-              </a:lnSpc>
-              <a:spcBef>
-                <a:spcPts val="0"/>
-              </a:spcBef>
-              <a:spcAft>
-                <a:spcPts val="800"/>
-              </a:spcAft>
-            </a:pPr>
-            <a:r>
-              <a:rPr lang="en-US" dirty="0">
-                <a:latin typeface="Calibri" panose="020F0502020204030204" pitchFamily="34" charset="0"/>
-                <a:ea typeface="Calibri" panose="020F0502020204030204" pitchFamily="34" charset="0"/>
-                <a:cs typeface="Times New Roman" panose="02020603050405020304" pitchFamily="18" charset="0"/>
-              </a:rPr>
-              <a:t>Identification of the correlation between features of the dataset.</a:t>
-            </a:r>
-          </a:p>
-          <a:p>
-            <a:pPr marL="0" marR="0">
-              <a:lnSpc>
-                <a:spcPct val="107000"/>
-              </a:lnSpc>
-              <a:spcBef>
-                <a:spcPts val="0"/>
-              </a:spcBef>
-              <a:spcAft>
-                <a:spcPts val="800"/>
-              </a:spcAft>
-            </a:pPr>
-            <a:r>
-              <a:rPr lang="en-US" sz="2800" dirty="0">
-                <a:effectLst/>
-                <a:latin typeface="Calibri" panose="020F0502020204030204" pitchFamily="34" charset="0"/>
-                <a:ea typeface="Calibri" panose="020F0502020204030204" pitchFamily="34" charset="0"/>
-                <a:cs typeface="Times New Roman" panose="02020603050405020304" pitchFamily="18" charset="0"/>
-              </a:rPr>
-              <a:t>Process of </a:t>
-            </a:r>
-            <a:r>
-              <a:rPr lang="en-US" dirty="0">
-                <a:latin typeface="Calibri" panose="020F0502020204030204" pitchFamily="34" charset="0"/>
-                <a:ea typeface="Calibri" panose="020F0502020204030204" pitchFamily="34" charset="0"/>
-                <a:cs typeface="Times New Roman" panose="02020603050405020304" pitchFamily="18" charset="0"/>
-              </a:rPr>
-              <a:t>running every Linear Regression and Decision Tree models to find the best model for the Price Predictor tool.</a:t>
-            </a:r>
-          </a:p>
-          <a:p>
-            <a:pPr marL="0" marR="0">
-              <a:lnSpc>
-                <a:spcPct val="107000"/>
-              </a:lnSpc>
-              <a:spcBef>
-                <a:spcPts val="0"/>
-              </a:spcBef>
-              <a:spcAft>
-                <a:spcPts val="800"/>
-              </a:spcAft>
-            </a:pPr>
-            <a:r>
-              <a:rPr lang="en-US" dirty="0">
-                <a:latin typeface="Calibri" panose="020F0502020204030204" pitchFamily="34" charset="0"/>
-                <a:ea typeface="Calibri" panose="020F0502020204030204" pitchFamily="34" charset="0"/>
-                <a:cs typeface="Times New Roman" panose="02020603050405020304" pitchFamily="18" charset="0"/>
-              </a:rPr>
-              <a:t>Linear Regression chosen due to best fit for data in accuracy, predictability and R2. </a:t>
-            </a:r>
-          </a:p>
-          <a:p>
-            <a:pPr marL="0" marR="0">
-              <a:lnSpc>
-                <a:spcPct val="107000"/>
-              </a:lnSpc>
-              <a:spcBef>
-                <a:spcPts val="0"/>
-              </a:spcBef>
-              <a:spcAft>
-                <a:spcPts val="800"/>
-              </a:spcAft>
-            </a:pPr>
-            <a:r>
-              <a:rPr lang="en-US" dirty="0">
-                <a:latin typeface="Calibri" panose="020F0502020204030204" pitchFamily="34" charset="0"/>
-                <a:ea typeface="Calibri" panose="020F0502020204030204" pitchFamily="34" charset="0"/>
-                <a:cs typeface="Times New Roman" panose="02020603050405020304" pitchFamily="18" charset="0"/>
-              </a:rPr>
-              <a:t>Predictability model with step by step instructions for ease of use.</a:t>
-            </a:r>
-          </a:p>
-          <a:p>
-            <a:pPr marL="0" marR="0">
-              <a:lnSpc>
-                <a:spcPct val="107000"/>
-              </a:lnSpc>
-              <a:spcBef>
-                <a:spcPts val="0"/>
-              </a:spcBef>
-              <a:spcAft>
-                <a:spcPts val="800"/>
-              </a:spcAft>
-            </a:pPr>
-            <a:endParaRPr lang="en-US" sz="2800" dirty="0">
-              <a:effectLst/>
-              <a:latin typeface="Calibri" panose="020F0502020204030204" pitchFamily="34" charset="0"/>
-              <a:ea typeface="Calibri" panose="020F0502020204030204" pitchFamily="34" charset="0"/>
-              <a:cs typeface="Times New Roman" panose="02020603050405020304" pitchFamily="18" charset="0"/>
-            </a:endParaRPr>
-          </a:p>
-          <a:p>
-            <a:pPr lvl="1"/>
-            <a:endParaRPr lang="en-US" dirty="0"/>
-          </a:p>
-          <a:p>
-            <a:pPr lvl="1"/>
-            <a:endParaRPr lang="en-US" dirty="0"/>
-          </a:p>
-          <a:p>
-            <a:pPr lvl="1"/>
-            <a:endParaRPr lang="en-US" dirty="0"/>
-          </a:p>
-        </p:txBody>
-      </p:sp>
-      <p:sp>
-        <p:nvSpPr>
-          <p:cNvPr id="5" name="TextBox 4">
-            <a:extLst>
-              <a:ext uri="{FF2B5EF4-FFF2-40B4-BE49-F238E27FC236}">
-                <a16:creationId xmlns:a16="http://schemas.microsoft.com/office/drawing/2014/main" id="{6BCFE795-946C-4865-A7D9-291CC9D6EE34}"/>
-              </a:ext>
-            </a:extLst>
-          </p:cNvPr>
-          <p:cNvSpPr txBox="1"/>
-          <p:nvPr/>
-        </p:nvSpPr>
-        <p:spPr>
-          <a:xfrm>
-            <a:off x="2944536" y="5159229"/>
-            <a:ext cx="6526635" cy="461665"/>
-          </a:xfrm>
-          <a:prstGeom prst="rect">
-            <a:avLst/>
-          </a:prstGeom>
-          <a:noFill/>
-        </p:spPr>
-        <p:txBody>
-          <a:bodyPr wrap="square" rtlCol="0">
-            <a:spAutoFit/>
-          </a:bodyPr>
-          <a:lstStyle/>
-          <a:p>
-            <a:pPr marL="0" marR="0" lvl="0" indent="0" algn="ctr" defTabSz="914400" rtl="0" eaLnBrk="1" fontAlgn="auto" latinLnBrk="0" hangingPunct="1">
-              <a:lnSpc>
-                <a:spcPct val="100000"/>
-              </a:lnSpc>
-              <a:spcBef>
-                <a:spcPts val="0"/>
-              </a:spcBef>
-              <a:spcAft>
-                <a:spcPts val="0"/>
-              </a:spcAft>
-              <a:buClrTx/>
-              <a:buSzTx/>
-              <a:buFontTx/>
-              <a:buNone/>
-              <a:tabLst/>
-              <a:defRPr/>
-            </a:pPr>
-            <a:r>
-              <a:rPr kumimoji="0" lang="en-US" sz="2400" b="0" i="0" u="none" strike="noStrike" kern="1200" cap="none" spc="0" normalizeH="0" baseline="0" noProof="0" dirty="0">
-                <a:ln>
-                  <a:noFill/>
-                </a:ln>
-                <a:solidFill>
-                  <a:prstClr val="black"/>
-                </a:solidFill>
-                <a:effectLst/>
-                <a:uLnTx/>
-                <a:uFillTx/>
-                <a:latin typeface="Calibri" panose="020F0502020204030204"/>
-                <a:ea typeface="+mn-ea"/>
-                <a:cs typeface="+mn-cs"/>
-              </a:rPr>
-              <a:t>WEB APPLICATION DEMO</a:t>
-            </a:r>
-          </a:p>
-        </p:txBody>
-      </p:sp>
-    </p:spTree>
-    <p:extLst>
-      <p:ext uri="{BB962C8B-B14F-4D97-AF65-F5344CB8AC3E}">
-        <p14:creationId xmlns:p14="http://schemas.microsoft.com/office/powerpoint/2010/main" val="2504181313"/>
+        <p14:creationId xmlns:p14="http://schemas.microsoft.com/office/powerpoint/2010/main" val="4010909877"/>
       </p:ext>
     </p:extLst>
   </p:cSld>
